--- a/Documentation/Smart braking system.pptx
+++ b/Documentation/Smart braking system.pptx
@@ -4,6 +4,9 @@
   <p:sldMasterIdLst>
     <p:sldMasterId id="2147483678" r:id="rId1"/>
   </p:sldMasterIdLst>
+  <p:notesMasterIdLst>
+    <p:notesMasterId r:id="rId10"/>
+  </p:notesMasterIdLst>
   <p:sldIdLst>
     <p:sldId id="256" r:id="rId2"/>
     <p:sldId id="257" r:id="rId3"/>
@@ -123,8 +126,10 @@
 <p1510:revInfo xmlns:a="http://schemas.openxmlformats.org/drawingml/2006/main" xmlns:r="http://schemas.openxmlformats.org/officeDocument/2006/relationships" xmlns:p1510="http://schemas.microsoft.com/office/powerpoint/2015/10/main">
   <p1510:revLst>
     <p1510:client id="{3D8A875C-4916-02D3-69D9-9C0A0498EF1D}" v="20" dt="2022-12-07T22:30:56.221"/>
+    <p1510:client id="{5AA80656-9B75-750A-B765-9EC1BBC7276C}" v="13" dt="2022-12-14T18:06:38.776"/>
     <p1510:client id="{6F4751CE-308F-28D7-B34D-3C35D43A15A8}" v="97" dt="2022-12-07T22:36:45.781"/>
     <p1510:client id="{909EA48C-CE50-4E95-9138-60EAEEE33572}" v="784" dt="2022-12-07T22:23:30.249"/>
+    <p1510:client id="{C21D3707-1F92-264F-450A-4B5CB5FEFF6D}" v="87" dt="2022-12-14T17:55:43.384"/>
     <p1510:client id="{FE11E9A1-21D9-9C41-8B06-9FC7CDC4C525}" v="25" dt="2022-12-07T22:27:47.106"/>
   </p1510:revLst>
 </p1510:revInfo>
@@ -1627,7 +1632,1304 @@
       </pc:sldMasterChg>
     </pc:docChg>
   </pc:docChgLst>
+  <pc:docChgLst>
+    <pc:chgData name="Gorondi János" userId="S::janos.gorondi@edu.bme.hu::f40e2b48-2d59-456a-b525-95fd9407c9db" providerId="AD" clId="Web-{C21D3707-1F92-264F-450A-4B5CB5FEFF6D}"/>
+    <pc:docChg chg="modSld">
+      <pc:chgData name="Gorondi János" userId="S::janos.gorondi@edu.bme.hu::f40e2b48-2d59-456a-b525-95fd9407c9db" providerId="AD" clId="Web-{C21D3707-1F92-264F-450A-4B5CB5FEFF6D}" dt="2022-12-14T17:55:39.900" v="94"/>
+      <pc:docMkLst>
+        <pc:docMk/>
+      </pc:docMkLst>
+      <pc:sldChg chg="modSp modAnim">
+        <pc:chgData name="Gorondi János" userId="S::janos.gorondi@edu.bme.hu::f40e2b48-2d59-456a-b525-95fd9407c9db" providerId="AD" clId="Web-{C21D3707-1F92-264F-450A-4B5CB5FEFF6D}" dt="2022-12-14T17:54:53.149" v="91"/>
+        <pc:sldMkLst>
+          <pc:docMk/>
+          <pc:sldMk cId="4266748471" sldId="256"/>
+        </pc:sldMkLst>
+        <pc:spChg chg="mod">
+          <ac:chgData name="Gorondi János" userId="S::janos.gorondi@edu.bme.hu::f40e2b48-2d59-456a-b525-95fd9407c9db" providerId="AD" clId="Web-{C21D3707-1F92-264F-450A-4B5CB5FEFF6D}" dt="2022-12-14T17:28:36.285" v="62" actId="1076"/>
+          <ac:spMkLst>
+            <pc:docMk/>
+            <pc:sldMk cId="4266748471" sldId="256"/>
+            <ac:spMk id="2" creationId="{00000000-0000-0000-0000-000000000000}"/>
+          </ac:spMkLst>
+        </pc:spChg>
+        <pc:spChg chg="mod">
+          <ac:chgData name="Gorondi János" userId="S::janos.gorondi@edu.bme.hu::f40e2b48-2d59-456a-b525-95fd9407c9db" providerId="AD" clId="Web-{C21D3707-1F92-264F-450A-4B5CB5FEFF6D}" dt="2022-12-14T17:27:55.081" v="53" actId="1076"/>
+          <ac:spMkLst>
+            <pc:docMk/>
+            <pc:sldMk cId="4266748471" sldId="256"/>
+            <ac:spMk id="3" creationId="{00000000-0000-0000-0000-000000000000}"/>
+          </ac:spMkLst>
+        </pc:spChg>
+        <pc:picChg chg="mod">
+          <ac:chgData name="Gorondi János" userId="S::janos.gorondi@edu.bme.hu::f40e2b48-2d59-456a-b525-95fd9407c9db" providerId="AD" clId="Web-{C21D3707-1F92-264F-450A-4B5CB5FEFF6D}" dt="2022-12-14T17:28:30.769" v="61" actId="1076"/>
+          <ac:picMkLst>
+            <pc:docMk/>
+            <pc:sldMk cId="4266748471" sldId="256"/>
+            <ac:picMk id="5" creationId="{C55DEBE9-37ED-B790-082F-843836BF9FC4}"/>
+          </ac:picMkLst>
+        </pc:picChg>
+      </pc:sldChg>
+      <pc:sldChg chg="modSp modNotes">
+        <pc:chgData name="Gorondi János" userId="S::janos.gorondi@edu.bme.hu::f40e2b48-2d59-456a-b525-95fd9407c9db" providerId="AD" clId="Web-{C21D3707-1F92-264F-450A-4B5CB5FEFF6D}" dt="2022-12-14T17:55:39.900" v="94"/>
+        <pc:sldMkLst>
+          <pc:docMk/>
+          <pc:sldMk cId="351482292" sldId="257"/>
+        </pc:sldMkLst>
+        <pc:spChg chg="mod">
+          <ac:chgData name="Gorondi János" userId="S::janos.gorondi@edu.bme.hu::f40e2b48-2d59-456a-b525-95fd9407c9db" providerId="AD" clId="Web-{C21D3707-1F92-264F-450A-4B5CB5FEFF6D}" dt="2022-12-14T17:27:09.986" v="29" actId="20577"/>
+          <ac:spMkLst>
+            <pc:docMk/>
+            <pc:sldMk cId="351482292" sldId="257"/>
+            <ac:spMk id="2" creationId="{165D7E39-FFA3-7A2D-5B31-A8ABD8E14646}"/>
+          </ac:spMkLst>
+        </pc:spChg>
+        <pc:spChg chg="mod">
+          <ac:chgData name="Gorondi János" userId="S::janos.gorondi@edu.bme.hu::f40e2b48-2d59-456a-b525-95fd9407c9db" providerId="AD" clId="Web-{C21D3707-1F92-264F-450A-4B5CB5FEFF6D}" dt="2022-12-14T17:50:50.346" v="76" actId="20577"/>
+          <ac:spMkLst>
+            <pc:docMk/>
+            <pc:sldMk cId="351482292" sldId="257"/>
+            <ac:spMk id="3" creationId="{80B53B1B-7C81-D50F-FC81-BB3A0C759EF4}"/>
+          </ac:spMkLst>
+        </pc:spChg>
+      </pc:sldChg>
+      <pc:sldChg chg="modSp">
+        <pc:chgData name="Gorondi János" userId="S::janos.gorondi@edu.bme.hu::f40e2b48-2d59-456a-b525-95fd9407c9db" providerId="AD" clId="Web-{C21D3707-1F92-264F-450A-4B5CB5FEFF6D}" dt="2022-12-14T17:27:06.892" v="28" actId="20577"/>
+        <pc:sldMkLst>
+          <pc:docMk/>
+          <pc:sldMk cId="4019949975" sldId="258"/>
+        </pc:sldMkLst>
+        <pc:spChg chg="mod">
+          <ac:chgData name="Gorondi János" userId="S::janos.gorondi@edu.bme.hu::f40e2b48-2d59-456a-b525-95fd9407c9db" providerId="AD" clId="Web-{C21D3707-1F92-264F-450A-4B5CB5FEFF6D}" dt="2022-12-14T17:27:06.892" v="28" actId="20577"/>
+          <ac:spMkLst>
+            <pc:docMk/>
+            <pc:sldMk cId="4019949975" sldId="258"/>
+            <ac:spMk id="2" creationId="{23B8E34F-8EBF-D87A-3C0F-14B0D0004FD6}"/>
+          </ac:spMkLst>
+        </pc:spChg>
+      </pc:sldChg>
+      <pc:sldChg chg="addSp modSp">
+        <pc:chgData name="Gorondi János" userId="S::janos.gorondi@edu.bme.hu::f40e2b48-2d59-456a-b525-95fd9407c9db" providerId="AD" clId="Web-{C21D3707-1F92-264F-450A-4B5CB5FEFF6D}" dt="2022-12-14T17:27:02.939" v="26" actId="20577"/>
+        <pc:sldMkLst>
+          <pc:docMk/>
+          <pc:sldMk cId="2656372482" sldId="259"/>
+        </pc:sldMkLst>
+        <pc:spChg chg="mod">
+          <ac:chgData name="Gorondi János" userId="S::janos.gorondi@edu.bme.hu::f40e2b48-2d59-456a-b525-95fd9407c9db" providerId="AD" clId="Web-{C21D3707-1F92-264F-450A-4B5CB5FEFF6D}" dt="2022-12-14T17:27:02.939" v="26" actId="20577"/>
+          <ac:spMkLst>
+            <pc:docMk/>
+            <pc:sldMk cId="2656372482" sldId="259"/>
+            <ac:spMk id="2" creationId="{23B8E34F-8EBF-D87A-3C0F-14B0D0004FD6}"/>
+          </ac:spMkLst>
+        </pc:spChg>
+        <pc:spChg chg="add mod">
+          <ac:chgData name="Gorondi János" userId="S::janos.gorondi@edu.bme.hu::f40e2b48-2d59-456a-b525-95fd9407c9db" providerId="AD" clId="Web-{C21D3707-1F92-264F-450A-4B5CB5FEFF6D}" dt="2022-12-14T17:23:38.872" v="7"/>
+          <ac:spMkLst>
+            <pc:docMk/>
+            <pc:sldMk cId="2656372482" sldId="259"/>
+            <ac:spMk id="4" creationId="{0025BB2D-3F2D-FBD5-B4DC-0CC77C90F6A5}"/>
+          </ac:spMkLst>
+        </pc:spChg>
+      </pc:sldChg>
+      <pc:sldChg chg="modSp">
+        <pc:chgData name="Gorondi János" userId="S::janos.gorondi@edu.bme.hu::f40e2b48-2d59-456a-b525-95fd9407c9db" providerId="AD" clId="Web-{C21D3707-1F92-264F-450A-4B5CB5FEFF6D}" dt="2022-12-14T17:26:57.111" v="24" actId="20577"/>
+        <pc:sldMkLst>
+          <pc:docMk/>
+          <pc:sldMk cId="2398911927" sldId="260"/>
+        </pc:sldMkLst>
+        <pc:spChg chg="mod">
+          <ac:chgData name="Gorondi János" userId="S::janos.gorondi@edu.bme.hu::f40e2b48-2d59-456a-b525-95fd9407c9db" providerId="AD" clId="Web-{C21D3707-1F92-264F-450A-4B5CB5FEFF6D}" dt="2022-12-14T17:26:57.111" v="24" actId="20577"/>
+          <ac:spMkLst>
+            <pc:docMk/>
+            <pc:sldMk cId="2398911927" sldId="260"/>
+            <ac:spMk id="2" creationId="{23B8E34F-8EBF-D87A-3C0F-14B0D0004FD6}"/>
+          </ac:spMkLst>
+        </pc:spChg>
+      </pc:sldChg>
+      <pc:sldChg chg="modSp">
+        <pc:chgData name="Gorondi János" userId="S::janos.gorondi@edu.bme.hu::f40e2b48-2d59-456a-b525-95fd9407c9db" providerId="AD" clId="Web-{C21D3707-1F92-264F-450A-4B5CB5FEFF6D}" dt="2022-12-14T17:26:46.579" v="20" actId="20577"/>
+        <pc:sldMkLst>
+          <pc:docMk/>
+          <pc:sldMk cId="51474498" sldId="262"/>
+        </pc:sldMkLst>
+        <pc:spChg chg="mod">
+          <ac:chgData name="Gorondi János" userId="S::janos.gorondi@edu.bme.hu::f40e2b48-2d59-456a-b525-95fd9407c9db" providerId="AD" clId="Web-{C21D3707-1F92-264F-450A-4B5CB5FEFF6D}" dt="2022-12-14T17:26:46.579" v="20" actId="20577"/>
+          <ac:spMkLst>
+            <pc:docMk/>
+            <pc:sldMk cId="51474498" sldId="262"/>
+            <ac:spMk id="2" creationId="{23B8E34F-8EBF-D87A-3C0F-14B0D0004FD6}"/>
+          </ac:spMkLst>
+        </pc:spChg>
+      </pc:sldChg>
+      <pc:sldChg chg="addSp modSp">
+        <pc:chgData name="Gorondi János" userId="S::janos.gorondi@edu.bme.hu::f40e2b48-2d59-456a-b525-95fd9407c9db" providerId="AD" clId="Web-{C21D3707-1F92-264F-450A-4B5CB5FEFF6D}" dt="2022-12-14T17:26:52.845" v="22" actId="1076"/>
+        <pc:sldMkLst>
+          <pc:docMk/>
+          <pc:sldMk cId="1012125373" sldId="263"/>
+        </pc:sldMkLst>
+        <pc:spChg chg="mod">
+          <ac:chgData name="Gorondi János" userId="S::janos.gorondi@edu.bme.hu::f40e2b48-2d59-456a-b525-95fd9407c9db" providerId="AD" clId="Web-{C21D3707-1F92-264F-450A-4B5CB5FEFF6D}" dt="2022-12-14T17:26:52.845" v="22" actId="1076"/>
+          <ac:spMkLst>
+            <pc:docMk/>
+            <pc:sldMk cId="1012125373" sldId="263"/>
+            <ac:spMk id="2" creationId="{23B8E34F-8EBF-D87A-3C0F-14B0D0004FD6}"/>
+          </ac:spMkLst>
+        </pc:spChg>
+        <pc:spChg chg="add mod">
+          <ac:chgData name="Gorondi János" userId="S::janos.gorondi@edu.bme.hu::f40e2b48-2d59-456a-b525-95fd9407c9db" providerId="AD" clId="Web-{C21D3707-1F92-264F-450A-4B5CB5FEFF6D}" dt="2022-12-14T17:24:00.888" v="11" actId="1076"/>
+          <ac:spMkLst>
+            <pc:docMk/>
+            <pc:sldMk cId="1012125373" sldId="263"/>
+            <ac:spMk id="6" creationId="{1503D85A-0794-A096-17E6-0CF9D6C436EE}"/>
+          </ac:spMkLst>
+        </pc:spChg>
+      </pc:sldChg>
+      <pc:sldChg chg="modSp">
+        <pc:chgData name="Gorondi János" userId="S::janos.gorondi@edu.bme.hu::f40e2b48-2d59-456a-b525-95fd9407c9db" providerId="AD" clId="Web-{C21D3707-1F92-264F-450A-4B5CB5FEFF6D}" dt="2022-12-14T17:26:42.282" v="19" actId="20577"/>
+        <pc:sldMkLst>
+          <pc:docMk/>
+          <pc:sldMk cId="2637228364" sldId="264"/>
+        </pc:sldMkLst>
+        <pc:spChg chg="mod">
+          <ac:chgData name="Gorondi János" userId="S::janos.gorondi@edu.bme.hu::f40e2b48-2d59-456a-b525-95fd9407c9db" providerId="AD" clId="Web-{C21D3707-1F92-264F-450A-4B5CB5FEFF6D}" dt="2022-12-14T17:26:42.282" v="19" actId="20577"/>
+          <ac:spMkLst>
+            <pc:docMk/>
+            <pc:sldMk cId="2637228364" sldId="264"/>
+            <ac:spMk id="2" creationId="{269F2655-33CD-8A94-6555-396A2BDB263C}"/>
+          </ac:spMkLst>
+        </pc:spChg>
+        <pc:spChg chg="mod">
+          <ac:chgData name="Gorondi János" userId="S::janos.gorondi@edu.bme.hu::f40e2b48-2d59-456a-b525-95fd9407c9db" providerId="AD" clId="Web-{C21D3707-1F92-264F-450A-4B5CB5FEFF6D}" dt="2022-12-14T17:24:58.248" v="18" actId="20577"/>
+          <ac:spMkLst>
+            <pc:docMk/>
+            <pc:sldMk cId="2637228364" sldId="264"/>
+            <ac:spMk id="5" creationId="{7F435E0C-B18B-863D-4690-1E0E8A8E634F}"/>
+          </ac:spMkLst>
+        </pc:spChg>
+      </pc:sldChg>
+    </pc:docChg>
+  </pc:docChgLst>
+  <pc:docChgLst>
+    <pc:chgData name="Gorondi János" userId="S::janos.gorondi@edu.bme.hu::f40e2b48-2d59-456a-b525-95fd9407c9db" providerId="AD" clId="Web-{5AA80656-9B75-750A-B765-9EC1BBC7276C}"/>
+    <pc:docChg chg="modSld">
+      <pc:chgData name="Gorondi János" userId="S::janos.gorondi@edu.bme.hu::f40e2b48-2d59-456a-b525-95fd9407c9db" providerId="AD" clId="Web-{5AA80656-9B75-750A-B765-9EC1BBC7276C}" dt="2022-12-14T18:14:50.728" v="58"/>
+      <pc:docMkLst>
+        <pc:docMk/>
+      </pc:docMkLst>
+      <pc:sldChg chg="modSp modNotes">
+        <pc:chgData name="Gorondi János" userId="S::janos.gorondi@edu.bme.hu::f40e2b48-2d59-456a-b525-95fd9407c9db" providerId="AD" clId="Web-{5AA80656-9B75-750A-B765-9EC1BBC7276C}" dt="2022-12-14T18:14:08.773" v="51"/>
+        <pc:sldMkLst>
+          <pc:docMk/>
+          <pc:sldMk cId="51474498" sldId="262"/>
+        </pc:sldMkLst>
+        <pc:spChg chg="mod">
+          <ac:chgData name="Gorondi János" userId="S::janos.gorondi@edu.bme.hu::f40e2b48-2d59-456a-b525-95fd9407c9db" providerId="AD" clId="Web-{5AA80656-9B75-750A-B765-9EC1BBC7276C}" dt="2022-12-14T18:06:38.776" v="12" actId="20577"/>
+          <ac:spMkLst>
+            <pc:docMk/>
+            <pc:sldMk cId="51474498" sldId="262"/>
+            <ac:spMk id="11" creationId="{0ED6B7B7-032C-7B14-7B6C-8DDD2FC70B8E}"/>
+          </ac:spMkLst>
+        </pc:spChg>
+      </pc:sldChg>
+      <pc:sldChg chg="modNotes">
+        <pc:chgData name="Gorondi János" userId="S::janos.gorondi@edu.bme.hu::f40e2b48-2d59-456a-b525-95fd9407c9db" providerId="AD" clId="Web-{5AA80656-9B75-750A-B765-9EC1BBC7276C}" dt="2022-12-14T18:14:50.728" v="58"/>
+        <pc:sldMkLst>
+          <pc:docMk/>
+          <pc:sldMk cId="2637228364" sldId="264"/>
+        </pc:sldMkLst>
+      </pc:sldChg>
+    </pc:docChg>
+  </pc:docChgLst>
+  <pc:docChgLst>
+    <pc:chgData name="Gorondi János" userId="S::janos.gorondi@edu.bme.hu::f40e2b48-2d59-456a-b525-95fd9407c9db" providerId="AD" clId="Web-{265A3E17-B5E7-4CC5-58F1-930D9FD2B21D}"/>
+    <pc:docChg chg="modSld">
+      <pc:chgData name="Gorondi János" userId="S::janos.gorondi@edu.bme.hu::f40e2b48-2d59-456a-b525-95fd9407c9db" providerId="AD" clId="Web-{265A3E17-B5E7-4CC5-58F1-930D9FD2B21D}" dt="2022-12-14T18:02:08.543" v="46"/>
+      <pc:docMkLst>
+        <pc:docMk/>
+      </pc:docMkLst>
+      <pc:sldChg chg="modNotes">
+        <pc:chgData name="Gorondi János" userId="S::janos.gorondi@edu.bme.hu::f40e2b48-2d59-456a-b525-95fd9407c9db" providerId="AD" clId="Web-{265A3E17-B5E7-4CC5-58F1-930D9FD2B21D}" dt="2022-12-14T17:59:26.117" v="42"/>
+        <pc:sldMkLst>
+          <pc:docMk/>
+          <pc:sldMk cId="4019949975" sldId="258"/>
+        </pc:sldMkLst>
+      </pc:sldChg>
+      <pc:sldChg chg="modNotes">
+        <pc:chgData name="Gorondi János" userId="S::janos.gorondi@edu.bme.hu::f40e2b48-2d59-456a-b525-95fd9407c9db" providerId="AD" clId="Web-{265A3E17-B5E7-4CC5-58F1-930D9FD2B21D}" dt="2022-12-14T18:02:08.543" v="46"/>
+        <pc:sldMkLst>
+          <pc:docMk/>
+          <pc:sldMk cId="2398911927" sldId="260"/>
+        </pc:sldMkLst>
+      </pc:sldChg>
+    </pc:docChg>
+  </pc:docChgLst>
 </pc:chgInfo>
+</file>
+
+<file path=ppt/notesMasters/notesMaster1.xml><?xml version="1.0" encoding="utf-8"?>
+<p:notesMaster xmlns:a="http://schemas.openxmlformats.org/drawingml/2006/main" xmlns:r="http://schemas.openxmlformats.org/officeDocument/2006/relationships" xmlns:p="http://schemas.openxmlformats.org/presentationml/2006/main">
+  <p:cSld>
+    <p:bg>
+      <p:bgRef idx="1001">
+        <a:schemeClr val="bg1"/>
+      </p:bgRef>
+    </p:bg>
+    <p:spTree>
+      <p:nvGrpSpPr>
+        <p:cNvPr id="1" name=""/>
+        <p:cNvGrpSpPr/>
+        <p:nvPr/>
+      </p:nvGrpSpPr>
+      <p:grpSpPr>
+        <a:xfrm>
+          <a:off x="0" y="0"/>
+          <a:ext cx="0" cy="0"/>
+          <a:chOff x="0" y="0"/>
+          <a:chExt cx="0" cy="0"/>
+        </a:xfrm>
+      </p:grpSpPr>
+      <p:sp>
+        <p:nvSpPr>
+          <p:cNvPr id="2" name="Élőfej helye 1"/>
+          <p:cNvSpPr>
+            <a:spLocks noGrp="1"/>
+          </p:cNvSpPr>
+          <p:nvPr>
+            <p:ph type="hdr" sz="quarter"/>
+          </p:nvPr>
+        </p:nvSpPr>
+        <p:spPr>
+          <a:xfrm>
+            <a:off x="0" y="0"/>
+            <a:ext cx="2971800" cy="458788"/>
+          </a:xfrm>
+          <a:prstGeom prst="rect">
+            <a:avLst/>
+          </a:prstGeom>
+        </p:spPr>
+        <p:txBody>
+          <a:bodyPr vert="horz" lIns="91440" tIns="45720" rIns="91440" bIns="45720" rtlCol="0"/>
+          <a:lstStyle>
+            <a:lvl1pPr algn="l">
+              <a:defRPr sz="1200"/>
+            </a:lvl1pPr>
+          </a:lstStyle>
+          <a:p>
+            <a:endParaRPr lang="hu-HU"/>
+          </a:p>
+        </p:txBody>
+      </p:sp>
+      <p:sp>
+        <p:nvSpPr>
+          <p:cNvPr id="3" name="Dátum helye 2"/>
+          <p:cNvSpPr>
+            <a:spLocks noGrp="1"/>
+          </p:cNvSpPr>
+          <p:nvPr>
+            <p:ph type="dt" idx="1"/>
+          </p:nvPr>
+        </p:nvSpPr>
+        <p:spPr>
+          <a:xfrm>
+            <a:off x="3884613" y="0"/>
+            <a:ext cx="2971800" cy="458788"/>
+          </a:xfrm>
+          <a:prstGeom prst="rect">
+            <a:avLst/>
+          </a:prstGeom>
+        </p:spPr>
+        <p:txBody>
+          <a:bodyPr vert="horz" lIns="91440" tIns="45720" rIns="91440" bIns="45720" rtlCol="0"/>
+          <a:lstStyle>
+            <a:lvl1pPr algn="r">
+              <a:defRPr sz="1200"/>
+            </a:lvl1pPr>
+          </a:lstStyle>
+          <a:p>
+            <a:fld id="{D19B6E8A-AEA3-4348-9D55-5FAA52523F2A}" type="datetimeFigureOut">
+              <a:t>2022. 12. 14.</a:t>
+            </a:fld>
+            <a:endParaRPr lang="hu-HU"/>
+          </a:p>
+        </p:txBody>
+      </p:sp>
+      <p:sp>
+        <p:nvSpPr>
+          <p:cNvPr id="4" name="Diakép helye 3"/>
+          <p:cNvSpPr>
+            <a:spLocks noGrp="1" noRot="1" noChangeAspect="1"/>
+          </p:cNvSpPr>
+          <p:nvPr>
+            <p:ph type="sldImg" idx="2"/>
+          </p:nvPr>
+        </p:nvSpPr>
+        <p:spPr>
+          <a:xfrm>
+            <a:off x="685800" y="1143000"/>
+            <a:ext cx="5486400" cy="3086100"/>
+          </a:xfrm>
+          <a:prstGeom prst="rect">
+            <a:avLst/>
+          </a:prstGeom>
+          <a:noFill/>
+          <a:ln w="12700">
+            <a:solidFill>
+              <a:prstClr val="black"/>
+            </a:solidFill>
+          </a:ln>
+        </p:spPr>
+        <p:txBody>
+          <a:bodyPr vert="horz" lIns="91440" tIns="45720" rIns="91440" bIns="45720" rtlCol="0" anchor="ctr"/>
+          <a:lstStyle/>
+          <a:p>
+            <a:endParaRPr lang="hu-HU"/>
+          </a:p>
+        </p:txBody>
+      </p:sp>
+      <p:sp>
+        <p:nvSpPr>
+          <p:cNvPr id="5" name="Jegyzetek helye 4"/>
+          <p:cNvSpPr>
+            <a:spLocks noGrp="1"/>
+          </p:cNvSpPr>
+          <p:nvPr>
+            <p:ph type="body" sz="quarter" idx="3"/>
+          </p:nvPr>
+        </p:nvSpPr>
+        <p:spPr>
+          <a:xfrm>
+            <a:off x="685800" y="4400550"/>
+            <a:ext cx="5486400" cy="3600450"/>
+          </a:xfrm>
+          <a:prstGeom prst="rect">
+            <a:avLst/>
+          </a:prstGeom>
+        </p:spPr>
+        <p:txBody>
+          <a:bodyPr vert="horz" lIns="91440" tIns="45720" rIns="91440" bIns="45720" rtlCol="0"/>
+          <a:lstStyle/>
+          <a:p>
+            <a:pPr lvl="0"/>
+            <a:r>
+              <a:rPr lang="hu-HU"/>
+              <a:t>Mintaszöveg szerkesztése</a:t>
+            </a:r>
+          </a:p>
+          <a:p>
+            <a:pPr lvl="1"/>
+            <a:r>
+              <a:rPr lang="hu-HU"/>
+              <a:t>Második szint</a:t>
+            </a:r>
+          </a:p>
+          <a:p>
+            <a:pPr lvl="2"/>
+            <a:r>
+              <a:rPr lang="hu-HU"/>
+              <a:t>Harmadik szint</a:t>
+            </a:r>
+          </a:p>
+          <a:p>
+            <a:pPr lvl="3"/>
+            <a:r>
+              <a:rPr lang="hu-HU"/>
+              <a:t>Negyedik szint</a:t>
+            </a:r>
+          </a:p>
+          <a:p>
+            <a:pPr lvl="4"/>
+            <a:r>
+              <a:rPr lang="hu-HU"/>
+              <a:t>Ötödik szint</a:t>
+            </a:r>
+          </a:p>
+        </p:txBody>
+      </p:sp>
+      <p:sp>
+        <p:nvSpPr>
+          <p:cNvPr id="6" name="Élőláb helye 5"/>
+          <p:cNvSpPr>
+            <a:spLocks noGrp="1"/>
+          </p:cNvSpPr>
+          <p:nvPr>
+            <p:ph type="ftr" sz="quarter" idx="4"/>
+          </p:nvPr>
+        </p:nvSpPr>
+        <p:spPr>
+          <a:xfrm>
+            <a:off x="0" y="8685213"/>
+            <a:ext cx="2971800" cy="458787"/>
+          </a:xfrm>
+          <a:prstGeom prst="rect">
+            <a:avLst/>
+          </a:prstGeom>
+        </p:spPr>
+        <p:txBody>
+          <a:bodyPr vert="horz" lIns="91440" tIns="45720" rIns="91440" bIns="45720" rtlCol="0" anchor="b"/>
+          <a:lstStyle>
+            <a:lvl1pPr algn="l">
+              <a:defRPr sz="1200"/>
+            </a:lvl1pPr>
+          </a:lstStyle>
+          <a:p>
+            <a:endParaRPr lang="hu-HU"/>
+          </a:p>
+        </p:txBody>
+      </p:sp>
+      <p:sp>
+        <p:nvSpPr>
+          <p:cNvPr id="7" name="Dia számának helye 6"/>
+          <p:cNvSpPr>
+            <a:spLocks noGrp="1"/>
+          </p:cNvSpPr>
+          <p:nvPr>
+            <p:ph type="sldNum" sz="quarter" idx="5"/>
+          </p:nvPr>
+        </p:nvSpPr>
+        <p:spPr>
+          <a:xfrm>
+            <a:off x="3884613" y="8685213"/>
+            <a:ext cx="2971800" cy="458787"/>
+          </a:xfrm>
+          <a:prstGeom prst="rect">
+            <a:avLst/>
+          </a:prstGeom>
+        </p:spPr>
+        <p:txBody>
+          <a:bodyPr vert="horz" lIns="91440" tIns="45720" rIns="91440" bIns="45720" rtlCol="0" anchor="b"/>
+          <a:lstStyle>
+            <a:lvl1pPr algn="r">
+              <a:defRPr sz="1200"/>
+            </a:lvl1pPr>
+          </a:lstStyle>
+          <a:p>
+            <a:fld id="{CE830D63-FA54-44AB-95AF-F77FDA3339C3}" type="slidenum">
+              <a:t>‹#›</a:t>
+            </a:fld>
+            <a:endParaRPr lang="hu-HU"/>
+          </a:p>
+        </p:txBody>
+      </p:sp>
+    </p:spTree>
+    <p:extLst>
+      <p:ext uri="{BB962C8B-B14F-4D97-AF65-F5344CB8AC3E}">
+        <p14:creationId xmlns:p14="http://schemas.microsoft.com/office/powerpoint/2010/main" val="3085058186"/>
+      </p:ext>
+    </p:extLst>
+  </p:cSld>
+  <p:clrMap bg1="lt1" tx1="dk1" bg2="lt2" tx2="dk2" accent1="accent1" accent2="accent2" accent3="accent3" accent4="accent4" accent5="accent5" accent6="accent6" hlink="hlink" folHlink="folHlink"/>
+  <p:notesStyle>
+    <a:lvl1pPr marL="0" algn="l" defTabSz="914400" rtl="0" eaLnBrk="1" latinLnBrk="0" hangingPunct="1">
+      <a:defRPr sz="1200" kern="1200">
+        <a:solidFill>
+          <a:schemeClr val="tx1"/>
+        </a:solidFill>
+        <a:latin typeface="+mn-lt"/>
+        <a:ea typeface="+mn-ea"/>
+        <a:cs typeface="+mn-cs"/>
+      </a:defRPr>
+    </a:lvl1pPr>
+    <a:lvl2pPr marL="457200" algn="l" defTabSz="914400" rtl="0" eaLnBrk="1" latinLnBrk="0" hangingPunct="1">
+      <a:defRPr sz="1200" kern="1200">
+        <a:solidFill>
+          <a:schemeClr val="tx1"/>
+        </a:solidFill>
+        <a:latin typeface="+mn-lt"/>
+        <a:ea typeface="+mn-ea"/>
+        <a:cs typeface="+mn-cs"/>
+      </a:defRPr>
+    </a:lvl2pPr>
+    <a:lvl3pPr marL="914400" algn="l" defTabSz="914400" rtl="0" eaLnBrk="1" latinLnBrk="0" hangingPunct="1">
+      <a:defRPr sz="1200" kern="1200">
+        <a:solidFill>
+          <a:schemeClr val="tx1"/>
+        </a:solidFill>
+        <a:latin typeface="+mn-lt"/>
+        <a:ea typeface="+mn-ea"/>
+        <a:cs typeface="+mn-cs"/>
+      </a:defRPr>
+    </a:lvl3pPr>
+    <a:lvl4pPr marL="1371600" algn="l" defTabSz="914400" rtl="0" eaLnBrk="1" latinLnBrk="0" hangingPunct="1">
+      <a:defRPr sz="1200" kern="1200">
+        <a:solidFill>
+          <a:schemeClr val="tx1"/>
+        </a:solidFill>
+        <a:latin typeface="+mn-lt"/>
+        <a:ea typeface="+mn-ea"/>
+        <a:cs typeface="+mn-cs"/>
+      </a:defRPr>
+    </a:lvl4pPr>
+    <a:lvl5pPr marL="1828800" algn="l" defTabSz="914400" rtl="0" eaLnBrk="1" latinLnBrk="0" hangingPunct="1">
+      <a:defRPr sz="1200" kern="1200">
+        <a:solidFill>
+          <a:schemeClr val="tx1"/>
+        </a:solidFill>
+        <a:latin typeface="+mn-lt"/>
+        <a:ea typeface="+mn-ea"/>
+        <a:cs typeface="+mn-cs"/>
+      </a:defRPr>
+    </a:lvl5pPr>
+    <a:lvl6pPr marL="2286000" algn="l" defTabSz="914400" rtl="0" eaLnBrk="1" latinLnBrk="0" hangingPunct="1">
+      <a:defRPr sz="1200" kern="1200">
+        <a:solidFill>
+          <a:schemeClr val="tx1"/>
+        </a:solidFill>
+        <a:latin typeface="+mn-lt"/>
+        <a:ea typeface="+mn-ea"/>
+        <a:cs typeface="+mn-cs"/>
+      </a:defRPr>
+    </a:lvl6pPr>
+    <a:lvl7pPr marL="2743200" algn="l" defTabSz="914400" rtl="0" eaLnBrk="1" latinLnBrk="0" hangingPunct="1">
+      <a:defRPr sz="1200" kern="1200">
+        <a:solidFill>
+          <a:schemeClr val="tx1"/>
+        </a:solidFill>
+        <a:latin typeface="+mn-lt"/>
+        <a:ea typeface="+mn-ea"/>
+        <a:cs typeface="+mn-cs"/>
+      </a:defRPr>
+    </a:lvl7pPr>
+    <a:lvl8pPr marL="3200400" algn="l" defTabSz="914400" rtl="0" eaLnBrk="1" latinLnBrk="0" hangingPunct="1">
+      <a:defRPr sz="1200" kern="1200">
+        <a:solidFill>
+          <a:schemeClr val="tx1"/>
+        </a:solidFill>
+        <a:latin typeface="+mn-lt"/>
+        <a:ea typeface="+mn-ea"/>
+        <a:cs typeface="+mn-cs"/>
+      </a:defRPr>
+    </a:lvl8pPr>
+    <a:lvl9pPr marL="3657600" algn="l" defTabSz="914400" rtl="0" eaLnBrk="1" latinLnBrk="0" hangingPunct="1">
+      <a:defRPr sz="1200" kern="1200">
+        <a:solidFill>
+          <a:schemeClr val="tx1"/>
+        </a:solidFill>
+        <a:latin typeface="+mn-lt"/>
+        <a:ea typeface="+mn-ea"/>
+        <a:cs typeface="+mn-cs"/>
+      </a:defRPr>
+    </a:lvl9pPr>
+  </p:notesStyle>
+</p:notesMaster>
+</file>
+
+<file path=ppt/notesSlides/notesSlide1.xml><?xml version="1.0" encoding="utf-8"?>
+<p:notes xmlns:a="http://schemas.openxmlformats.org/drawingml/2006/main" xmlns:r="http://schemas.openxmlformats.org/officeDocument/2006/relationships" xmlns:p="http://schemas.openxmlformats.org/presentationml/2006/main">
+  <p:cSld>
+    <p:spTree>
+      <p:nvGrpSpPr>
+        <p:cNvPr id="1" name=""/>
+        <p:cNvGrpSpPr/>
+        <p:nvPr/>
+      </p:nvGrpSpPr>
+      <p:grpSpPr>
+        <a:xfrm>
+          <a:off x="0" y="0"/>
+          <a:ext cx="0" cy="0"/>
+          <a:chOff x="0" y="0"/>
+          <a:chExt cx="0" cy="0"/>
+        </a:xfrm>
+      </p:grpSpPr>
+      <p:sp>
+        <p:nvSpPr>
+          <p:cNvPr id="2" name="Diakép helye 1"/>
+          <p:cNvSpPr>
+            <a:spLocks noGrp="1" noRot="1" noChangeAspect="1"/>
+          </p:cNvSpPr>
+          <p:nvPr>
+            <p:ph type="sldImg"/>
+          </p:nvPr>
+        </p:nvSpPr>
+        <p:spPr/>
+      </p:sp>
+      <p:sp>
+        <p:nvSpPr>
+          <p:cNvPr id="3" name="Jegyzetek helye 2"/>
+          <p:cNvSpPr>
+            <a:spLocks noGrp="1"/>
+          </p:cNvSpPr>
+          <p:nvPr>
+            <p:ph type="body" idx="1"/>
+          </p:nvPr>
+        </p:nvSpPr>
+        <p:spPr/>
+        <p:txBody>
+          <a:bodyPr/>
+          <a:lstStyle/>
+          <a:p>
+            <a:r>
+              <a:rPr lang="en-US" dirty="0"/>
+              <a:t>Cyber </a:t>
+            </a:r>
+            <a:r>
+              <a:rPr lang="en-US" dirty="0" err="1"/>
+              <a:t>Phisical</a:t>
+            </a:r>
+            <a:r>
+              <a:rPr lang="en-US" dirty="0"/>
+              <a:t> Systems: Computer systems in which a mechanism is controlled or monitored by computer-based algorithms.</a:t>
+            </a:r>
+            <a:endParaRPr lang="hu-HU" dirty="0"/>
+          </a:p>
+          <a:p>
+            <a:endParaRPr lang="en-US" dirty="0"/>
+          </a:p>
+          <a:p>
+            <a:r>
+              <a:rPr lang="en-US" dirty="0"/>
+              <a:t>Middleware: Middleware is software that provides common services and capabilities to applications outside of what’s offered by the operating system. Communication, authentication, and API management are all commonly handled by middleware. Middleware helps developers build applications more efficiently. It acts like the connective tissue between applications, data, and users.</a:t>
+            </a:r>
+            <a:endParaRPr lang="hu-HU" dirty="0"/>
+          </a:p>
+          <a:p>
+            <a:endParaRPr lang="en-US" dirty="0">
+              <a:ea typeface="Calibri"/>
+              <a:cs typeface="Calibri"/>
+            </a:endParaRPr>
+          </a:p>
+          <a:p>
+            <a:r>
+              <a:rPr lang="en-US" dirty="0">
+                <a:ea typeface="Calibri"/>
+                <a:cs typeface="Calibri"/>
+              </a:rPr>
+              <a:t>DDS: </a:t>
+            </a:r>
+            <a:r>
+              <a:rPr lang="en-US" dirty="0"/>
+              <a:t>DDS has various components which all play a role at achieving reliable and fast com-</a:t>
+            </a:r>
+            <a:br>
+              <a:rPr lang="en-US" dirty="0">
+                <a:cs typeface="+mn-lt"/>
+              </a:rPr>
+            </a:br>
+            <a:r>
+              <a:rPr lang="en-US" dirty="0" err="1"/>
+              <a:t>munication</a:t>
+            </a:r>
+            <a:r>
+              <a:rPr lang="en-US" dirty="0"/>
+              <a:t> within a network. It creates a global data space called Domain, in which</a:t>
+            </a:r>
+            <a:br>
+              <a:rPr lang="en-US" dirty="0">
+                <a:cs typeface="+mn-lt"/>
+              </a:rPr>
+            </a:br>
+            <a:r>
+              <a:rPr lang="en-US" dirty="0"/>
+              <a:t>the communication takes place. Publishers and Subscribers are the components who</a:t>
+            </a:r>
+            <a:br>
+              <a:rPr lang="en-US" dirty="0">
+                <a:cs typeface="+mn-lt"/>
+              </a:rPr>
+            </a:br>
+            <a:r>
+              <a:rPr lang="en-US" dirty="0"/>
+              <a:t>send and receive data there. Publishers publish Topics into the domain and Subscribers</a:t>
+            </a:r>
+            <a:br>
+              <a:rPr lang="en-US" dirty="0">
+                <a:cs typeface="+mn-lt"/>
+              </a:rPr>
+            </a:br>
+            <a:r>
+              <a:rPr lang="en-US" dirty="0"/>
+              <a:t>receive those Topics. Topics are global objects where the exchanged information is stored.</a:t>
+            </a:r>
+            <a:br>
+              <a:rPr lang="en-US" dirty="0">
+                <a:cs typeface="+mn-lt"/>
+              </a:rPr>
+            </a:br>
+            <a:r>
+              <a:rPr lang="en-US" dirty="0"/>
+              <a:t>They have a distinct type, identifier and a QoS service. The Topics are available to</a:t>
+            </a:r>
+            <a:br>
+              <a:rPr lang="en-US" dirty="0">
+                <a:cs typeface="+mn-lt"/>
+              </a:rPr>
+            </a:br>
+            <a:r>
+              <a:rPr lang="en-US" dirty="0"/>
+              <a:t>everyone who is in the domain, but only Subscribers who subscribe to the given Topic will</a:t>
+            </a:r>
+            <a:br>
+              <a:rPr lang="en-US" dirty="0">
+                <a:cs typeface="+mn-lt"/>
+              </a:rPr>
+            </a:br>
+            <a:r>
+              <a:rPr lang="en-US" dirty="0"/>
+              <a:t>receive and use it. The Topics are read by Data Readers and wrote by Data Writers,</a:t>
+            </a:r>
+            <a:br>
+              <a:rPr lang="en-US" dirty="0">
+                <a:cs typeface="+mn-lt"/>
+              </a:rPr>
+            </a:br>
+            <a:r>
+              <a:rPr lang="en-US" dirty="0"/>
+              <a:t>they can handle the object of a single Topic.</a:t>
+            </a:r>
+            <a:br>
+              <a:rPr lang="en-US" dirty="0">
+                <a:cs typeface="+mn-lt"/>
+              </a:rPr>
+            </a:br>
+            <a:r>
+              <a:rPr lang="en-US" dirty="0"/>
+              <a:t>These files can largely be generated from platform independent .</a:t>
+            </a:r>
+            <a:r>
+              <a:rPr lang="en-US" dirty="0" err="1"/>
+              <a:t>idl</a:t>
+            </a:r>
+            <a:r>
+              <a:rPr lang="en-US" dirty="0"/>
+              <a:t> extension files,</a:t>
+            </a:r>
+            <a:br>
+              <a:rPr lang="en-US" dirty="0">
+                <a:cs typeface="+mn-lt"/>
+              </a:rPr>
+            </a:br>
+            <a:r>
+              <a:rPr lang="en-US" dirty="0"/>
+              <a:t>by the RTI Launcher, which greatly helps development. All components of the DDS</a:t>
+            </a:r>
+            <a:br>
+              <a:rPr lang="en-US" dirty="0">
+                <a:cs typeface="+mn-lt"/>
+              </a:rPr>
+            </a:br>
+            <a:r>
+              <a:rPr lang="en-US" dirty="0"/>
+              <a:t>communication have to be on the same network (Wi-Fi4) to be able to identify and</a:t>
+            </a:r>
+            <a:br>
+              <a:rPr lang="en-US" dirty="0">
+                <a:cs typeface="+mn-lt"/>
+              </a:rPr>
+            </a:br>
+            <a:r>
+              <a:rPr lang="en-US" dirty="0"/>
+              <a:t>discover each other. </a:t>
+            </a:r>
+          </a:p>
+          <a:p>
+            <a:endParaRPr lang="en-US" dirty="0">
+              <a:ea typeface="Calibri"/>
+              <a:cs typeface="Calibri"/>
+            </a:endParaRPr>
+          </a:p>
+        </p:txBody>
+      </p:sp>
+      <p:sp>
+        <p:nvSpPr>
+          <p:cNvPr id="4" name="Dia számának helye 3"/>
+          <p:cNvSpPr>
+            <a:spLocks noGrp="1"/>
+          </p:cNvSpPr>
+          <p:nvPr>
+            <p:ph type="sldNum" sz="quarter" idx="5"/>
+          </p:nvPr>
+        </p:nvSpPr>
+        <p:spPr/>
+        <p:txBody>
+          <a:bodyPr/>
+          <a:lstStyle/>
+          <a:p>
+            <a:fld id="{CE830D63-FA54-44AB-95AF-F77FDA3339C3}" type="slidenum">
+              <a:t>2</a:t>
+            </a:fld>
+            <a:endParaRPr lang="hu-HU"/>
+          </a:p>
+        </p:txBody>
+      </p:sp>
+    </p:spTree>
+    <p:extLst>
+      <p:ext uri="{BB962C8B-B14F-4D97-AF65-F5344CB8AC3E}">
+        <p14:creationId xmlns:p14="http://schemas.microsoft.com/office/powerpoint/2010/main" val="1860534183"/>
+      </p:ext>
+    </p:extLst>
+  </p:cSld>
+  <p:clrMapOvr>
+    <a:masterClrMapping/>
+  </p:clrMapOvr>
+</p:notes>
+</file>
+
+<file path=ppt/notesSlides/notesSlide2.xml><?xml version="1.0" encoding="utf-8"?>
+<p:notes xmlns:a="http://schemas.openxmlformats.org/drawingml/2006/main" xmlns:r="http://schemas.openxmlformats.org/officeDocument/2006/relationships" xmlns:p="http://schemas.openxmlformats.org/presentationml/2006/main">
+  <p:cSld>
+    <p:spTree>
+      <p:nvGrpSpPr>
+        <p:cNvPr id="1" name=""/>
+        <p:cNvGrpSpPr/>
+        <p:nvPr/>
+      </p:nvGrpSpPr>
+      <p:grpSpPr>
+        <a:xfrm>
+          <a:off x="0" y="0"/>
+          <a:ext cx="0" cy="0"/>
+          <a:chOff x="0" y="0"/>
+          <a:chExt cx="0" cy="0"/>
+        </a:xfrm>
+      </p:grpSpPr>
+      <p:sp>
+        <p:nvSpPr>
+          <p:cNvPr id="2" name="Diakép helye 1"/>
+          <p:cNvSpPr>
+            <a:spLocks noGrp="1" noRot="1" noChangeAspect="1"/>
+          </p:cNvSpPr>
+          <p:nvPr>
+            <p:ph type="sldImg"/>
+          </p:nvPr>
+        </p:nvSpPr>
+        <p:spPr/>
+      </p:sp>
+      <p:sp>
+        <p:nvSpPr>
+          <p:cNvPr id="3" name="Jegyzetek helye 2"/>
+          <p:cNvSpPr>
+            <a:spLocks noGrp="1"/>
+          </p:cNvSpPr>
+          <p:nvPr>
+            <p:ph type="body" idx="1"/>
+          </p:nvPr>
+        </p:nvSpPr>
+        <p:spPr/>
+        <p:txBody>
+          <a:bodyPr/>
+          <a:lstStyle/>
+          <a:p>
+            <a:r>
+              <a:rPr lang="en-US" dirty="0">
+                <a:cs typeface="Calibri"/>
+              </a:rPr>
+              <a:t>Filtering on the ESP32 5-10-5</a:t>
+            </a:r>
+          </a:p>
+          <a:p>
+            <a:endParaRPr lang="en-US" dirty="0">
+              <a:cs typeface="Calibri"/>
+            </a:endParaRPr>
+          </a:p>
+          <a:p>
+            <a:r>
+              <a:rPr lang="en-US" dirty="0">
+                <a:cs typeface="Calibri"/>
+              </a:rPr>
+              <a:t>Filtering on Raspberry Pi 4</a:t>
+            </a:r>
+            <a:endParaRPr lang="en-US" dirty="0"/>
+          </a:p>
+          <a:p>
+            <a:r>
+              <a:rPr lang="en-US" dirty="0"/>
+              <a:t>while (</a:t>
+            </a:r>
+            <a:r>
+              <a:rPr lang="en-US" dirty="0" err="1"/>
+              <a:t>MySerialPort.bytesAvailable</a:t>
+            </a:r>
+            <a:r>
+              <a:rPr lang="en-US" dirty="0"/>
+              <a:t>() &lt;= 12)</a:t>
+            </a:r>
+            <a:br>
+              <a:rPr lang="en-US" dirty="0">
+                <a:cs typeface="+mn-lt"/>
+              </a:rPr>
+            </a:br>
+            <a:r>
+              <a:rPr lang="en-US" dirty="0"/>
+              <a:t>message = </a:t>
+            </a:r>
+            <a:r>
+              <a:rPr lang="en-US" dirty="0" err="1"/>
+              <a:t>message.split</a:t>
+            </a:r>
+            <a:r>
+              <a:rPr lang="en-US" dirty="0"/>
+              <a:t>("\\n")[1];</a:t>
+            </a:r>
+            <a:br>
+              <a:rPr lang="en-US" dirty="0">
+                <a:cs typeface="+mn-lt"/>
+              </a:rPr>
+            </a:br>
+            <a:r>
+              <a:rPr lang="en-US" dirty="0"/>
+              <a:t>if(</a:t>
+            </a:r>
+            <a:r>
+              <a:rPr lang="en-US" dirty="0" err="1"/>
+              <a:t>message.length</a:t>
+            </a:r>
+            <a:r>
+              <a:rPr lang="en-US" dirty="0"/>
+              <a:t>()&gt;=4){</a:t>
+            </a:r>
+            <a:endParaRPr lang="en-US" dirty="0">
+              <a:cs typeface="Calibri"/>
+            </a:endParaRPr>
+          </a:p>
+        </p:txBody>
+      </p:sp>
+      <p:sp>
+        <p:nvSpPr>
+          <p:cNvPr id="4" name="Dia számának helye 3"/>
+          <p:cNvSpPr>
+            <a:spLocks noGrp="1"/>
+          </p:cNvSpPr>
+          <p:nvPr>
+            <p:ph type="sldNum" sz="quarter" idx="5"/>
+          </p:nvPr>
+        </p:nvSpPr>
+        <p:spPr/>
+        <p:txBody>
+          <a:bodyPr/>
+          <a:lstStyle/>
+          <a:p>
+            <a:fld id="{CE830D63-FA54-44AB-95AF-F77FDA3339C3}" type="slidenum">
+              <a:rPr lang="hu-HU"/>
+              <a:t>3</a:t>
+            </a:fld>
+            <a:endParaRPr lang="hu-HU"/>
+          </a:p>
+        </p:txBody>
+      </p:sp>
+    </p:spTree>
+    <p:extLst>
+      <p:ext uri="{BB962C8B-B14F-4D97-AF65-F5344CB8AC3E}">
+        <p14:creationId xmlns:p14="http://schemas.microsoft.com/office/powerpoint/2010/main" val="3322709310"/>
+      </p:ext>
+    </p:extLst>
+  </p:cSld>
+  <p:clrMapOvr>
+    <a:masterClrMapping/>
+  </p:clrMapOvr>
+</p:notes>
+</file>
+
+<file path=ppt/notesSlides/notesSlide3.xml><?xml version="1.0" encoding="utf-8"?>
+<p:notes xmlns:a="http://schemas.openxmlformats.org/drawingml/2006/main" xmlns:r="http://schemas.openxmlformats.org/officeDocument/2006/relationships" xmlns:p="http://schemas.openxmlformats.org/presentationml/2006/main">
+  <p:cSld>
+    <p:spTree>
+      <p:nvGrpSpPr>
+        <p:cNvPr id="1" name=""/>
+        <p:cNvGrpSpPr/>
+        <p:nvPr/>
+      </p:nvGrpSpPr>
+      <p:grpSpPr>
+        <a:xfrm>
+          <a:off x="0" y="0"/>
+          <a:ext cx="0" cy="0"/>
+          <a:chOff x="0" y="0"/>
+          <a:chExt cx="0" cy="0"/>
+        </a:xfrm>
+      </p:grpSpPr>
+      <p:sp>
+        <p:nvSpPr>
+          <p:cNvPr id="2" name="Diakép helye 1"/>
+          <p:cNvSpPr>
+            <a:spLocks noGrp="1" noRot="1" noChangeAspect="1"/>
+          </p:cNvSpPr>
+          <p:nvPr>
+            <p:ph type="sldImg"/>
+          </p:nvPr>
+        </p:nvSpPr>
+        <p:spPr/>
+      </p:sp>
+      <p:sp>
+        <p:nvSpPr>
+          <p:cNvPr id="3" name="Jegyzetek helye 2"/>
+          <p:cNvSpPr>
+            <a:spLocks noGrp="1"/>
+          </p:cNvSpPr>
+          <p:nvPr>
+            <p:ph type="body" idx="1"/>
+          </p:nvPr>
+        </p:nvSpPr>
+        <p:spPr/>
+        <p:txBody>
+          <a:bodyPr/>
+          <a:lstStyle/>
+          <a:p>
+            <a:endParaRPr lang="en-US" dirty="0">
+              <a:cs typeface="Calibri"/>
+            </a:endParaRPr>
+          </a:p>
+        </p:txBody>
+      </p:sp>
+      <p:sp>
+        <p:nvSpPr>
+          <p:cNvPr id="4" name="Dia számának helye 3"/>
+          <p:cNvSpPr>
+            <a:spLocks noGrp="1"/>
+          </p:cNvSpPr>
+          <p:nvPr>
+            <p:ph type="sldNum" sz="quarter" idx="5"/>
+          </p:nvPr>
+        </p:nvSpPr>
+        <p:spPr/>
+        <p:txBody>
+          <a:bodyPr/>
+          <a:lstStyle/>
+          <a:p>
+            <a:fld id="{CE830D63-FA54-44AB-95AF-F77FDA3339C3}" type="slidenum">
+              <a:rPr lang="hu-HU"/>
+              <a:t>5</a:t>
+            </a:fld>
+            <a:endParaRPr lang="hu-HU"/>
+          </a:p>
+        </p:txBody>
+      </p:sp>
+    </p:spTree>
+    <p:extLst>
+      <p:ext uri="{BB962C8B-B14F-4D97-AF65-F5344CB8AC3E}">
+        <p14:creationId xmlns:p14="http://schemas.microsoft.com/office/powerpoint/2010/main" val="3780346629"/>
+      </p:ext>
+    </p:extLst>
+  </p:cSld>
+  <p:clrMapOvr>
+    <a:masterClrMapping/>
+  </p:clrMapOvr>
+</p:notes>
+</file>
+
+<file path=ppt/notesSlides/notesSlide4.xml><?xml version="1.0" encoding="utf-8"?>
+<p:notes xmlns:a="http://schemas.openxmlformats.org/drawingml/2006/main" xmlns:r="http://schemas.openxmlformats.org/officeDocument/2006/relationships" xmlns:p="http://schemas.openxmlformats.org/presentationml/2006/main">
+  <p:cSld>
+    <p:spTree>
+      <p:nvGrpSpPr>
+        <p:cNvPr id="1" name=""/>
+        <p:cNvGrpSpPr/>
+        <p:nvPr/>
+      </p:nvGrpSpPr>
+      <p:grpSpPr>
+        <a:xfrm>
+          <a:off x="0" y="0"/>
+          <a:ext cx="0" cy="0"/>
+          <a:chOff x="0" y="0"/>
+          <a:chExt cx="0" cy="0"/>
+        </a:xfrm>
+      </p:grpSpPr>
+      <p:sp>
+        <p:nvSpPr>
+          <p:cNvPr id="2" name="Diakép helye 1"/>
+          <p:cNvSpPr>
+            <a:spLocks noGrp="1" noRot="1" noChangeAspect="1"/>
+          </p:cNvSpPr>
+          <p:nvPr>
+            <p:ph type="sldImg"/>
+          </p:nvPr>
+        </p:nvSpPr>
+        <p:spPr/>
+      </p:sp>
+      <p:sp>
+        <p:nvSpPr>
+          <p:cNvPr id="3" name="Jegyzetek helye 2"/>
+          <p:cNvSpPr>
+            <a:spLocks noGrp="1"/>
+          </p:cNvSpPr>
+          <p:nvPr>
+            <p:ph type="body" idx="1"/>
+          </p:nvPr>
+        </p:nvSpPr>
+        <p:spPr/>
+        <p:txBody>
+          <a:bodyPr/>
+          <a:lstStyle/>
+          <a:p>
+            <a:r>
+              <a:rPr lang="en-US" dirty="0">
+                <a:cs typeface="Calibri"/>
+              </a:rPr>
+              <a:t>Arduino: </a:t>
+            </a:r>
+            <a:r>
+              <a:rPr lang="en-US" dirty="0"/>
+              <a:t>Arduino boards are microcontrollers, not full computers with their own operating system like Raspberry Pi. They simply execute code written in C/C++, stored in their firmware. Arduino Integrated Development Environment (IDE) is a great tool for developers.</a:t>
+            </a:r>
+            <a:endParaRPr lang="en-US" dirty="0">
+              <a:cs typeface="Calibri"/>
+            </a:endParaRPr>
+          </a:p>
+          <a:p>
+            <a:endParaRPr lang="en-US" dirty="0">
+              <a:cs typeface="Calibri"/>
+            </a:endParaRPr>
+          </a:p>
+          <a:p>
+            <a:r>
+              <a:rPr lang="en-US" dirty="0"/>
+              <a:t>Raspberry Pi: A small, fully functional computer that can be plugged into a computer monitor, keyboard, and mouse. It has all qualities of a PC- a dedicated processor, memory, and a graphics driver. It even has its own operating system called Raspberry Pi OS which is an optimized version of Linux.</a:t>
+            </a:r>
+            <a:endParaRPr lang="en-US" dirty="0">
+              <a:cs typeface="Calibri"/>
+            </a:endParaRPr>
+          </a:p>
+          <a:p>
+            <a:r>
+              <a:rPr lang="en-US" dirty="0"/>
+              <a:t>Raspberry Pi does not offer storage, but you can use microSD cards to store whatever OS (Raspberry Pi, Ubuntu </a:t>
+            </a:r>
+            <a:r>
+              <a:rPr lang="en-US" dirty="0" err="1"/>
+              <a:t>etc</a:t>
+            </a:r>
+            <a:r>
+              <a:rPr lang="en-US" dirty="0"/>
+              <a:t>) you like. Raspberry Pi also contains Bluetooth, ethernet, and </a:t>
+            </a:r>
+            <a:r>
+              <a:rPr lang="en-US" dirty="0" err="1"/>
+              <a:t>WiFi</a:t>
+            </a:r>
+            <a:r>
+              <a:rPr lang="en-US" dirty="0"/>
+              <a:t>-based connectivity, so it can also be used to transfer files over the internet. Since a Raspberry Pi board is no less than an entire computer inside a Printed Circuit Board, it is often called Single Board Computer or SBC.</a:t>
+            </a:r>
+            <a:endParaRPr lang="en-US" dirty="0">
+              <a:cs typeface="Calibri"/>
+            </a:endParaRPr>
+          </a:p>
+          <a:p>
+            <a:endParaRPr lang="en-US" dirty="0">
+              <a:cs typeface="Calibri"/>
+            </a:endParaRPr>
+          </a:p>
+        </p:txBody>
+      </p:sp>
+      <p:sp>
+        <p:nvSpPr>
+          <p:cNvPr id="4" name="Dia számának helye 3"/>
+          <p:cNvSpPr>
+            <a:spLocks noGrp="1"/>
+          </p:cNvSpPr>
+          <p:nvPr>
+            <p:ph type="sldNum" sz="quarter" idx="5"/>
+          </p:nvPr>
+        </p:nvSpPr>
+        <p:spPr/>
+        <p:txBody>
+          <a:bodyPr/>
+          <a:lstStyle/>
+          <a:p>
+            <a:fld id="{CE830D63-FA54-44AB-95AF-F77FDA3339C3}" type="slidenum">
+              <a:rPr lang="hu-HU"/>
+              <a:t>7</a:t>
+            </a:fld>
+            <a:endParaRPr lang="hu-HU"/>
+          </a:p>
+        </p:txBody>
+      </p:sp>
+    </p:spTree>
+    <p:extLst>
+      <p:ext uri="{BB962C8B-B14F-4D97-AF65-F5344CB8AC3E}">
+        <p14:creationId xmlns:p14="http://schemas.microsoft.com/office/powerpoint/2010/main" val="2953982646"/>
+      </p:ext>
+    </p:extLst>
+  </p:cSld>
+  <p:clrMapOvr>
+    <a:masterClrMapping/>
+  </p:clrMapOvr>
+</p:notes>
+</file>
+
+<file path=ppt/notesSlides/notesSlide5.xml><?xml version="1.0" encoding="utf-8"?>
+<p:notes xmlns:a="http://schemas.openxmlformats.org/drawingml/2006/main" xmlns:r="http://schemas.openxmlformats.org/officeDocument/2006/relationships" xmlns:p="http://schemas.openxmlformats.org/presentationml/2006/main">
+  <p:cSld>
+    <p:spTree>
+      <p:nvGrpSpPr>
+        <p:cNvPr id="1" name=""/>
+        <p:cNvGrpSpPr/>
+        <p:nvPr/>
+      </p:nvGrpSpPr>
+      <p:grpSpPr>
+        <a:xfrm>
+          <a:off x="0" y="0"/>
+          <a:ext cx="0" cy="0"/>
+          <a:chOff x="0" y="0"/>
+          <a:chExt cx="0" cy="0"/>
+        </a:xfrm>
+      </p:grpSpPr>
+      <p:sp>
+        <p:nvSpPr>
+          <p:cNvPr id="2" name="Diakép helye 1"/>
+          <p:cNvSpPr>
+            <a:spLocks noGrp="1" noRot="1" noChangeAspect="1"/>
+          </p:cNvSpPr>
+          <p:nvPr>
+            <p:ph type="sldImg"/>
+          </p:nvPr>
+        </p:nvSpPr>
+        <p:spPr/>
+      </p:sp>
+      <p:sp>
+        <p:nvSpPr>
+          <p:cNvPr id="3" name="Jegyzetek helye 2"/>
+          <p:cNvSpPr>
+            <a:spLocks noGrp="1"/>
+          </p:cNvSpPr>
+          <p:nvPr>
+            <p:ph type="body" idx="1"/>
+          </p:nvPr>
+        </p:nvSpPr>
+        <p:spPr/>
+        <p:txBody>
+          <a:bodyPr/>
+          <a:lstStyle/>
+          <a:p>
+            <a:r>
+              <a:rPr lang="en-US" dirty="0">
+                <a:cs typeface="Calibri"/>
+              </a:rPr>
+              <a:t>SHUTDOWN, RESET</a:t>
+            </a:r>
+          </a:p>
+        </p:txBody>
+      </p:sp>
+      <p:sp>
+        <p:nvSpPr>
+          <p:cNvPr id="4" name="Dia számának helye 3"/>
+          <p:cNvSpPr>
+            <a:spLocks noGrp="1"/>
+          </p:cNvSpPr>
+          <p:nvPr>
+            <p:ph type="sldNum" sz="quarter" idx="5"/>
+          </p:nvPr>
+        </p:nvSpPr>
+        <p:spPr/>
+        <p:txBody>
+          <a:bodyPr/>
+          <a:lstStyle/>
+          <a:p>
+            <a:fld id="{CE830D63-FA54-44AB-95AF-F77FDA3339C3}" type="slidenum">
+              <a:rPr lang="hu-HU"/>
+              <a:t>8</a:t>
+            </a:fld>
+            <a:endParaRPr lang="hu-HU"/>
+          </a:p>
+        </p:txBody>
+      </p:sp>
+    </p:spTree>
+    <p:extLst>
+      <p:ext uri="{BB962C8B-B14F-4D97-AF65-F5344CB8AC3E}">
+        <p14:creationId xmlns:p14="http://schemas.microsoft.com/office/powerpoint/2010/main" val="1395911311"/>
+      </p:ext>
+    </p:extLst>
+  </p:cSld>
+  <p:clrMapOvr>
+    <a:masterClrMapping/>
+  </p:clrMapOvr>
+</p:notes>
 </file>
 
 <file path=ppt/slideLayouts/slideLayout1.xml><?xml version="1.0" encoding="utf-8"?>
@@ -1814,7 +3116,7 @@
           <a:p>
             <a:fld id="{4AAD347D-5ACD-4C99-B74B-A9C85AD731AF}" type="datetimeFigureOut">
               <a:rPr lang="en-US" dirty="0"/>
-              <a:t>12/7/2022</a:t>
+              <a:t>12/14/2022</a:t>
             </a:fld>
             <a:endParaRPr lang="en-US" dirty="0"/>
           </a:p>
@@ -2084,7 +3386,7 @@
           <a:p>
             <a:fld id="{4509A250-FF31-4206-8172-F9D3106AACB1}" type="datetimeFigureOut">
               <a:rPr lang="en-US" dirty="0"/>
-              <a:t>12/7/2022</a:t>
+              <a:t>12/14/2022</a:t>
             </a:fld>
             <a:endParaRPr lang="en-US" dirty="0"/>
           </a:p>
@@ -2277,7 +3579,7 @@
           <a:p>
             <a:fld id="{4509A250-FF31-4206-8172-F9D3106AACB1}" type="datetimeFigureOut">
               <a:rPr lang="en-US" dirty="0"/>
-              <a:t>12/7/2022</a:t>
+              <a:t>12/14/2022</a:t>
             </a:fld>
             <a:endParaRPr lang="en-US" dirty="0"/>
           </a:p>
@@ -2549,7 +3851,7 @@
           <a:p>
             <a:fld id="{4509A250-FF31-4206-8172-F9D3106AACB1}" type="datetimeFigureOut">
               <a:rPr lang="en-US" dirty="0"/>
-              <a:t>12/7/2022</a:t>
+              <a:t>12/14/2022</a:t>
             </a:fld>
             <a:endParaRPr lang="en-US" dirty="0"/>
           </a:p>
@@ -2889,7 +4191,7 @@
           <a:p>
             <a:fld id="{4509A250-FF31-4206-8172-F9D3106AACB1}" type="datetimeFigureOut">
               <a:rPr lang="en-US" dirty="0"/>
-              <a:t>12/7/2022</a:t>
+              <a:t>12/14/2022</a:t>
             </a:fld>
             <a:endParaRPr lang="en-US" dirty="0"/>
           </a:p>
@@ -3511,7 +4813,7 @@
           <a:p>
             <a:fld id="{4509A250-FF31-4206-8172-F9D3106AACB1}" type="datetimeFigureOut">
               <a:rPr lang="en-US" dirty="0"/>
-              <a:t>12/7/2022</a:t>
+              <a:t>12/14/2022</a:t>
             </a:fld>
             <a:endParaRPr lang="en-US" dirty="0"/>
           </a:p>
@@ -4358,7 +5660,7 @@
           <a:p>
             <a:fld id="{4509A250-FF31-4206-8172-F9D3106AACB1}" type="datetimeFigureOut">
               <a:rPr lang="en-US" dirty="0"/>
-              <a:t>12/7/2022</a:t>
+              <a:t>12/14/2022</a:t>
             </a:fld>
             <a:endParaRPr lang="en-US" dirty="0"/>
           </a:p>
@@ -4526,7 +5828,7 @@
           <a:p>
             <a:fld id="{4509A250-FF31-4206-8172-F9D3106AACB1}" type="datetimeFigureOut">
               <a:rPr lang="en-US" dirty="0"/>
-              <a:t>12/7/2022</a:t>
+              <a:t>12/14/2022</a:t>
             </a:fld>
             <a:endParaRPr lang="en-US" dirty="0"/>
           </a:p>
@@ -4704,7 +6006,7 @@
           <a:p>
             <a:fld id="{4509A250-FF31-4206-8172-F9D3106AACB1}" type="datetimeFigureOut">
               <a:rPr lang="en-US" dirty="0"/>
-              <a:t>12/7/2022</a:t>
+              <a:t>12/14/2022</a:t>
             </a:fld>
             <a:endParaRPr lang="en-US" dirty="0"/>
           </a:p>
@@ -4872,7 +6174,7 @@
           <a:p>
             <a:fld id="{4509A250-FF31-4206-8172-F9D3106AACB1}" type="datetimeFigureOut">
               <a:rPr lang="en-US" dirty="0"/>
-              <a:t>12/7/2022</a:t>
+              <a:t>12/14/2022</a:t>
             </a:fld>
             <a:endParaRPr lang="en-US" dirty="0"/>
           </a:p>
@@ -5118,7 +6420,7 @@
           <a:p>
             <a:fld id="{9796027F-7875-4030-9381-8BD8C4F21935}" type="datetimeFigureOut">
               <a:rPr lang="en-US" dirty="0"/>
-              <a:t>12/7/2022</a:t>
+              <a:t>12/14/2022</a:t>
             </a:fld>
             <a:endParaRPr lang="en-US" dirty="0"/>
           </a:p>
@@ -5407,7 +6709,7 @@
           <a:p>
             <a:fld id="{9796027F-7875-4030-9381-8BD8C4F21935}" type="datetimeFigureOut">
               <a:rPr lang="en-US" dirty="0"/>
-              <a:t>12/7/2022</a:t>
+              <a:t>12/14/2022</a:t>
             </a:fld>
             <a:endParaRPr lang="en-US" dirty="0"/>
           </a:p>
@@ -5848,7 +7150,7 @@
           <a:p>
             <a:fld id="{9796027F-7875-4030-9381-8BD8C4F21935}" type="datetimeFigureOut">
               <a:rPr lang="en-US" dirty="0"/>
-              <a:t>12/7/2022</a:t>
+              <a:t>12/14/2022</a:t>
             </a:fld>
             <a:endParaRPr lang="en-US" dirty="0"/>
           </a:p>
@@ -5965,7 +7267,7 @@
           <a:p>
             <a:fld id="{4509A250-FF31-4206-8172-F9D3106AACB1}" type="datetimeFigureOut">
               <a:rPr lang="en-US" dirty="0"/>
-              <a:t>12/7/2022</a:t>
+              <a:t>12/14/2022</a:t>
             </a:fld>
             <a:endParaRPr lang="en-US" dirty="0"/>
           </a:p>
@@ -6060,7 +7362,7 @@
           <a:p>
             <a:fld id="{4509A250-FF31-4206-8172-F9D3106AACB1}" type="datetimeFigureOut">
               <a:rPr lang="en-US" dirty="0"/>
-              <a:t>12/7/2022</a:t>
+              <a:t>12/14/2022</a:t>
             </a:fld>
             <a:endParaRPr lang="en-US" dirty="0"/>
           </a:p>
@@ -6337,7 +7639,7 @@
           <a:p>
             <a:fld id="{4509A250-FF31-4206-8172-F9D3106AACB1}" type="datetimeFigureOut">
               <a:rPr lang="en-US" dirty="0"/>
-              <a:t>12/7/2022</a:t>
+              <a:t>12/14/2022</a:t>
             </a:fld>
             <a:endParaRPr lang="en-US" dirty="0"/>
           </a:p>
@@ -6607,7 +7909,7 @@
           <a:p>
             <a:fld id="{4509A250-FF31-4206-8172-F9D3106AACB1}" type="datetimeFigureOut">
               <a:rPr lang="en-US" dirty="0"/>
-              <a:t>12/7/2022</a:t>
+              <a:t>12/14/2022</a:t>
             </a:fld>
             <a:endParaRPr lang="en-US" dirty="0"/>
           </a:p>
@@ -7034,7 +8336,7 @@
           <a:p>
             <a:fld id="{4AAD347D-5ACD-4C99-B74B-A9C85AD731AF}" type="datetimeFigureOut">
               <a:rPr lang="en-US" dirty="0"/>
-              <a:t>12/7/2022</a:t>
+              <a:t>12/14/2022</a:t>
             </a:fld>
             <a:endParaRPr lang="en-US" dirty="0"/>
           </a:p>
@@ -7637,7 +8939,7 @@
         </p:nvSpPr>
         <p:spPr>
           <a:xfrm>
-            <a:off x="1154955" y="1447800"/>
+            <a:off x="1154955" y="1146544"/>
             <a:ext cx="8825658" cy="3329581"/>
           </a:xfrm>
         </p:spPr>
@@ -7693,13 +8995,13 @@
         </p:nvSpPr>
         <p:spPr>
           <a:xfrm>
-            <a:off x="1154955" y="4777380"/>
-            <a:ext cx="8825658" cy="861420"/>
+            <a:off x="1154955" y="5052054"/>
+            <a:ext cx="8825658" cy="1074071"/>
           </a:xfrm>
         </p:spPr>
         <p:txBody>
           <a:bodyPr vert="horz" lIns="91440" tIns="45720" rIns="91440" bIns="45720" rtlCol="0">
-            <a:normAutofit/>
+            <a:normAutofit fontScale="92500" lnSpcReduction="20000"/>
           </a:bodyPr>
           <a:lstStyle/>
           <a:p>
@@ -7734,6 +9036,38 @@
                 <a:cs typeface="Calibri"/>
               </a:rPr>
               <a:t>Team: Holdjáró szárnyakkal</a:t>
+            </a:r>
+          </a:p>
+          <a:p>
+            <a:r>
+              <a:rPr lang="hu-HU" dirty="0" err="1">
+                <a:cs typeface="Calibri"/>
+              </a:rPr>
+              <a:t>Presented</a:t>
+            </a:r>
+            <a:r>
+              <a:rPr lang="hu-HU" dirty="0">
+                <a:cs typeface="Calibri"/>
+              </a:rPr>
+              <a:t> </a:t>
+            </a:r>
+            <a:r>
+              <a:rPr lang="hu-HU" dirty="0" err="1">
+                <a:cs typeface="Calibri"/>
+              </a:rPr>
+              <a:t>by</a:t>
+            </a:r>
+            <a:r>
+              <a:rPr lang="hu-HU" dirty="0">
+                <a:cs typeface="Calibri"/>
+              </a:rPr>
+              <a:t>: János </a:t>
+            </a:r>
+            <a:r>
+              <a:rPr lang="hu-HU" dirty="0" err="1">
+                <a:cs typeface="Calibri"/>
+              </a:rPr>
+              <a:t>Gorondi</a:t>
             </a:r>
           </a:p>
         </p:txBody>
@@ -7829,9 +9163,6 @@
                                   <p:stCondLst>
                                     <p:cond delay="1500"/>
                                   </p:stCondLst>
-                                  <p:iterate>
-                                    <p:tmPct val="10000"/>
-                                  </p:iterate>
                                   <p:childTnLst>
                                     <p:set>
                                       <p:cBhvr>
@@ -7841,11 +9172,7 @@
                                           </p:stCondLst>
                                         </p:cTn>
                                         <p:tgtEl>
-                                          <p:spTgt spid="3">
-                                            <p:txEl>
-                                              <p:pRg st="0" end="0"/>
-                                            </p:txEl>
-                                          </p:spTgt>
+                                          <p:spTgt spid="3"/>
                                         </p:tgtEl>
                                         <p:attrNameLst>
                                           <p:attrName>style.visibility</p:attrName>
@@ -7857,13 +9184,9 @@
                                     </p:set>
                                     <p:animEffect transition="in" filter="fade">
                                       <p:cBhvr>
-                                        <p:cTn id="7" dur="700"/>
+                                        <p:cTn id="7" dur="500"/>
                                         <p:tgtEl>
-                                          <p:spTgt spid="3">
-                                            <p:txEl>
-                                              <p:pRg st="0" end="0"/>
-                                            </p:txEl>
-                                          </p:spTgt>
+                                          <p:spTgt spid="3"/>
                                         </p:tgtEl>
                                       </p:cBhvr>
                                     </p:animEffect>
@@ -7914,70 +9237,6 @@
                       </p:childTnLst>
                     </p:cTn>
                   </p:par>
-                  <p:par>
-                    <p:cTn id="11" fill="hold">
-                      <p:stCondLst>
-                        <p:cond delay="indefinite"/>
-                      </p:stCondLst>
-                      <p:childTnLst>
-                        <p:par>
-                          <p:cTn id="12" fill="hold">
-                            <p:stCondLst>
-                              <p:cond delay="0"/>
-                            </p:stCondLst>
-                            <p:childTnLst>
-                              <p:par>
-                                <p:cTn id="13" presetID="10" presetClass="entr" presetSubtype="0" fill="hold" grpId="0" nodeType="clickEffect">
-                                  <p:stCondLst>
-                                    <p:cond delay="1500"/>
-                                  </p:stCondLst>
-                                  <p:iterate>
-                                    <p:tmPct val="10000"/>
-                                  </p:iterate>
-                                  <p:childTnLst>
-                                    <p:set>
-                                      <p:cBhvr>
-                                        <p:cTn id="14" dur="1" fill="hold">
-                                          <p:stCondLst>
-                                            <p:cond delay="0"/>
-                                          </p:stCondLst>
-                                        </p:cTn>
-                                        <p:tgtEl>
-                                          <p:spTgt spid="3">
-                                            <p:txEl>
-                                              <p:pRg st="1" end="1"/>
-                                            </p:txEl>
-                                          </p:spTgt>
-                                        </p:tgtEl>
-                                        <p:attrNameLst>
-                                          <p:attrName>style.visibility</p:attrName>
-                                        </p:attrNameLst>
-                                      </p:cBhvr>
-                                      <p:to>
-                                        <p:strVal val="visible"/>
-                                      </p:to>
-                                    </p:set>
-                                    <p:animEffect transition="in" filter="fade">
-                                      <p:cBhvr>
-                                        <p:cTn id="15" dur="700"/>
-                                        <p:tgtEl>
-                                          <p:spTgt spid="3">
-                                            <p:txEl>
-                                              <p:pRg st="1" end="1"/>
-                                            </p:txEl>
-                                          </p:spTgt>
-                                        </p:tgtEl>
-                                      </p:cBhvr>
-                                    </p:animEffect>
-                                  </p:childTnLst>
-                                </p:cTn>
-                              </p:par>
-                            </p:childTnLst>
-                          </p:cTn>
-                        </p:par>
-                      </p:childTnLst>
-                    </p:cTn>
-                  </p:par>
                 </p:childTnLst>
               </p:cTn>
               <p:prevCondLst>
@@ -8001,7 +9260,7 @@
     </p:tnLst>
     <p:bldLst>
       <p:bldP spid="2" grpId="0"/>
-      <p:bldP spid="3" grpId="0" build="p"/>
+      <p:bldP spid="3" grpId="0"/>
     </p:bldLst>
   </p:timing>
 </p:sld>
@@ -8121,7 +9380,7 @@
           <a:lstStyle/>
           <a:p>
             <a:r>
-              <a:rPr lang="en-US" b="0" i="0" kern="1200">
+              <a:rPr lang="en-US" b="1" i="0" kern="1200" dirty="0">
                 <a:solidFill>
                   <a:srgbClr val="EBEBEB"/>
                 </a:solidFill>
@@ -8131,6 +9390,12 @@
               </a:rPr>
               <a:t>Measuring module</a:t>
             </a:r>
+            <a:endParaRPr lang="en-US" b="1" i="0" kern="1200" dirty="0">
+              <a:solidFill>
+                <a:srgbClr val="EBEBEB"/>
+              </a:solidFill>
+              <a:latin typeface="+mj-lt"/>
+            </a:endParaRPr>
           </a:p>
         </p:txBody>
       </p:sp>
@@ -8964,7 +10229,7 @@
           <p:nvPr/>
         </p:nvPicPr>
         <p:blipFill>
-          <a:blip r:embed="rId2"/>
+          <a:blip r:embed="rId3"/>
           <a:stretch>
             <a:fillRect/>
           </a:stretch>
@@ -9055,11 +10320,11 @@
           </a:prstGeom>
         </p:spPr>
         <p:txBody>
-          <a:bodyPr rot="0" spcFirstLastPara="0" vertOverflow="overflow" horzOverflow="overflow" vert="horz" lIns="91440" tIns="45720" rIns="91440" bIns="45720" numCol="1" spcCol="0" rtlCol="0" fromWordArt="0" anchorCtr="0" forceAA="0" compatLnSpc="1">
+          <a:bodyPr rot="0" spcFirstLastPara="0" vertOverflow="overflow" horzOverflow="overflow" vert="horz" lIns="91440" tIns="45720" rIns="91440" bIns="45720" numCol="1" spcCol="0" rtlCol="0" fromWordArt="0" anchor="t" anchorCtr="0" forceAA="0" compatLnSpc="1">
             <a:prstTxWarp prst="textNoShape">
               <a:avLst/>
             </a:prstTxWarp>
-            <a:normAutofit lnSpcReduction="10000"/>
+            <a:normAutofit fontScale="92500" lnSpcReduction="20000"/>
           </a:bodyPr>
           <a:lstStyle/>
           <a:p>
@@ -9260,8 +10525,36 @@
                 <a:ea typeface="+mj-ea"/>
                 <a:cs typeface="+mj-cs"/>
               </a:rPr>
-              <a:t>Publish – Subscribe with Topics</a:t>
-            </a:r>
+              <a:t>Publish – Subscribe </a:t>
+            </a:r>
+          </a:p>
+          <a:p>
+            <a:pPr marL="285750" indent="-285750" defTabSz="457200">
+              <a:spcBef>
+                <a:spcPts val="1000"/>
+              </a:spcBef>
+              <a:buClr>
+                <a:srgbClr val="F7F7F7"/>
+              </a:buClr>
+              <a:buSzPct val="80000"/>
+              <a:buFont typeface="Arial"/>
+              <a:buChar char="•"/>
+            </a:pPr>
+            <a:r>
+              <a:rPr lang="en-US" dirty="0">
+                <a:solidFill>
+                  <a:srgbClr val="EBEBEB"/>
+                </a:solidFill>
+                <a:latin typeface="+mj-lt"/>
+                <a:ea typeface="+mj-ea"/>
+                <a:cs typeface="+mj-cs"/>
+              </a:rPr>
+              <a:t>Topics inside a Domain</a:t>
+            </a:r>
+            <a:endParaRPr lang="en-US">
+              <a:ea typeface="+mj-ea"/>
+              <a:cs typeface="+mj-cs"/>
+            </a:endParaRPr>
           </a:p>
           <a:p>
             <a:pPr marL="285750" indent="-285750" defTabSz="457200">
@@ -9449,13 +10742,34 @@
           <a:lstStyle/>
           <a:p>
             <a:r>
-              <a:rPr lang="hu-HU">
+              <a:rPr lang="hu-HU" b="1" dirty="0" err="1">
                 <a:solidFill>
                   <a:srgbClr val="EBEBEB"/>
                 </a:solidFill>
               </a:rPr>
-              <a:t>Distance system</a:t>
-            </a:r>
+              <a:t>Distance</a:t>
+            </a:r>
+            <a:r>
+              <a:rPr lang="hu-HU" b="1" dirty="0">
+                <a:solidFill>
+                  <a:srgbClr val="EBEBEB"/>
+                </a:solidFill>
+              </a:rPr>
+              <a:t> </a:t>
+            </a:r>
+            <a:r>
+              <a:rPr lang="hu-HU" b="1" dirty="0" err="1">
+                <a:solidFill>
+                  <a:srgbClr val="EBEBEB"/>
+                </a:solidFill>
+              </a:rPr>
+              <a:t>system</a:t>
+            </a:r>
+            <a:endParaRPr lang="hu-HU" b="1">
+              <a:solidFill>
+                <a:srgbClr val="EBEBEB"/>
+              </a:solidFill>
+            </a:endParaRPr>
           </a:p>
         </p:txBody>
       </p:sp>
@@ -10289,7 +11603,7 @@
           <p:nvPr/>
         </p:nvPicPr>
         <p:blipFill>
-          <a:blip r:embed="rId2"/>
+          <a:blip r:embed="rId3"/>
           <a:stretch>
             <a:fillRect/>
           </a:stretch>
@@ -10495,7 +11809,7 @@
           <p:nvPr/>
         </p:nvPicPr>
         <p:blipFill>
-          <a:blip r:embed="rId3"/>
+          <a:blip r:embed="rId4"/>
           <a:stretch>
             <a:fillRect/>
           </a:stretch>
@@ -10525,7 +11839,7 @@
           <p:nvPr/>
         </p:nvPicPr>
         <p:blipFill>
-          <a:blip r:embed="rId4"/>
+          <a:blip r:embed="rId5"/>
           <a:stretch>
             <a:fillRect/>
           </a:stretch>
@@ -10718,7 +12032,7 @@
         </p:nvSpPr>
         <p:spPr>
           <a:xfrm>
-            <a:off x="746167" y="2476993"/>
+            <a:off x="613260" y="2485853"/>
             <a:ext cx="5812970" cy="944620"/>
           </a:xfrm>
         </p:spPr>
@@ -10729,7 +12043,7 @@
           <a:lstStyle/>
           <a:p>
             <a:r>
-              <a:rPr lang="hu-HU" sz="4200" dirty="0"/>
+              <a:rPr lang="hu-HU" sz="4200" b="1" dirty="0"/>
               <a:t>Data flow I.</a:t>
             </a:r>
           </a:p>
@@ -10766,6 +12080,58 @@
           <a:effectLst/>
         </p:spPr>
       </p:pic>
+      <p:sp>
+        <p:nvSpPr>
+          <p:cNvPr id="4" name="Téglalap 3">
+            <a:extLst>
+              <a:ext uri="{FF2B5EF4-FFF2-40B4-BE49-F238E27FC236}">
+                <a16:creationId xmlns:a16="http://schemas.microsoft.com/office/drawing/2014/main" id="{0025BB2D-3F2D-FBD5-B4DC-0CC77C90F6A5}"/>
+              </a:ext>
+            </a:extLst>
+          </p:cNvPr>
+          <p:cNvSpPr/>
+          <p:nvPr/>
+        </p:nvSpPr>
+        <p:spPr>
+          <a:xfrm>
+            <a:off x="6095999" y="779721"/>
+            <a:ext cx="1807535" cy="416441"/>
+          </a:xfrm>
+          <a:prstGeom prst="rect">
+            <a:avLst/>
+          </a:prstGeom>
+          <a:solidFill>
+            <a:srgbClr val="F5E9C4"/>
+          </a:solidFill>
+          <a:ln>
+            <a:noFill/>
+          </a:ln>
+        </p:spPr>
+        <p:style>
+          <a:lnRef idx="2">
+            <a:schemeClr val="accent1">
+              <a:shade val="50000"/>
+            </a:schemeClr>
+          </a:lnRef>
+          <a:fillRef idx="1">
+            <a:schemeClr val="accent1"/>
+          </a:fillRef>
+          <a:effectRef idx="0">
+            <a:schemeClr val="accent1"/>
+          </a:effectRef>
+          <a:fontRef idx="minor">
+            <a:schemeClr val="lt1"/>
+          </a:fontRef>
+        </p:style>
+        <p:txBody>
+          <a:bodyPr rtlCol="0" anchor="ctr"/>
+          <a:lstStyle/>
+          <a:p>
+            <a:pPr algn="ctr"/>
+            <a:endParaRPr lang="hu-HU"/>
+          </a:p>
+        </p:txBody>
+      </p:sp>
     </p:spTree>
     <p:extLst>
       <p:ext uri="{BB962C8B-B14F-4D97-AF65-F5344CB8AC3E}">
@@ -10905,13 +12271,34 @@
           <a:lstStyle/>
           <a:p>
             <a:r>
-              <a:rPr lang="hu-HU">
+              <a:rPr lang="hu-HU" b="1" dirty="0" err="1">
                 <a:solidFill>
                   <a:srgbClr val="EBEBEB"/>
                 </a:solidFill>
               </a:rPr>
-              <a:t>Speed system</a:t>
-            </a:r>
+              <a:t>Speed</a:t>
+            </a:r>
+            <a:r>
+              <a:rPr lang="hu-HU" b="1" dirty="0">
+                <a:solidFill>
+                  <a:srgbClr val="EBEBEB"/>
+                </a:solidFill>
+              </a:rPr>
+              <a:t> </a:t>
+            </a:r>
+            <a:r>
+              <a:rPr lang="hu-HU" b="1" dirty="0" err="1">
+                <a:solidFill>
+                  <a:srgbClr val="EBEBEB"/>
+                </a:solidFill>
+              </a:rPr>
+              <a:t>system</a:t>
+            </a:r>
+            <a:endParaRPr lang="hu-HU" b="1" dirty="0">
+              <a:solidFill>
+                <a:srgbClr val="EBEBEB"/>
+              </a:solidFill>
+            </a:endParaRPr>
           </a:p>
         </p:txBody>
       </p:sp>
@@ -11745,7 +13132,7 @@
           <p:nvPr/>
         </p:nvPicPr>
         <p:blipFill>
-          <a:blip r:embed="rId2"/>
+          <a:blip r:embed="rId3"/>
           <a:stretch>
             <a:fillRect/>
           </a:stretch>
@@ -12101,7 +13488,7 @@
         </p:nvSpPr>
         <p:spPr>
           <a:xfrm>
-            <a:off x="489213" y="2485853"/>
+            <a:off x="400608" y="2485853"/>
             <a:ext cx="5812970" cy="944620"/>
           </a:xfrm>
         </p:spPr>
@@ -12112,7 +13499,7 @@
           <a:lstStyle/>
           <a:p>
             <a:r>
-              <a:rPr lang="hu-HU" sz="4200" dirty="0"/>
+              <a:rPr lang="hu-HU" sz="4200" b="1" dirty="0"/>
               <a:t>Data flow II.</a:t>
             </a:r>
           </a:p>
@@ -12148,6 +13535,58 @@
           </a:prstGeom>
         </p:spPr>
       </p:pic>
+      <p:sp>
+        <p:nvSpPr>
+          <p:cNvPr id="6" name="Téglalap 5">
+            <a:extLst>
+              <a:ext uri="{FF2B5EF4-FFF2-40B4-BE49-F238E27FC236}">
+                <a16:creationId xmlns:a16="http://schemas.microsoft.com/office/drawing/2014/main" id="{1503D85A-0794-A096-17E6-0CF9D6C436EE}"/>
+              </a:ext>
+            </a:extLst>
+          </p:cNvPr>
+          <p:cNvSpPr/>
+          <p:nvPr/>
+        </p:nvSpPr>
+        <p:spPr>
+          <a:xfrm>
+            <a:off x="6095999" y="522768"/>
+            <a:ext cx="1807535" cy="301254"/>
+          </a:xfrm>
+          <a:prstGeom prst="rect">
+            <a:avLst/>
+          </a:prstGeom>
+          <a:solidFill>
+            <a:srgbClr val="F5E9C4"/>
+          </a:solidFill>
+          <a:ln>
+            <a:noFill/>
+          </a:ln>
+        </p:spPr>
+        <p:style>
+          <a:lnRef idx="2">
+            <a:schemeClr val="accent1">
+              <a:shade val="50000"/>
+            </a:schemeClr>
+          </a:lnRef>
+          <a:fillRef idx="1">
+            <a:schemeClr val="accent1"/>
+          </a:fillRef>
+          <a:effectRef idx="0">
+            <a:schemeClr val="accent1"/>
+          </a:effectRef>
+          <a:fontRef idx="minor">
+            <a:schemeClr val="lt1"/>
+          </a:fontRef>
+        </p:style>
+        <p:txBody>
+          <a:bodyPr rtlCol="0" anchor="ctr"/>
+          <a:lstStyle/>
+          <a:p>
+            <a:pPr algn="ctr"/>
+            <a:endParaRPr lang="hu-HU"/>
+          </a:p>
+        </p:txBody>
+      </p:sp>
     </p:spTree>
     <p:extLst>
       <p:ext uri="{BB962C8B-B14F-4D97-AF65-F5344CB8AC3E}">
@@ -12287,7 +13726,7 @@
           <a:lstStyle/>
           <a:p>
             <a:r>
-              <a:rPr lang="hu-HU" dirty="0" err="1">
+              <a:rPr lang="hu-HU" b="1" dirty="0" err="1">
                 <a:solidFill>
                   <a:srgbClr val="EBEBEB"/>
                 </a:solidFill>
@@ -12295,7 +13734,7 @@
               <a:t>Measuring</a:t>
             </a:r>
             <a:r>
-              <a:rPr lang="hu-HU" dirty="0">
+              <a:rPr lang="hu-HU" b="1" dirty="0">
                 <a:solidFill>
                   <a:srgbClr val="EBEBEB"/>
                 </a:solidFill>
@@ -12303,7 +13742,7 @@
               <a:t> </a:t>
             </a:r>
             <a:r>
-              <a:rPr lang="hu-HU" dirty="0" err="1">
+              <a:rPr lang="hu-HU" b="1" dirty="0" err="1">
                 <a:solidFill>
                   <a:srgbClr val="EBEBEB"/>
                 </a:solidFill>
@@ -12311,7 +13750,7 @@
               <a:t>module</a:t>
             </a:r>
             <a:r>
-              <a:rPr lang="hu-HU" dirty="0">
+              <a:rPr lang="hu-HU" b="1" dirty="0">
                 <a:solidFill>
                   <a:srgbClr val="EBEBEB"/>
                 </a:solidFill>
@@ -12319,7 +13758,7 @@
               <a:t> </a:t>
             </a:r>
             <a:r>
-              <a:rPr lang="hu-HU" dirty="0" err="1">
+              <a:rPr lang="hu-HU" b="1" dirty="0" err="1">
                 <a:solidFill>
                   <a:srgbClr val="EBEBEB"/>
                 </a:solidFill>
@@ -12327,7 +13766,7 @@
               <a:t>data</a:t>
             </a:r>
             <a:r>
-              <a:rPr lang="hu-HU" dirty="0">
+              <a:rPr lang="hu-HU" b="1" dirty="0">
                 <a:solidFill>
                   <a:srgbClr val="EBEBEB"/>
                 </a:solidFill>
@@ -13167,7 +14606,7 @@
           <p:nvPr/>
         </p:nvPicPr>
         <p:blipFill>
-          <a:blip r:embed="rId2"/>
+          <a:blip r:embed="rId3"/>
           <a:stretch>
             <a:fillRect/>
           </a:stretch>
@@ -13286,22 +14725,14 @@
               <a:buChar char="•"/>
             </a:pPr>
             <a:r>
-              <a:rPr lang="en-US" dirty="0" err="1">
-                <a:solidFill>
-                  <a:srgbClr val="EBEBEB"/>
-                </a:solidFill>
-              </a:rPr>
-              <a:t>RasPi</a:t>
-            </a:r>
-            <a:r>
               <a:rPr lang="en-US" dirty="0">
                 <a:solidFill>
                   <a:srgbClr val="EBEBEB"/>
                 </a:solidFill>
               </a:rPr>
-              <a:t> 4 migration</a:t>
-            </a:r>
-            <a:endParaRPr lang="hu-HU"/>
+              <a:t>Raspberry Pi 4 migration</a:t>
+            </a:r>
+            <a:endParaRPr lang="hu-HU" dirty="0"/>
           </a:p>
           <a:p>
             <a:pPr>
@@ -13368,7 +14799,7 @@
                   <a:srgbClr val="EBEBEB"/>
                 </a:solidFill>
               </a:rPr>
-              <a:t>Microcontrollers</a:t>
+              <a:t>Working with microcontrollers</a:t>
             </a:r>
           </a:p>
           <a:p>
@@ -13525,33 +14956,34 @@
           <a:lstStyle/>
           <a:p>
             <a:r>
-              <a:rPr lang="hu-HU" dirty="0" err="1"/>
+              <a:rPr lang="hu-HU" b="1" dirty="0" err="1"/>
               <a:t>Smart</a:t>
             </a:r>
             <a:r>
-              <a:rPr lang="hu-HU" dirty="0"/>
+              <a:rPr lang="hu-HU" b="1" dirty="0"/>
               <a:t> </a:t>
             </a:r>
             <a:r>
-              <a:rPr lang="hu-HU" dirty="0" err="1"/>
+              <a:rPr lang="hu-HU" b="1" dirty="0" err="1"/>
               <a:t>braking</a:t>
             </a:r>
             <a:r>
-              <a:rPr lang="hu-HU" dirty="0"/>
+              <a:rPr lang="hu-HU" b="1" dirty="0"/>
               <a:t> </a:t>
             </a:r>
             <a:r>
-              <a:rPr lang="hu-HU" dirty="0" err="1"/>
+              <a:rPr lang="hu-HU" b="1" dirty="0" err="1"/>
               <a:t>system</a:t>
             </a:r>
             <a:r>
-              <a:rPr lang="hu-HU" dirty="0"/>
+              <a:rPr lang="hu-HU" b="1" dirty="0"/>
               <a:t> </a:t>
             </a:r>
             <a:r>
-              <a:rPr lang="hu-HU" dirty="0" err="1"/>
+              <a:rPr lang="hu-HU" b="1" dirty="0" err="1"/>
               <a:t>integration</a:t>
             </a:r>
+            <a:endParaRPr lang="hu-HU" b="1" dirty="0"/>
           </a:p>
         </p:txBody>
       </p:sp>
@@ -13572,7 +15004,7 @@
           </p:nvPr>
         </p:nvPicPr>
         <p:blipFill>
-          <a:blip r:embed="rId2"/>
+          <a:blip r:embed="rId3"/>
           <a:stretch>
             <a:fillRect/>
           </a:stretch>
@@ -13598,8 +15030,8 @@
         </p:nvSpPr>
         <p:spPr>
           <a:xfrm>
-            <a:off x="3792279" y="5023882"/>
-            <a:ext cx="7079510" cy="1015663"/>
+            <a:off x="4111256" y="4988440"/>
+            <a:ext cx="7079510" cy="1417824"/>
           </a:xfrm>
           <a:prstGeom prst="rect">
             <a:avLst/>
@@ -13616,6 +15048,9 @@
           <a:lstStyle/>
           <a:p>
             <a:pPr marL="342900" indent="-342900">
+              <a:lnSpc>
+                <a:spcPct val="150000"/>
+              </a:lnSpc>
               <a:buFont typeface="Arial"/>
               <a:buChar char="•"/>
             </a:pPr>
@@ -13683,6 +15118,9 @@
           </a:p>
           <a:p>
             <a:pPr marL="342900" indent="-342900">
+              <a:lnSpc>
+                <a:spcPct val="150000"/>
+              </a:lnSpc>
               <a:buFont typeface="Arial"/>
               <a:buChar char="•"/>
             </a:pPr>
@@ -13769,6 +15207,9 @@
           </a:p>
           <a:p>
             <a:pPr marL="342900" indent="-342900">
+              <a:lnSpc>
+                <a:spcPct val="150000"/>
+              </a:lnSpc>
               <a:buFont typeface="Arial"/>
               <a:buChar char="•"/>
             </a:pPr>
@@ -13830,13 +15271,13 @@
   <p:clrMapOvr>
     <a:masterClrMapping/>
   </p:clrMapOvr>
-  <mc:AlternateContent xmlns:mc="http://schemas.openxmlformats.org/markup-compatibility/2006">
-    <mc:Choice xmlns:p14="http://schemas.microsoft.com/office/powerpoint/2010/main" Requires="p14">
+  <mc:AlternateContent xmlns:mc="http://schemas.openxmlformats.org/markup-compatibility/2006" xmlns:p14="http://schemas.microsoft.com/office/powerpoint/2010/main">
+    <mc:Choice Requires="p14">
       <p:transition spd="med" p14:dur="700">
         <p:fade/>
       </p:transition>
     </mc:Choice>
-    <mc:Fallback>
+    <mc:Fallback xmlns="">
       <p:transition spd="med">
         <p:fade/>
       </p:transition>
@@ -14109,4 +15550,299 @@
     </a:ext>
   </a:extLst>
 </a:theme>
+</file>
+
+<file path=ppt/theme/theme2.xml><?xml version="1.0" encoding="utf-8"?>
+<a:theme xmlns:a="http://schemas.openxmlformats.org/drawingml/2006/main" name="Office téma 2013 - 2022">
+  <a:themeElements>
+    <a:clrScheme name="Office">
+      <a:dk1>
+        <a:sysClr val="windowText" lastClr="000000"/>
+      </a:dk1>
+      <a:lt1>
+        <a:sysClr val="window" lastClr="FFFFFF"/>
+      </a:lt1>
+      <a:dk2>
+        <a:srgbClr val="44546A"/>
+      </a:dk2>
+      <a:lt2>
+        <a:srgbClr val="E7E6E6"/>
+      </a:lt2>
+      <a:accent1>
+        <a:srgbClr val="4472C4"/>
+      </a:accent1>
+      <a:accent2>
+        <a:srgbClr val="ED7D31"/>
+      </a:accent2>
+      <a:accent3>
+        <a:srgbClr val="A5A5A5"/>
+      </a:accent3>
+      <a:accent4>
+        <a:srgbClr val="FFC000"/>
+      </a:accent4>
+      <a:accent5>
+        <a:srgbClr val="5B9BD5"/>
+      </a:accent5>
+      <a:accent6>
+        <a:srgbClr val="70AD47"/>
+      </a:accent6>
+      <a:hlink>
+        <a:srgbClr val="0563C1"/>
+      </a:hlink>
+      <a:folHlink>
+        <a:srgbClr val="954F72"/>
+      </a:folHlink>
+    </a:clrScheme>
+    <a:fontScheme name="Office">
+      <a:majorFont>
+        <a:latin typeface="Calibri Light" panose="020F0302020204030204"/>
+        <a:ea typeface=""/>
+        <a:cs typeface=""/>
+        <a:font script="Jpan" typeface="游ゴシック Light"/>
+        <a:font script="Hang" typeface="맑은 고딕"/>
+        <a:font script="Hans" typeface="等线 Light"/>
+        <a:font script="Hant" typeface="新細明體"/>
+        <a:font script="Arab" typeface="Times New Roman"/>
+        <a:font script="Hebr" typeface="Times New Roman"/>
+        <a:font script="Thai" typeface="Angsana New"/>
+        <a:font script="Ethi" typeface="Nyala"/>
+        <a:font script="Beng" typeface="Vrinda"/>
+        <a:font script="Gujr" typeface="Shruti"/>
+        <a:font script="Khmr" typeface="MoolBoran"/>
+        <a:font script="Knda" typeface="Tunga"/>
+        <a:font script="Guru" typeface="Raavi"/>
+        <a:font script="Cans" typeface="Euphemia"/>
+        <a:font script="Cher" typeface="Plantagenet Cherokee"/>
+        <a:font script="Yiii" typeface="Microsoft Yi Baiti"/>
+        <a:font script="Tibt" typeface="Microsoft Himalaya"/>
+        <a:font script="Thaa" typeface="MV Boli"/>
+        <a:font script="Deva" typeface="Mangal"/>
+        <a:font script="Telu" typeface="Gautami"/>
+        <a:font script="Taml" typeface="Latha"/>
+        <a:font script="Syrc" typeface="Estrangelo Edessa"/>
+        <a:font script="Orya" typeface="Kalinga"/>
+        <a:font script="Mlym" typeface="Kartika"/>
+        <a:font script="Laoo" typeface="DokChampa"/>
+        <a:font script="Sinh" typeface="Iskoola Pota"/>
+        <a:font script="Mong" typeface="Mongolian Baiti"/>
+        <a:font script="Viet" typeface="Times New Roman"/>
+        <a:font script="Uigh" typeface="Microsoft Uighur"/>
+        <a:font script="Geor" typeface="Sylfaen"/>
+        <a:font script="Armn" typeface="Arial"/>
+        <a:font script="Bugi" typeface="Leelawadee UI"/>
+        <a:font script="Bopo" typeface="Microsoft JhengHei"/>
+        <a:font script="Java" typeface="Javanese Text"/>
+        <a:font script="Lisu" typeface="Segoe UI"/>
+        <a:font script="Mymr" typeface="Myanmar Text"/>
+        <a:font script="Nkoo" typeface="Ebrima"/>
+        <a:font script="Olck" typeface="Nirmala UI"/>
+        <a:font script="Osma" typeface="Ebrima"/>
+        <a:font script="Phag" typeface="Phagspa"/>
+        <a:font script="Syrn" typeface="Estrangelo Edessa"/>
+        <a:font script="Syrj" typeface="Estrangelo Edessa"/>
+        <a:font script="Syre" typeface="Estrangelo Edessa"/>
+        <a:font script="Sora" typeface="Nirmala UI"/>
+        <a:font script="Tale" typeface="Microsoft Tai Le"/>
+        <a:font script="Talu" typeface="Microsoft New Tai Lue"/>
+        <a:font script="Tfng" typeface="Ebrima"/>
+      </a:majorFont>
+      <a:minorFont>
+        <a:latin typeface="Calibri" panose="020F0502020204030204"/>
+        <a:ea typeface=""/>
+        <a:cs typeface=""/>
+        <a:font script="Jpan" typeface="游ゴシック"/>
+        <a:font script="Hang" typeface="맑은 고딕"/>
+        <a:font script="Hans" typeface="等线"/>
+        <a:font script="Hant" typeface="新細明體"/>
+        <a:font script="Arab" typeface="Arial"/>
+        <a:font script="Hebr" typeface="Arial"/>
+        <a:font script="Thai" typeface="Cordia New"/>
+        <a:font script="Ethi" typeface="Nyala"/>
+        <a:font script="Beng" typeface="Vrinda"/>
+        <a:font script="Gujr" typeface="Shruti"/>
+        <a:font script="Khmr" typeface="DaunPenh"/>
+        <a:font script="Knda" typeface="Tunga"/>
+        <a:font script="Guru" typeface="Raavi"/>
+        <a:font script="Cans" typeface="Euphemia"/>
+        <a:font script="Cher" typeface="Plantagenet Cherokee"/>
+        <a:font script="Yiii" typeface="Microsoft Yi Baiti"/>
+        <a:font script="Tibt" typeface="Microsoft Himalaya"/>
+        <a:font script="Thaa" typeface="MV Boli"/>
+        <a:font script="Deva" typeface="Mangal"/>
+        <a:font script="Telu" typeface="Gautami"/>
+        <a:font script="Taml" typeface="Latha"/>
+        <a:font script="Syrc" typeface="Estrangelo Edessa"/>
+        <a:font script="Orya" typeface="Kalinga"/>
+        <a:font script="Mlym" typeface="Kartika"/>
+        <a:font script="Laoo" typeface="DokChampa"/>
+        <a:font script="Sinh" typeface="Iskoola Pota"/>
+        <a:font script="Mong" typeface="Mongolian Baiti"/>
+        <a:font script="Viet" typeface="Arial"/>
+        <a:font script="Uigh" typeface="Microsoft Uighur"/>
+        <a:font script="Geor" typeface="Sylfaen"/>
+        <a:font script="Armn" typeface="Arial"/>
+        <a:font script="Bugi" typeface="Leelawadee UI"/>
+        <a:font script="Bopo" typeface="Microsoft JhengHei"/>
+        <a:font script="Java" typeface="Javanese Text"/>
+        <a:font script="Lisu" typeface="Segoe UI"/>
+        <a:font script="Mymr" typeface="Myanmar Text"/>
+        <a:font script="Nkoo" typeface="Ebrima"/>
+        <a:font script="Olck" typeface="Nirmala UI"/>
+        <a:font script="Osma" typeface="Ebrima"/>
+        <a:font script="Phag" typeface="Phagspa"/>
+        <a:font script="Syrn" typeface="Estrangelo Edessa"/>
+        <a:font script="Syrj" typeface="Estrangelo Edessa"/>
+        <a:font script="Syre" typeface="Estrangelo Edessa"/>
+        <a:font script="Sora" typeface="Nirmala UI"/>
+        <a:font script="Tale" typeface="Microsoft Tai Le"/>
+        <a:font script="Talu" typeface="Microsoft New Tai Lue"/>
+        <a:font script="Tfng" typeface="Ebrima"/>
+      </a:minorFont>
+    </a:fontScheme>
+    <a:fmtScheme name="Office">
+      <a:fillStyleLst>
+        <a:solidFill>
+          <a:schemeClr val="phClr"/>
+        </a:solidFill>
+        <a:gradFill rotWithShape="1">
+          <a:gsLst>
+            <a:gs pos="0">
+              <a:schemeClr val="phClr">
+                <a:lumMod val="110000"/>
+                <a:satMod val="105000"/>
+                <a:tint val="67000"/>
+              </a:schemeClr>
+            </a:gs>
+            <a:gs pos="50000">
+              <a:schemeClr val="phClr">
+                <a:lumMod val="105000"/>
+                <a:satMod val="103000"/>
+                <a:tint val="73000"/>
+              </a:schemeClr>
+            </a:gs>
+            <a:gs pos="100000">
+              <a:schemeClr val="phClr">
+                <a:lumMod val="105000"/>
+                <a:satMod val="109000"/>
+                <a:tint val="81000"/>
+              </a:schemeClr>
+            </a:gs>
+          </a:gsLst>
+          <a:lin ang="5400000" scaled="0"/>
+        </a:gradFill>
+        <a:gradFill rotWithShape="1">
+          <a:gsLst>
+            <a:gs pos="0">
+              <a:schemeClr val="phClr">
+                <a:satMod val="103000"/>
+                <a:lumMod val="102000"/>
+                <a:tint val="94000"/>
+              </a:schemeClr>
+            </a:gs>
+            <a:gs pos="50000">
+              <a:schemeClr val="phClr">
+                <a:satMod val="110000"/>
+                <a:lumMod val="100000"/>
+                <a:shade val="100000"/>
+              </a:schemeClr>
+            </a:gs>
+            <a:gs pos="100000">
+              <a:schemeClr val="phClr">
+                <a:lumMod val="99000"/>
+                <a:satMod val="120000"/>
+                <a:shade val="78000"/>
+              </a:schemeClr>
+            </a:gs>
+          </a:gsLst>
+          <a:lin ang="5400000" scaled="0"/>
+        </a:gradFill>
+      </a:fillStyleLst>
+      <a:lnStyleLst>
+        <a:ln w="6350" cap="flat" cmpd="sng" algn="ctr">
+          <a:solidFill>
+            <a:schemeClr val="phClr"/>
+          </a:solidFill>
+          <a:prstDash val="solid"/>
+          <a:miter lim="800000"/>
+        </a:ln>
+        <a:ln w="12700" cap="flat" cmpd="sng" algn="ctr">
+          <a:solidFill>
+            <a:schemeClr val="phClr"/>
+          </a:solidFill>
+          <a:prstDash val="solid"/>
+          <a:miter lim="800000"/>
+        </a:ln>
+        <a:ln w="19050" cap="flat" cmpd="sng" algn="ctr">
+          <a:solidFill>
+            <a:schemeClr val="phClr"/>
+          </a:solidFill>
+          <a:prstDash val="solid"/>
+          <a:miter lim="800000"/>
+        </a:ln>
+      </a:lnStyleLst>
+      <a:effectStyleLst>
+        <a:effectStyle>
+          <a:effectLst/>
+        </a:effectStyle>
+        <a:effectStyle>
+          <a:effectLst/>
+        </a:effectStyle>
+        <a:effectStyle>
+          <a:effectLst>
+            <a:outerShdw blurRad="57150" dist="19050" dir="5400000" algn="ctr" rotWithShape="0">
+              <a:srgbClr val="000000">
+                <a:alpha val="63000"/>
+              </a:srgbClr>
+            </a:outerShdw>
+          </a:effectLst>
+        </a:effectStyle>
+      </a:effectStyleLst>
+      <a:bgFillStyleLst>
+        <a:solidFill>
+          <a:schemeClr val="phClr"/>
+        </a:solidFill>
+        <a:solidFill>
+          <a:schemeClr val="phClr">
+            <a:tint val="95000"/>
+            <a:satMod val="170000"/>
+          </a:schemeClr>
+        </a:solidFill>
+        <a:gradFill rotWithShape="1">
+          <a:gsLst>
+            <a:gs pos="0">
+              <a:schemeClr val="phClr">
+                <a:tint val="93000"/>
+                <a:satMod val="150000"/>
+                <a:shade val="98000"/>
+                <a:lumMod val="102000"/>
+              </a:schemeClr>
+            </a:gs>
+            <a:gs pos="50000">
+              <a:schemeClr val="phClr">
+                <a:tint val="98000"/>
+                <a:satMod val="130000"/>
+                <a:shade val="90000"/>
+                <a:lumMod val="103000"/>
+              </a:schemeClr>
+            </a:gs>
+            <a:gs pos="100000">
+              <a:schemeClr val="phClr">
+                <a:shade val="63000"/>
+                <a:satMod val="120000"/>
+              </a:schemeClr>
+            </a:gs>
+          </a:gsLst>
+          <a:lin ang="5400000" scaled="0"/>
+        </a:gradFill>
+      </a:bgFillStyleLst>
+    </a:fmtScheme>
+  </a:themeElements>
+  <a:objectDefaults/>
+  <a:extraClrSchemeLst/>
+  <a:extLst>
+    <a:ext uri="{05A4C25C-085E-4340-85A3-A5531E510DB2}">
+      <thm15:themeFamily xmlns:thm15="http://schemas.microsoft.com/office/thememl/2012/main" name="Office Theme 2013 - 2022" id="{62F939B6-93AF-4DB8-9C6B-D6C7DFDC589F}" vid="{4A3C46E8-61CC-4603-A589-7422A47A8E4A}"/>
+    </a:ext>
+  </a:extLst>
+</a:theme>
 </file>
--- a/Documentation/Smart braking system.pptx
+++ b/Documentation/Smart braking system.pptx
@@ -5,17 +5,19 @@
     <p:sldMasterId id="2147483678" r:id="rId1"/>
   </p:sldMasterIdLst>
   <p:notesMasterIdLst>
-    <p:notesMasterId r:id="rId10"/>
+    <p:notesMasterId r:id="rId12"/>
   </p:notesMasterIdLst>
   <p:sldIdLst>
     <p:sldId id="256" r:id="rId2"/>
-    <p:sldId id="257" r:id="rId3"/>
-    <p:sldId id="258" r:id="rId4"/>
-    <p:sldId id="259" r:id="rId5"/>
-    <p:sldId id="260" r:id="rId6"/>
-    <p:sldId id="263" r:id="rId7"/>
-    <p:sldId id="262" r:id="rId8"/>
-    <p:sldId id="264" r:id="rId9"/>
+    <p:sldId id="265" r:id="rId3"/>
+    <p:sldId id="266" r:id="rId4"/>
+    <p:sldId id="257" r:id="rId5"/>
+    <p:sldId id="258" r:id="rId6"/>
+    <p:sldId id="259" r:id="rId7"/>
+    <p:sldId id="260" r:id="rId8"/>
+    <p:sldId id="263" r:id="rId9"/>
+    <p:sldId id="262" r:id="rId10"/>
+    <p:sldId id="264" r:id="rId11"/>
   </p:sldIdLst>
   <p:sldSz cx="12192000" cy="6858000"/>
   <p:notesSz cx="6858000" cy="9144000"/>
@@ -1947,7 +1949,7 @@
           </a:lstStyle>
           <a:p>
             <a:fld id="{D19B6E8A-AEA3-4348-9D55-5FAA52523F2A}" type="datetimeFigureOut">
-              <a:t>2022. 12. 14.</a:t>
+              <a:t>12/16/2022</a:t>
             </a:fld>
             <a:endParaRPr lang="hu-HU"/>
           </a:p>
@@ -2444,7 +2446,7 @@
           <a:lstStyle/>
           <a:p>
             <a:fld id="{CE830D63-FA54-44AB-95AF-F77FDA3339C3}" type="slidenum">
-              <a:t>2</a:t>
+              <a:t>4</a:t>
             </a:fld>
             <a:endParaRPr lang="hu-HU"/>
           </a:p>
@@ -2598,7 +2600,7 @@
           <a:p>
             <a:fld id="{CE830D63-FA54-44AB-95AF-F77FDA3339C3}" type="slidenum">
               <a:rPr lang="hu-HU"/>
-              <a:t>3</a:t>
+              <a:t>5</a:t>
             </a:fld>
             <a:endParaRPr lang="hu-HU"/>
           </a:p>
@@ -2684,7 +2686,7 @@
           <a:p>
             <a:fld id="{CE830D63-FA54-44AB-95AF-F77FDA3339C3}" type="slidenum">
               <a:rPr lang="hu-HU"/>
-              <a:t>5</a:t>
+              <a:t>7</a:t>
             </a:fld>
             <a:endParaRPr lang="hu-HU"/>
           </a:p>
@@ -2824,7 +2826,7 @@
           <a:p>
             <a:fld id="{CE830D63-FA54-44AB-95AF-F77FDA3339C3}" type="slidenum">
               <a:rPr lang="hu-HU"/>
-              <a:t>7</a:t>
+              <a:t>9</a:t>
             </a:fld>
             <a:endParaRPr lang="hu-HU"/>
           </a:p>
@@ -2913,7 +2915,7 @@
           <a:p>
             <a:fld id="{CE830D63-FA54-44AB-95AF-F77FDA3339C3}" type="slidenum">
               <a:rPr lang="hu-HU"/>
-              <a:t>8</a:t>
+              <a:t>10</a:t>
             </a:fld>
             <a:endParaRPr lang="hu-HU"/>
           </a:p>
@@ -3116,7 +3118,7 @@
           <a:p>
             <a:fld id="{4AAD347D-5ACD-4C99-B74B-A9C85AD731AF}" type="datetimeFigureOut">
               <a:rPr lang="en-US" dirty="0"/>
-              <a:t>12/14/2022</a:t>
+              <a:t>12/16/2022</a:t>
             </a:fld>
             <a:endParaRPr lang="en-US" dirty="0"/>
           </a:p>
@@ -3386,7 +3388,7 @@
           <a:p>
             <a:fld id="{4509A250-FF31-4206-8172-F9D3106AACB1}" type="datetimeFigureOut">
               <a:rPr lang="en-US" dirty="0"/>
-              <a:t>12/14/2022</a:t>
+              <a:t>12/16/2022</a:t>
             </a:fld>
             <a:endParaRPr lang="en-US" dirty="0"/>
           </a:p>
@@ -3579,7 +3581,7 @@
           <a:p>
             <a:fld id="{4509A250-FF31-4206-8172-F9D3106AACB1}" type="datetimeFigureOut">
               <a:rPr lang="en-US" dirty="0"/>
-              <a:t>12/14/2022</a:t>
+              <a:t>12/16/2022</a:t>
             </a:fld>
             <a:endParaRPr lang="en-US" dirty="0"/>
           </a:p>
@@ -3851,7 +3853,7 @@
           <a:p>
             <a:fld id="{4509A250-FF31-4206-8172-F9D3106AACB1}" type="datetimeFigureOut">
               <a:rPr lang="en-US" dirty="0"/>
-              <a:t>12/14/2022</a:t>
+              <a:t>12/16/2022</a:t>
             </a:fld>
             <a:endParaRPr lang="en-US" dirty="0"/>
           </a:p>
@@ -4191,7 +4193,7 @@
           <a:p>
             <a:fld id="{4509A250-FF31-4206-8172-F9D3106AACB1}" type="datetimeFigureOut">
               <a:rPr lang="en-US" dirty="0"/>
-              <a:t>12/14/2022</a:t>
+              <a:t>12/16/2022</a:t>
             </a:fld>
             <a:endParaRPr lang="en-US" dirty="0"/>
           </a:p>
@@ -4813,7 +4815,7 @@
           <a:p>
             <a:fld id="{4509A250-FF31-4206-8172-F9D3106AACB1}" type="datetimeFigureOut">
               <a:rPr lang="en-US" dirty="0"/>
-              <a:t>12/14/2022</a:t>
+              <a:t>12/16/2022</a:t>
             </a:fld>
             <a:endParaRPr lang="en-US" dirty="0"/>
           </a:p>
@@ -5660,7 +5662,7 @@
           <a:p>
             <a:fld id="{4509A250-FF31-4206-8172-F9D3106AACB1}" type="datetimeFigureOut">
               <a:rPr lang="en-US" dirty="0"/>
-              <a:t>12/14/2022</a:t>
+              <a:t>12/16/2022</a:t>
             </a:fld>
             <a:endParaRPr lang="en-US" dirty="0"/>
           </a:p>
@@ -5828,7 +5830,7 @@
           <a:p>
             <a:fld id="{4509A250-FF31-4206-8172-F9D3106AACB1}" type="datetimeFigureOut">
               <a:rPr lang="en-US" dirty="0"/>
-              <a:t>12/14/2022</a:t>
+              <a:t>12/16/2022</a:t>
             </a:fld>
             <a:endParaRPr lang="en-US" dirty="0"/>
           </a:p>
@@ -6006,7 +6008,7 @@
           <a:p>
             <a:fld id="{4509A250-FF31-4206-8172-F9D3106AACB1}" type="datetimeFigureOut">
               <a:rPr lang="en-US" dirty="0"/>
-              <a:t>12/14/2022</a:t>
+              <a:t>12/16/2022</a:t>
             </a:fld>
             <a:endParaRPr lang="en-US" dirty="0"/>
           </a:p>
@@ -6174,7 +6176,7 @@
           <a:p>
             <a:fld id="{4509A250-FF31-4206-8172-F9D3106AACB1}" type="datetimeFigureOut">
               <a:rPr lang="en-US" dirty="0"/>
-              <a:t>12/14/2022</a:t>
+              <a:t>12/16/2022</a:t>
             </a:fld>
             <a:endParaRPr lang="en-US" dirty="0"/>
           </a:p>
@@ -6420,7 +6422,7 @@
           <a:p>
             <a:fld id="{9796027F-7875-4030-9381-8BD8C4F21935}" type="datetimeFigureOut">
               <a:rPr lang="en-US" dirty="0"/>
-              <a:t>12/14/2022</a:t>
+              <a:t>12/16/2022</a:t>
             </a:fld>
             <a:endParaRPr lang="en-US" dirty="0"/>
           </a:p>
@@ -6709,7 +6711,7 @@
           <a:p>
             <a:fld id="{9796027F-7875-4030-9381-8BD8C4F21935}" type="datetimeFigureOut">
               <a:rPr lang="en-US" dirty="0"/>
-              <a:t>12/14/2022</a:t>
+              <a:t>12/16/2022</a:t>
             </a:fld>
             <a:endParaRPr lang="en-US" dirty="0"/>
           </a:p>
@@ -7150,7 +7152,7 @@
           <a:p>
             <a:fld id="{9796027F-7875-4030-9381-8BD8C4F21935}" type="datetimeFigureOut">
               <a:rPr lang="en-US" dirty="0"/>
-              <a:t>12/14/2022</a:t>
+              <a:t>12/16/2022</a:t>
             </a:fld>
             <a:endParaRPr lang="en-US" dirty="0"/>
           </a:p>
@@ -7267,7 +7269,7 @@
           <a:p>
             <a:fld id="{4509A250-FF31-4206-8172-F9D3106AACB1}" type="datetimeFigureOut">
               <a:rPr lang="en-US" dirty="0"/>
-              <a:t>12/14/2022</a:t>
+              <a:t>12/16/2022</a:t>
             </a:fld>
             <a:endParaRPr lang="en-US" dirty="0"/>
           </a:p>
@@ -7362,7 +7364,7 @@
           <a:p>
             <a:fld id="{4509A250-FF31-4206-8172-F9D3106AACB1}" type="datetimeFigureOut">
               <a:rPr lang="en-US" dirty="0"/>
-              <a:t>12/14/2022</a:t>
+              <a:t>12/16/2022</a:t>
             </a:fld>
             <a:endParaRPr lang="en-US" dirty="0"/>
           </a:p>
@@ -7639,7 +7641,7 @@
           <a:p>
             <a:fld id="{4509A250-FF31-4206-8172-F9D3106AACB1}" type="datetimeFigureOut">
               <a:rPr lang="en-US" dirty="0"/>
-              <a:t>12/14/2022</a:t>
+              <a:t>12/16/2022</a:t>
             </a:fld>
             <a:endParaRPr lang="en-US" dirty="0"/>
           </a:p>
@@ -7909,7 +7911,7 @@
           <a:p>
             <a:fld id="{4509A250-FF31-4206-8172-F9D3106AACB1}" type="datetimeFigureOut">
               <a:rPr lang="en-US" dirty="0"/>
-              <a:t>12/14/2022</a:t>
+              <a:t>12/16/2022</a:t>
             </a:fld>
             <a:endParaRPr lang="en-US" dirty="0"/>
           </a:p>
@@ -8336,7 +8338,7 @@
           <a:p>
             <a:fld id="{4AAD347D-5ACD-4C99-B74B-A9C85AD731AF}" type="datetimeFigureOut">
               <a:rPr lang="en-US" dirty="0"/>
-              <a:t>12/14/2022</a:t>
+              <a:t>12/16/2022</a:t>
             </a:fld>
             <a:endParaRPr lang="en-US" dirty="0"/>
           </a:p>
@@ -9006,29 +9008,14 @@
           <a:lstStyle/>
           <a:p>
             <a:r>
-              <a:rPr lang="hu-HU" dirty="0" err="1">
+              <a:rPr lang="en-US" dirty="0">
                 <a:cs typeface="Calibri"/>
               </a:rPr>
-              <a:t>Theme</a:t>
-            </a:r>
-            <a:r>
-              <a:rPr lang="hu-HU" dirty="0">
-                <a:cs typeface="Calibri"/>
-              </a:rPr>
-              <a:t> </a:t>
-            </a:r>
-            <a:r>
-              <a:rPr lang="hu-HU" dirty="0" err="1">
-                <a:cs typeface="Calibri"/>
-              </a:rPr>
-              <a:t>Laboratory</a:t>
-            </a:r>
-            <a:r>
-              <a:rPr lang="hu-HU" dirty="0">
-                <a:cs typeface="Calibri"/>
-              </a:rPr>
-              <a:t> Project</a:t>
-            </a:r>
+              <a:t>Project Laboratory</a:t>
+            </a:r>
+            <a:endParaRPr lang="hu-HU" dirty="0">
+              <a:cs typeface="Calibri"/>
+            </a:endParaRPr>
           </a:p>
           <a:p>
             <a:r>
@@ -9266,7 +9253,620 @@
 </p:sld>
 </file>
 
+<file path=ppt/slides/slide10.xml><?xml version="1.0" encoding="utf-8"?>
+<p:sld xmlns:a="http://schemas.openxmlformats.org/drawingml/2006/main" xmlns:r="http://schemas.openxmlformats.org/officeDocument/2006/relationships" xmlns:p="http://schemas.openxmlformats.org/presentationml/2006/main">
+  <p:cSld>
+    <p:spTree>
+      <p:nvGrpSpPr>
+        <p:cNvPr id="1" name=""/>
+        <p:cNvGrpSpPr/>
+        <p:nvPr/>
+      </p:nvGrpSpPr>
+      <p:grpSpPr>
+        <a:xfrm>
+          <a:off x="0" y="0"/>
+          <a:ext cx="0" cy="0"/>
+          <a:chOff x="0" y="0"/>
+          <a:chExt cx="0" cy="0"/>
+        </a:xfrm>
+      </p:grpSpPr>
+      <p:sp>
+        <p:nvSpPr>
+          <p:cNvPr id="2" name="Cím 1">
+            <a:extLst>
+              <a:ext uri="{FF2B5EF4-FFF2-40B4-BE49-F238E27FC236}">
+                <a16:creationId xmlns:a16="http://schemas.microsoft.com/office/drawing/2014/main" id="{269F2655-33CD-8A94-6555-396A2BDB263C}"/>
+              </a:ext>
+            </a:extLst>
+          </p:cNvPr>
+          <p:cNvSpPr>
+            <a:spLocks noGrp="1"/>
+          </p:cNvSpPr>
+          <p:nvPr>
+            <p:ph type="title"/>
+          </p:nvPr>
+        </p:nvSpPr>
+        <p:spPr/>
+        <p:txBody>
+          <a:bodyPr/>
+          <a:lstStyle/>
+          <a:p>
+            <a:r>
+              <a:rPr lang="hu-HU" b="1" dirty="0" err="1"/>
+              <a:t>Smart</a:t>
+            </a:r>
+            <a:r>
+              <a:rPr lang="hu-HU" b="1" dirty="0"/>
+              <a:t> </a:t>
+            </a:r>
+            <a:r>
+              <a:rPr lang="hu-HU" b="1" dirty="0" err="1"/>
+              <a:t>braking</a:t>
+            </a:r>
+            <a:r>
+              <a:rPr lang="hu-HU" b="1" dirty="0"/>
+              <a:t> </a:t>
+            </a:r>
+            <a:r>
+              <a:rPr lang="hu-HU" b="1" dirty="0" err="1"/>
+              <a:t>system</a:t>
+            </a:r>
+            <a:r>
+              <a:rPr lang="hu-HU" b="1" dirty="0"/>
+              <a:t> </a:t>
+            </a:r>
+            <a:r>
+              <a:rPr lang="hu-HU" b="1" dirty="0" err="1"/>
+              <a:t>integration</a:t>
+            </a:r>
+            <a:endParaRPr lang="hu-HU" b="1" dirty="0"/>
+          </a:p>
+        </p:txBody>
+      </p:sp>
+      <p:pic>
+        <p:nvPicPr>
+          <p:cNvPr id="4" name="Kép 4">
+            <a:extLst>
+              <a:ext uri="{FF2B5EF4-FFF2-40B4-BE49-F238E27FC236}">
+                <a16:creationId xmlns:a16="http://schemas.microsoft.com/office/drawing/2014/main" id="{32F7ED4D-3C67-0862-4182-7D4113F66D13}"/>
+              </a:ext>
+            </a:extLst>
+          </p:cNvPr>
+          <p:cNvPicPr>
+            <a:picLocks noGrp="1" noChangeAspect="1"/>
+          </p:cNvPicPr>
+          <p:nvPr>
+            <p:ph idx="1"/>
+          </p:nvPr>
+        </p:nvPicPr>
+        <p:blipFill>
+          <a:blip r:embed="rId3"/>
+          <a:stretch>
+            <a:fillRect/>
+          </a:stretch>
+        </p:blipFill>
+        <p:spPr>
+          <a:xfrm>
+            <a:off x="864080" y="1772254"/>
+            <a:ext cx="10692052" cy="3037880"/>
+          </a:xfrm>
+        </p:spPr>
+      </p:pic>
+      <p:sp>
+        <p:nvSpPr>
+          <p:cNvPr id="5" name="Szövegdoboz 4">
+            <a:extLst>
+              <a:ext uri="{FF2B5EF4-FFF2-40B4-BE49-F238E27FC236}">
+                <a16:creationId xmlns:a16="http://schemas.microsoft.com/office/drawing/2014/main" id="{7F435E0C-B18B-863D-4690-1E0E8A8E634F}"/>
+              </a:ext>
+            </a:extLst>
+          </p:cNvPr>
+          <p:cNvSpPr txBox="1"/>
+          <p:nvPr/>
+        </p:nvSpPr>
+        <p:spPr>
+          <a:xfrm>
+            <a:off x="4111256" y="4988440"/>
+            <a:ext cx="7079510" cy="1417824"/>
+          </a:xfrm>
+          <a:prstGeom prst="rect">
+            <a:avLst/>
+          </a:prstGeom>
+          <a:noFill/>
+        </p:spPr>
+        <p:txBody>
+          <a:bodyPr rot="0" spcFirstLastPara="0" vertOverflow="overflow" horzOverflow="overflow" vert="horz" wrap="square" lIns="91440" tIns="45720" rIns="91440" bIns="45720" numCol="1" spcCol="0" rtlCol="0" fromWordArt="0" anchor="t" anchorCtr="0" forceAA="0" compatLnSpc="1">
+            <a:prstTxWarp prst="textNoShape">
+              <a:avLst/>
+            </a:prstTxWarp>
+            <a:spAutoFit/>
+          </a:bodyPr>
+          <a:lstStyle/>
+          <a:p>
+            <a:pPr marL="342900" indent="-342900">
+              <a:lnSpc>
+                <a:spcPct val="150000"/>
+              </a:lnSpc>
+              <a:buFont typeface="Arial"/>
+              <a:buChar char="•"/>
+            </a:pPr>
+            <a:r>
+              <a:rPr lang="hu-HU" sz="2000" b="1" dirty="0" err="1">
+                <a:solidFill>
+                  <a:schemeClr val="accent2"/>
+                </a:solidFill>
+              </a:rPr>
+              <a:t>Orange</a:t>
+            </a:r>
+            <a:r>
+              <a:rPr lang="hu-HU" sz="2000" b="1" dirty="0">
+                <a:solidFill>
+                  <a:schemeClr val="accent2"/>
+                </a:solidFill>
+              </a:rPr>
+              <a:t>: </a:t>
+            </a:r>
+            <a:r>
+              <a:rPr lang="hu-HU" sz="2000" b="1" dirty="0" err="1">
+                <a:solidFill>
+                  <a:schemeClr val="accent2"/>
+                </a:solidFill>
+              </a:rPr>
+              <a:t>Car's</a:t>
+            </a:r>
+            <a:r>
+              <a:rPr lang="hu-HU" sz="2000" b="1" dirty="0">
+                <a:solidFill>
+                  <a:schemeClr val="accent2"/>
+                </a:solidFill>
+              </a:rPr>
+              <a:t> </a:t>
+            </a:r>
+            <a:r>
+              <a:rPr lang="hu-HU" sz="2000" b="1" dirty="0" err="1">
+                <a:solidFill>
+                  <a:schemeClr val="accent2"/>
+                </a:solidFill>
+              </a:rPr>
+              <a:t>current</a:t>
+            </a:r>
+            <a:r>
+              <a:rPr lang="hu-HU" sz="2000" b="1" dirty="0">
+                <a:solidFill>
+                  <a:schemeClr val="accent2"/>
+                </a:solidFill>
+              </a:rPr>
+              <a:t> </a:t>
+            </a:r>
+            <a:r>
+              <a:rPr lang="hu-HU" sz="2000" b="1" dirty="0" err="1">
+                <a:solidFill>
+                  <a:schemeClr val="accent2"/>
+                </a:solidFill>
+              </a:rPr>
+              <a:t>speed</a:t>
+            </a:r>
+            <a:endParaRPr lang="hu-HU" sz="2000" b="1" dirty="0">
+              <a:solidFill>
+                <a:schemeClr val="accent2"/>
+              </a:solidFill>
+            </a:endParaRPr>
+          </a:p>
+          <a:p>
+            <a:pPr marL="342900" indent="-342900">
+              <a:lnSpc>
+                <a:spcPct val="150000"/>
+              </a:lnSpc>
+              <a:buFont typeface="Arial"/>
+              <a:buChar char="•"/>
+            </a:pPr>
+            <a:r>
+              <a:rPr lang="hu-HU" sz="2000" b="1" dirty="0" err="1">
+                <a:solidFill>
+                  <a:schemeClr val="accent6">
+                    <a:lumMod val="50000"/>
+                  </a:schemeClr>
+                </a:solidFill>
+              </a:rPr>
+              <a:t>Purple</a:t>
+            </a:r>
+            <a:r>
+              <a:rPr lang="hu-HU" sz="2000" b="1" dirty="0">
+                <a:solidFill>
+                  <a:schemeClr val="accent6">
+                    <a:lumMod val="50000"/>
+                  </a:schemeClr>
+                </a:solidFill>
+              </a:rPr>
+              <a:t>: </a:t>
+            </a:r>
+            <a:r>
+              <a:rPr lang="hu-HU" sz="2000" b="1" dirty="0" err="1">
+                <a:solidFill>
+                  <a:schemeClr val="accent6">
+                    <a:lumMod val="50000"/>
+                  </a:schemeClr>
+                </a:solidFill>
+              </a:rPr>
+              <a:t>Distance</a:t>
+            </a:r>
+            <a:r>
+              <a:rPr lang="hu-HU" sz="2000" b="1" dirty="0">
+                <a:solidFill>
+                  <a:schemeClr val="accent6">
+                    <a:lumMod val="50000"/>
+                  </a:schemeClr>
+                </a:solidFill>
+              </a:rPr>
+              <a:t> </a:t>
+            </a:r>
+            <a:r>
+              <a:rPr lang="hu-HU" sz="2000" b="1" dirty="0" err="1">
+                <a:solidFill>
+                  <a:schemeClr val="accent6">
+                    <a:lumMod val="50000"/>
+                  </a:schemeClr>
+                </a:solidFill>
+              </a:rPr>
+              <a:t>from</a:t>
+            </a:r>
+            <a:r>
+              <a:rPr lang="hu-HU" sz="2000" b="1" dirty="0">
+                <a:solidFill>
+                  <a:schemeClr val="accent6">
+                    <a:lumMod val="50000"/>
+                  </a:schemeClr>
+                </a:solidFill>
+              </a:rPr>
+              <a:t> </a:t>
+            </a:r>
+            <a:r>
+              <a:rPr lang="hu-HU" sz="2000" b="1" dirty="0" err="1">
+                <a:solidFill>
+                  <a:schemeClr val="accent6">
+                    <a:lumMod val="50000"/>
+                  </a:schemeClr>
+                </a:solidFill>
+              </a:rPr>
+              <a:t>object</a:t>
+            </a:r>
+            <a:r>
+              <a:rPr lang="hu-HU" sz="2000" b="1" dirty="0">
+                <a:solidFill>
+                  <a:schemeClr val="accent6">
+                    <a:lumMod val="50000"/>
+                  </a:schemeClr>
+                </a:solidFill>
+              </a:rPr>
+              <a:t> in front</a:t>
+            </a:r>
+          </a:p>
+          <a:p>
+            <a:pPr marL="342900" indent="-342900">
+              <a:lnSpc>
+                <a:spcPct val="150000"/>
+              </a:lnSpc>
+              <a:buFont typeface="Arial"/>
+              <a:buChar char="•"/>
+            </a:pPr>
+            <a:r>
+              <a:rPr lang="hu-HU" sz="2000" b="1" dirty="0" err="1">
+                <a:solidFill>
+                  <a:srgbClr val="0070C0"/>
+                </a:solidFill>
+              </a:rPr>
+              <a:t>Blue</a:t>
+            </a:r>
+            <a:r>
+              <a:rPr lang="hu-HU" sz="2000" b="1" dirty="0">
+                <a:solidFill>
+                  <a:srgbClr val="0070C0"/>
+                </a:solidFill>
+              </a:rPr>
+              <a:t>: </a:t>
+            </a:r>
+            <a:r>
+              <a:rPr lang="hu-HU" sz="2000" b="1" dirty="0" err="1">
+                <a:solidFill>
+                  <a:srgbClr val="0070C0"/>
+                </a:solidFill>
+              </a:rPr>
+              <a:t>Braking</a:t>
+            </a:r>
+            <a:r>
+              <a:rPr lang="hu-HU" sz="2000" b="1" dirty="0">
+                <a:solidFill>
+                  <a:srgbClr val="0070C0"/>
+                </a:solidFill>
+              </a:rPr>
+              <a:t> </a:t>
+            </a:r>
+            <a:r>
+              <a:rPr lang="hu-HU" sz="2000" b="1" dirty="0" err="1">
+                <a:solidFill>
+                  <a:srgbClr val="0070C0"/>
+                </a:solidFill>
+              </a:rPr>
+              <a:t>amuont</a:t>
+            </a:r>
+            <a:endParaRPr lang="hu-HU" sz="2000" b="1" dirty="0">
+              <a:solidFill>
+                <a:srgbClr val="0070C0"/>
+              </a:solidFill>
+            </a:endParaRPr>
+          </a:p>
+        </p:txBody>
+      </p:sp>
+      <p:sp>
+        <p:nvSpPr>
+          <p:cNvPr id="3" name="Téglalap 2">
+            <a:extLst>
+              <a:ext uri="{FF2B5EF4-FFF2-40B4-BE49-F238E27FC236}">
+                <a16:creationId xmlns:a16="http://schemas.microsoft.com/office/drawing/2014/main" id="{7C031224-2BE5-99CC-C930-0C53BC7D783F}"/>
+              </a:ext>
+            </a:extLst>
+          </p:cNvPr>
+          <p:cNvSpPr/>
+          <p:nvPr/>
+        </p:nvSpPr>
+        <p:spPr>
+          <a:xfrm>
+            <a:off x="4815840" y="2123440"/>
+            <a:ext cx="6719972" cy="2666374"/>
+          </a:xfrm>
+          <a:prstGeom prst="rect">
+            <a:avLst/>
+          </a:prstGeom>
+          <a:noFill/>
+          <a:ln w="28575"/>
+        </p:spPr>
+        <p:style>
+          <a:lnRef idx="2">
+            <a:schemeClr val="accent1">
+              <a:shade val="50000"/>
+            </a:schemeClr>
+          </a:lnRef>
+          <a:fillRef idx="1">
+            <a:schemeClr val="accent1"/>
+          </a:fillRef>
+          <a:effectRef idx="0">
+            <a:schemeClr val="accent1"/>
+          </a:effectRef>
+          <a:fontRef idx="minor">
+            <a:schemeClr val="lt1"/>
+          </a:fontRef>
+        </p:style>
+        <p:txBody>
+          <a:bodyPr rtlCol="0" anchor="ctr"/>
+          <a:lstStyle/>
+          <a:p>
+            <a:pPr algn="ctr"/>
+            <a:endParaRPr lang="en-US"/>
+          </a:p>
+        </p:txBody>
+      </p:sp>
+    </p:spTree>
+    <p:extLst>
+      <p:ext uri="{BB962C8B-B14F-4D97-AF65-F5344CB8AC3E}">
+        <p14:creationId xmlns:p14="http://schemas.microsoft.com/office/powerpoint/2010/main" val="2637228364"/>
+      </p:ext>
+    </p:extLst>
+  </p:cSld>
+  <p:clrMapOvr>
+    <a:masterClrMapping/>
+  </p:clrMapOvr>
+  <mc:AlternateContent xmlns:mc="http://schemas.openxmlformats.org/markup-compatibility/2006" xmlns:p14="http://schemas.microsoft.com/office/powerpoint/2010/main">
+    <mc:Choice Requires="p14">
+      <p:transition spd="med" p14:dur="700">
+        <p:fade/>
+      </p:transition>
+    </mc:Choice>
+    <mc:Fallback xmlns="">
+      <p:transition spd="med">
+        <p:fade/>
+      </p:transition>
+    </mc:Fallback>
+  </mc:AlternateContent>
+</p:sld>
+</file>
+
 <file path=ppt/slides/slide2.xml><?xml version="1.0" encoding="utf-8"?>
+<p:sld xmlns:a="http://schemas.openxmlformats.org/drawingml/2006/main" xmlns:r="http://schemas.openxmlformats.org/officeDocument/2006/relationships" xmlns:p="http://schemas.openxmlformats.org/presentationml/2006/main">
+  <p:cSld>
+    <p:spTree>
+      <p:nvGrpSpPr>
+        <p:cNvPr id="1" name=""/>
+        <p:cNvGrpSpPr/>
+        <p:nvPr/>
+      </p:nvGrpSpPr>
+      <p:grpSpPr>
+        <a:xfrm>
+          <a:off x="0" y="0"/>
+          <a:ext cx="0" cy="0"/>
+          <a:chOff x="0" y="0"/>
+          <a:chExt cx="0" cy="0"/>
+        </a:xfrm>
+      </p:grpSpPr>
+      <p:sp>
+        <p:nvSpPr>
+          <p:cNvPr id="2" name="Cím 1">
+            <a:extLst>
+              <a:ext uri="{FF2B5EF4-FFF2-40B4-BE49-F238E27FC236}">
+                <a16:creationId xmlns:a16="http://schemas.microsoft.com/office/drawing/2014/main" id="{E6239208-6764-711B-C06B-7FA9002F7527}"/>
+              </a:ext>
+            </a:extLst>
+          </p:cNvPr>
+          <p:cNvSpPr>
+            <a:spLocks noGrp="1"/>
+          </p:cNvSpPr>
+          <p:nvPr>
+            <p:ph type="title"/>
+          </p:nvPr>
+        </p:nvSpPr>
+        <p:spPr/>
+        <p:txBody>
+          <a:bodyPr/>
+          <a:lstStyle/>
+          <a:p>
+            <a:r>
+              <a:rPr lang="en-US" b="1" dirty="0"/>
+              <a:t>Goals for this project</a:t>
+            </a:r>
+          </a:p>
+        </p:txBody>
+      </p:sp>
+      <p:sp>
+        <p:nvSpPr>
+          <p:cNvPr id="3" name="Tartalom helye 2">
+            <a:extLst>
+              <a:ext uri="{FF2B5EF4-FFF2-40B4-BE49-F238E27FC236}">
+                <a16:creationId xmlns:a16="http://schemas.microsoft.com/office/drawing/2014/main" id="{22BB2744-9D08-99F9-4E9C-85F61020040B}"/>
+              </a:ext>
+            </a:extLst>
+          </p:cNvPr>
+          <p:cNvSpPr>
+            <a:spLocks noGrp="1"/>
+          </p:cNvSpPr>
+          <p:nvPr>
+            <p:ph idx="1"/>
+          </p:nvPr>
+        </p:nvSpPr>
+        <p:spPr>
+          <a:xfrm>
+            <a:off x="1104293" y="1619781"/>
+            <a:ext cx="9804339" cy="4785501"/>
+          </a:xfrm>
+        </p:spPr>
+        <p:txBody>
+          <a:bodyPr>
+            <a:normAutofit/>
+          </a:bodyPr>
+          <a:lstStyle/>
+          <a:p>
+            <a:r>
+              <a:rPr lang="en-US" sz="2300" dirty="0"/>
+              <a:t>Model based development of a smart braking system</a:t>
+            </a:r>
+          </a:p>
+          <a:p>
+            <a:r>
+              <a:rPr lang="en-US" sz="2300" dirty="0"/>
+              <a:t>Designed system could </a:t>
+            </a:r>
+            <a:r>
+              <a:rPr lang="en-US" sz="2300" i="1" dirty="0"/>
+              <a:t>brake</a:t>
+            </a:r>
+            <a:r>
+              <a:rPr lang="en-US" sz="2300" dirty="0"/>
+              <a:t> in time if an object is </a:t>
+            </a:r>
+            <a:r>
+              <a:rPr lang="en-US" sz="2300" i="1" dirty="0"/>
+              <a:t>in front</a:t>
+            </a:r>
+            <a:r>
+              <a:rPr lang="en-US" sz="2300" dirty="0"/>
+              <a:t>, while preserving the </a:t>
+            </a:r>
+            <a:r>
+              <a:rPr lang="en-US" sz="2300" i="1" dirty="0"/>
+              <a:t>safety of passengers</a:t>
+            </a:r>
+          </a:p>
+          <a:p>
+            <a:r>
+              <a:rPr lang="en-US" sz="2300" dirty="0"/>
+              <a:t>Steps I took </a:t>
+            </a:r>
+            <a:r>
+              <a:rPr lang="en-US" sz="2300" i="1" dirty="0"/>
+              <a:t>for realization</a:t>
+            </a:r>
+            <a:r>
+              <a:rPr lang="en-US" sz="2300" dirty="0"/>
+              <a:t>:</a:t>
+            </a:r>
+          </a:p>
+          <a:p>
+            <a:pPr marL="800100" lvl="1" indent="-342900">
+              <a:buFont typeface="+mj-lt"/>
+              <a:buAutoNum type="arabicPeriod"/>
+            </a:pPr>
+            <a:r>
+              <a:rPr lang="en-US" sz="1900" dirty="0"/>
+              <a:t>Determining high level requirements based of customer requests</a:t>
+            </a:r>
+          </a:p>
+          <a:p>
+            <a:pPr marL="800100" lvl="1" indent="-342900">
+              <a:buFont typeface="+mj-lt"/>
+              <a:buAutoNum type="arabicPeriod"/>
+            </a:pPr>
+            <a:r>
+              <a:rPr lang="en-US" sz="1900" dirty="0"/>
+              <a:t>Assign high level functions for these requirements</a:t>
+            </a:r>
+          </a:p>
+          <a:p>
+            <a:pPr marL="800100" lvl="1" indent="-342900">
+              <a:buFont typeface="+mj-lt"/>
+              <a:buAutoNum type="arabicPeriod"/>
+            </a:pPr>
+            <a:r>
+              <a:rPr lang="en-US" sz="1900" dirty="0"/>
+              <a:t>Broke down high level functions into lower-level ones, than realize them with specialized software components</a:t>
+            </a:r>
+          </a:p>
+          <a:p>
+            <a:pPr marL="800100" lvl="1" indent="-342900">
+              <a:buFont typeface="+mj-lt"/>
+              <a:buAutoNum type="arabicPeriod"/>
+            </a:pPr>
+            <a:r>
+              <a:rPr lang="en-US" sz="1900" dirty="0"/>
+              <a:t>Pair software components with relevant hardware pieces</a:t>
+            </a:r>
+          </a:p>
+          <a:p>
+            <a:pPr marL="800100" lvl="1" indent="-342900">
+              <a:buFont typeface="+mj-lt"/>
+              <a:buAutoNum type="arabicPeriod"/>
+            </a:pPr>
+            <a:r>
+              <a:rPr lang="en-US" sz="1900" dirty="0"/>
+              <a:t>Implement the system</a:t>
+            </a:r>
+          </a:p>
+          <a:p>
+            <a:pPr marL="800100" lvl="1" indent="-342900">
+              <a:buFont typeface="+mj-lt"/>
+              <a:buAutoNum type="arabicPeriod"/>
+            </a:pPr>
+            <a:r>
+              <a:rPr lang="en-US" sz="1900" dirty="0"/>
+              <a:t>Test my own module as well as the whole integrated system</a:t>
+            </a:r>
+          </a:p>
+          <a:p>
+            <a:endParaRPr lang="en-US" dirty="0"/>
+          </a:p>
+        </p:txBody>
+      </p:sp>
+    </p:spTree>
+    <p:extLst>
+      <p:ext uri="{BB962C8B-B14F-4D97-AF65-F5344CB8AC3E}">
+        <p14:creationId xmlns:p14="http://schemas.microsoft.com/office/powerpoint/2010/main" val="3283344636"/>
+      </p:ext>
+    </p:extLst>
+  </p:cSld>
+  <p:clrMapOvr>
+    <a:masterClrMapping/>
+  </p:clrMapOvr>
+</p:sld>
+</file>
+
+<file path=ppt/slides/slide3.xml><?xml version="1.0" encoding="utf-8"?>
 <p:sld xmlns:a="http://schemas.openxmlformats.org/drawingml/2006/main" xmlns:r="http://schemas.openxmlformats.org/officeDocument/2006/relationships" xmlns:p="http://schemas.openxmlformats.org/presentationml/2006/main">
   <p:cSld>
     <p:bg>
@@ -9293,7 +9893,7 @@
       </p:grpSpPr>
       <p:sp>
         <p:nvSpPr>
-          <p:cNvPr id="17" name="Rectangle 16">
+          <p:cNvPr id="21" name="Rectangle 20">
             <a:extLst>
               <a:ext uri="{FF2B5EF4-FFF2-40B4-BE49-F238E27FC236}">
                 <a16:creationId xmlns:a16="http://schemas.microsoft.com/office/drawing/2014/main" id="{B4AAD3FD-83A5-4B89-9F8F-01B8870865BE}"/>
@@ -9356,7 +9956,7 @@
           <p:cNvPr id="2" name="Cím 1">
             <a:extLst>
               <a:ext uri="{FF2B5EF4-FFF2-40B4-BE49-F238E27FC236}">
-                <a16:creationId xmlns:a16="http://schemas.microsoft.com/office/drawing/2014/main" id="{165D7E39-FFA3-7A2D-5B31-A8ABD8E14646}"/>
+                <a16:creationId xmlns:a16="http://schemas.microsoft.com/office/drawing/2014/main" id="{E145AD30-02A6-0BBD-53C8-574600D08347}"/>
               </a:ext>
             </a:extLst>
           </p:cNvPr>
@@ -9369,39 +9969,30 @@
         </p:nvSpPr>
         <p:spPr>
           <a:xfrm>
-            <a:off x="648931" y="629266"/>
+            <a:off x="413755" y="454251"/>
             <a:ext cx="4166510" cy="1622321"/>
           </a:xfrm>
         </p:spPr>
         <p:txBody>
-          <a:bodyPr vert="horz" lIns="91440" tIns="45720" rIns="91440" bIns="45720" rtlCol="0" anchor="t">
+          <a:bodyPr>
             <a:normAutofit/>
           </a:bodyPr>
           <a:lstStyle/>
           <a:p>
             <a:r>
-              <a:rPr lang="en-US" b="1" i="0" kern="1200" dirty="0">
+              <a:rPr lang="en-US" b="1" dirty="0">
                 <a:solidFill>
                   <a:srgbClr val="EBEBEB"/>
                 </a:solidFill>
-                <a:latin typeface="+mj-lt"/>
-                <a:ea typeface="+mj-ea"/>
-                <a:cs typeface="+mj-cs"/>
               </a:rPr>
-              <a:t>Measuring module</a:t>
-            </a:r>
-            <a:endParaRPr lang="en-US" b="1" i="0" kern="1200" dirty="0">
-              <a:solidFill>
-                <a:srgbClr val="EBEBEB"/>
-              </a:solidFill>
-              <a:latin typeface="+mj-lt"/>
-            </a:endParaRPr>
+              <a:t>All modules</a:t>
+            </a:r>
           </a:p>
         </p:txBody>
       </p:sp>
       <p:sp>
         <p:nvSpPr>
-          <p:cNvPr id="19" name="Freeform 31">
+          <p:cNvPr id="23" name="Freeform 31">
             <a:extLst>
               <a:ext uri="{FF2B5EF4-FFF2-40B4-BE49-F238E27FC236}">
                 <a16:creationId xmlns:a16="http://schemas.microsoft.com/office/drawing/2014/main" id="{61752F1D-FC0F-4103-9584-630E643CCDA6}"/>
@@ -9753,7 +10344,7 @@
       </p:sp>
       <p:sp useBgFill="1">
         <p:nvSpPr>
-          <p:cNvPr id="21" name="Freeform: Shape 20">
+          <p:cNvPr id="25" name="Freeform: Shape 24">
             <a:extLst>
               <a:ext uri="{FF2B5EF4-FFF2-40B4-BE49-F238E27FC236}">
                 <a16:creationId xmlns:a16="http://schemas.microsoft.com/office/drawing/2014/main" id="{70151CB7-E7DE-4917-B831-01DF9CE01306}"/>
@@ -10216,10 +10807,10 @@
       </p:sp>
       <p:pic>
         <p:nvPicPr>
-          <p:cNvPr id="12" name="Kép 12">
+          <p:cNvPr id="5" name="Kép 4">
             <a:extLst>
               <a:ext uri="{FF2B5EF4-FFF2-40B4-BE49-F238E27FC236}">
-                <a16:creationId xmlns:a16="http://schemas.microsoft.com/office/drawing/2014/main" id="{27E0C257-5133-B938-01BE-7A1077D8CB0D}"/>
+                <a16:creationId xmlns:a16="http://schemas.microsoft.com/office/drawing/2014/main" id="{B841DC69-C99D-1539-A2C0-3CE1F182867D}"/>
               </a:ext>
             </a:extLst>
           </p:cNvPr>
@@ -10229,15 +10820,15 @@
           <p:nvPr/>
         </p:nvPicPr>
         <p:blipFill>
-          <a:blip r:embed="rId3"/>
+          <a:blip r:embed="rId2"/>
           <a:stretch>
             <a:fillRect/>
           </a:stretch>
         </p:blipFill>
         <p:spPr>
           <a:xfrm>
-            <a:off x="6044512" y="1906113"/>
-            <a:ext cx="5786356" cy="3253587"/>
+            <a:off x="5464372" y="996819"/>
+            <a:ext cx="6693330" cy="5527566"/>
           </a:xfrm>
           <a:prstGeom prst="rect">
             <a:avLst/>
@@ -10247,7 +10838,7 @@
       </p:pic>
       <p:sp>
         <p:nvSpPr>
-          <p:cNvPr id="23" name="Rectangle 22">
+          <p:cNvPr id="27" name="Rectangle 26">
             <a:extLst>
               <a:ext uri="{FF2B5EF4-FFF2-40B4-BE49-F238E27FC236}">
                 <a16:creationId xmlns:a16="http://schemas.microsoft.com/office/drawing/2014/main" id="{A92A1116-1C84-41DF-B803-1F7B0883EC82}"/>
@@ -10300,305 +10891,745 @@
       </p:sp>
       <p:sp>
         <p:nvSpPr>
-          <p:cNvPr id="3" name="Szövegdoboz 2">
+          <p:cNvPr id="3" name="Tartalom helye 2">
             <a:extLst>
               <a:ext uri="{FF2B5EF4-FFF2-40B4-BE49-F238E27FC236}">
-                <a16:creationId xmlns:a16="http://schemas.microsoft.com/office/drawing/2014/main" id="{80B53B1B-7C81-D50F-FC81-BB3A0C759EF4}"/>
+                <a16:creationId xmlns:a16="http://schemas.microsoft.com/office/drawing/2014/main" id="{C9A6C9AB-B4E1-4D06-4C22-E778B657CA9F}"/>
               </a:ext>
             </a:extLst>
           </p:cNvPr>
-          <p:cNvSpPr txBox="1"/>
-          <p:nvPr/>
+          <p:cNvSpPr>
+            <a:spLocks noGrp="1"/>
+          </p:cNvSpPr>
+          <p:nvPr>
+            <p:ph idx="1"/>
+          </p:nvPr>
         </p:nvSpPr>
         <p:spPr>
           <a:xfrm>
-            <a:off x="648931" y="2250374"/>
-            <a:ext cx="4166509" cy="3785419"/>
+            <a:off x="450907" y="1440426"/>
+            <a:ext cx="5013045" cy="5242560"/>
           </a:xfrm>
-          <a:prstGeom prst="rect">
-            <a:avLst/>
-          </a:prstGeom>
         </p:spPr>
         <p:txBody>
-          <a:bodyPr rot="0" spcFirstLastPara="0" vertOverflow="overflow" horzOverflow="overflow" vert="horz" lIns="91440" tIns="45720" rIns="91440" bIns="45720" numCol="1" spcCol="0" rtlCol="0" fromWordArt="0" anchor="t" anchorCtr="0" forceAA="0" compatLnSpc="1">
-            <a:prstTxWarp prst="textNoShape">
-              <a:avLst/>
-            </a:prstTxWarp>
-            <a:normAutofit fontScale="92500" lnSpcReduction="20000"/>
+          <a:bodyPr>
+            <a:normAutofit/>
           </a:bodyPr>
           <a:lstStyle/>
           <a:p>
-            <a:pPr defTabSz="457200">
+            <a:pPr fontAlgn="base">
+              <a:lnSpc>
+                <a:spcPct val="90000"/>
+              </a:lnSpc>
               <a:spcBef>
-                <a:spcPts val="1000"/>
+                <a:spcPts val="1800"/>
               </a:spcBef>
+              <a:spcAft>
+                <a:spcPts val="600"/>
+              </a:spcAft>
+            </a:pPr>
+            <a:r>
+              <a:rPr lang="hu-HU" b="1" dirty="0" err="1">
+                <a:solidFill>
+                  <a:srgbClr val="EBEBEB"/>
+                </a:solidFill>
+              </a:rPr>
+              <a:t>Measuring</a:t>
+            </a:r>
+            <a:r>
+              <a:rPr lang="hu-HU" b="1" dirty="0">
+                <a:solidFill>
+                  <a:srgbClr val="EBEBEB"/>
+                </a:solidFill>
+              </a:rPr>
+              <a:t> </a:t>
+            </a:r>
+            <a:r>
+              <a:rPr lang="hu-HU" b="1" dirty="0" err="1">
+                <a:solidFill>
+                  <a:srgbClr val="EBEBEB"/>
+                </a:solidFill>
+              </a:rPr>
+              <a:t>module</a:t>
+            </a:r>
+            <a:r>
+              <a:rPr lang="hu-HU" b="1" dirty="0">
+                <a:solidFill>
+                  <a:srgbClr val="EBEBEB"/>
+                </a:solidFill>
+              </a:rPr>
+              <a:t>​</a:t>
+            </a:r>
+            <a:r>
+              <a:rPr lang="en-US" b="1" dirty="0">
+                <a:solidFill>
+                  <a:srgbClr val="EBEBEB"/>
+                </a:solidFill>
+              </a:rPr>
+              <a:t>:</a:t>
+            </a:r>
+            <a:endParaRPr lang="hu-HU" b="1" dirty="0">
+              <a:solidFill>
+                <a:srgbClr val="EBEBEB"/>
+              </a:solidFill>
+            </a:endParaRPr>
+          </a:p>
+          <a:p>
+            <a:pPr marL="685800" lvl="2" fontAlgn="base">
+              <a:lnSpc>
+                <a:spcPct val="90000"/>
+              </a:lnSpc>
               <a:buClr>
-                <a:schemeClr val="bg2">
-                  <a:lumMod val="40000"/>
-                  <a:lumOff val="60000"/>
-                </a:schemeClr>
+                <a:srgbClr val="F7F7F7"/>
               </a:buClr>
-              <a:buSzPct val="80000"/>
-            </a:pPr>
-            <a:r>
-              <a:rPr lang="en-US" b="1" dirty="0">
-                <a:solidFill>
-                  <a:srgbClr val="EBEBEB"/>
-                </a:solidFill>
-                <a:latin typeface="+mj-lt"/>
-                <a:ea typeface="+mj-ea"/>
-                <a:cs typeface="+mj-cs"/>
-              </a:rPr>
-              <a:t>Roles:</a:t>
-            </a:r>
-            <a:endParaRPr lang="hu-HU" b="1" dirty="0">
-              <a:ea typeface="+mj-ea"/>
-              <a:cs typeface="+mj-cs"/>
-            </a:endParaRPr>
-          </a:p>
-          <a:p>
-            <a:pPr marL="285750" indent="-285750" defTabSz="457200">
-              <a:spcBef>
-                <a:spcPts val="1000"/>
-              </a:spcBef>
-              <a:buClr>
-                <a:schemeClr val="bg2">
-                  <a:lumMod val="40000"/>
-                  <a:lumOff val="60000"/>
-                </a:schemeClr>
-              </a:buClr>
-              <a:buSzPct val="80000"/>
               <a:buFont typeface="Arial"/>
               <a:buChar char="•"/>
             </a:pPr>
             <a:r>
-              <a:rPr lang="en-US" dirty="0">
+              <a:rPr lang="hu-HU" sz="1800" dirty="0">
                 <a:solidFill>
                   <a:srgbClr val="EBEBEB"/>
                 </a:solidFill>
-                <a:latin typeface="+mj-lt"/>
-                <a:ea typeface="+mj-ea"/>
-                <a:cs typeface="+mj-cs"/>
               </a:rPr>
-              <a:t>Collecting data</a:t>
-            </a:r>
-          </a:p>
-          <a:p>
-            <a:pPr marL="285750" indent="-285750" defTabSz="457200">
-              <a:spcBef>
-                <a:spcPts val="1000"/>
-              </a:spcBef>
+              <a:t>M</a:t>
+            </a:r>
+            <a:r>
+              <a:rPr lang="en-US" sz="1800" dirty="0" err="1">
+                <a:solidFill>
+                  <a:srgbClr val="EBEBEB"/>
+                </a:solidFill>
+              </a:rPr>
+              <a:t>easure</a:t>
+            </a:r>
+            <a:r>
+              <a:rPr lang="hu-HU" sz="1800" dirty="0">
+                <a:solidFill>
+                  <a:srgbClr val="EBEBEB"/>
+                </a:solidFill>
+              </a:rPr>
+              <a:t>s</a:t>
+            </a:r>
+            <a:r>
+              <a:rPr lang="en-US" sz="1800" dirty="0">
+                <a:solidFill>
+                  <a:srgbClr val="EBEBEB"/>
+                </a:solidFill>
+              </a:rPr>
+              <a:t>, filter</a:t>
+            </a:r>
+            <a:r>
+              <a:rPr lang="hu-HU" sz="1800" dirty="0">
+                <a:solidFill>
+                  <a:srgbClr val="EBEBEB"/>
+                </a:solidFill>
+              </a:rPr>
+              <a:t>s</a:t>
+            </a:r>
+            <a:r>
+              <a:rPr lang="en-US" sz="1800" dirty="0">
+                <a:solidFill>
+                  <a:srgbClr val="EBEBEB"/>
+                </a:solidFill>
+              </a:rPr>
+              <a:t> and transmit</a:t>
+            </a:r>
+            <a:r>
+              <a:rPr lang="hu-HU" sz="1800" dirty="0">
+                <a:solidFill>
+                  <a:srgbClr val="EBEBEB"/>
+                </a:solidFill>
+              </a:rPr>
+              <a:t>s</a:t>
+            </a:r>
+            <a:r>
+              <a:rPr lang="en-US" sz="1800" dirty="0">
+                <a:solidFill>
+                  <a:srgbClr val="EBEBEB"/>
+                </a:solidFill>
+              </a:rPr>
+              <a:t> speed and</a:t>
+            </a:r>
+            <a:r>
+              <a:rPr lang="hu-HU" sz="1800" dirty="0">
+                <a:solidFill>
+                  <a:srgbClr val="EBEBEB"/>
+                </a:solidFill>
+              </a:rPr>
+              <a:t> </a:t>
+            </a:r>
+            <a:r>
+              <a:rPr lang="en-US" sz="1800" dirty="0">
+                <a:solidFill>
+                  <a:srgbClr val="EBEBEB"/>
+                </a:solidFill>
+              </a:rPr>
+              <a:t>distance</a:t>
+            </a:r>
+            <a:r>
+              <a:rPr lang="hu-HU" sz="1800" dirty="0">
+                <a:solidFill>
+                  <a:srgbClr val="EBEBEB"/>
+                </a:solidFill>
+              </a:rPr>
+              <a:t>​</a:t>
+            </a:r>
+          </a:p>
+          <a:p>
+            <a:pPr marL="685800" lvl="2" fontAlgn="base">
+              <a:lnSpc>
+                <a:spcPct val="90000"/>
+              </a:lnSpc>
               <a:buClr>
-                <a:schemeClr val="bg2">
-                  <a:lumMod val="40000"/>
-                  <a:lumOff val="60000"/>
-                </a:schemeClr>
+                <a:srgbClr val="F7F7F7"/>
               </a:buClr>
-              <a:buSzPct val="80000"/>
               <a:buFont typeface="Arial"/>
               <a:buChar char="•"/>
             </a:pPr>
             <a:r>
-              <a:rPr lang="en-US" dirty="0">
+              <a:rPr lang="hu-HU" sz="1800" dirty="0" err="1">
                 <a:solidFill>
                   <a:srgbClr val="EBEBEB"/>
                 </a:solidFill>
-                <a:latin typeface="+mj-lt"/>
-                <a:ea typeface="+mj-ea"/>
-                <a:cs typeface="+mj-cs"/>
               </a:rPr>
-              <a:t>Filtering data</a:t>
-            </a:r>
-          </a:p>
-          <a:p>
-            <a:pPr marL="285750" indent="-285750" defTabSz="457200">
+              <a:t>Receives</a:t>
+            </a:r>
+            <a:r>
+              <a:rPr lang="hu-HU" sz="1800" dirty="0">
+                <a:solidFill>
+                  <a:srgbClr val="EBEBEB"/>
+                </a:solidFill>
+              </a:rPr>
+              <a:t> </a:t>
+            </a:r>
+            <a:r>
+              <a:rPr lang="hu-HU" sz="1800" dirty="0" err="1">
+                <a:solidFill>
+                  <a:srgbClr val="EBEBEB"/>
+                </a:solidFill>
+              </a:rPr>
+              <a:t>brake</a:t>
+            </a:r>
+            <a:r>
+              <a:rPr lang="hu-HU" sz="1800" dirty="0">
+                <a:solidFill>
+                  <a:srgbClr val="EBEBEB"/>
+                </a:solidFill>
+              </a:rPr>
+              <a:t>​</a:t>
+            </a:r>
+            <a:r>
+              <a:rPr lang="en-US" sz="1800" dirty="0">
+                <a:solidFill>
+                  <a:srgbClr val="EBEBEB"/>
+                </a:solidFill>
+              </a:rPr>
+              <a:t>, shutdown, reset</a:t>
+            </a:r>
+            <a:endParaRPr lang="hu-HU" sz="1800" dirty="0">
+              <a:solidFill>
+                <a:srgbClr val="EBEBEB"/>
+              </a:solidFill>
+            </a:endParaRPr>
+          </a:p>
+          <a:p>
+            <a:pPr fontAlgn="base">
+              <a:lnSpc>
+                <a:spcPct val="90000"/>
+              </a:lnSpc>
               <a:spcBef>
-                <a:spcPts val="1000"/>
+                <a:spcPts val="1800"/>
               </a:spcBef>
+              <a:spcAft>
+                <a:spcPts val="600"/>
+              </a:spcAft>
+            </a:pPr>
+            <a:r>
+              <a:rPr lang="hu-HU" b="1" dirty="0" err="1">
+                <a:solidFill>
+                  <a:srgbClr val="EBEBEB"/>
+                </a:solidFill>
+              </a:rPr>
+              <a:t>Intervention</a:t>
+            </a:r>
+            <a:r>
+              <a:rPr lang="hu-HU" b="1" dirty="0">
+                <a:solidFill>
+                  <a:srgbClr val="EBEBEB"/>
+                </a:solidFill>
+              </a:rPr>
+              <a:t> </a:t>
+            </a:r>
+            <a:r>
+              <a:rPr lang="hu-HU" b="1" dirty="0" err="1">
+                <a:solidFill>
+                  <a:srgbClr val="EBEBEB"/>
+                </a:solidFill>
+              </a:rPr>
+              <a:t>module</a:t>
+            </a:r>
+            <a:r>
+              <a:rPr lang="hu-HU" b="1" dirty="0">
+                <a:solidFill>
+                  <a:srgbClr val="EBEBEB"/>
+                </a:solidFill>
+              </a:rPr>
+              <a:t>​</a:t>
+            </a:r>
+            <a:r>
+              <a:rPr lang="en-US" b="1" dirty="0">
+                <a:solidFill>
+                  <a:srgbClr val="EBEBEB"/>
+                </a:solidFill>
+              </a:rPr>
+              <a:t>:</a:t>
+            </a:r>
+            <a:endParaRPr lang="hu-HU" b="1" dirty="0">
+              <a:solidFill>
+                <a:srgbClr val="EBEBEB"/>
+              </a:solidFill>
+            </a:endParaRPr>
+          </a:p>
+          <a:p>
+            <a:pPr marL="685800" lvl="2" fontAlgn="base">
+              <a:lnSpc>
+                <a:spcPct val="90000"/>
+              </a:lnSpc>
               <a:buClr>
-                <a:schemeClr val="bg2">
-                  <a:lumMod val="40000"/>
-                  <a:lumOff val="60000"/>
-                </a:schemeClr>
+                <a:srgbClr val="F7F7F7"/>
               </a:buClr>
-              <a:buSzPct val="80000"/>
               <a:buFont typeface="Arial"/>
               <a:buChar char="•"/>
             </a:pPr>
             <a:r>
-              <a:rPr lang="en-US" dirty="0">
+              <a:rPr lang="hu-HU" sz="1800" dirty="0" err="1">
                 <a:solidFill>
                   <a:srgbClr val="EBEBEB"/>
                 </a:solidFill>
-                <a:latin typeface="+mj-lt"/>
-                <a:ea typeface="+mj-ea"/>
-                <a:cs typeface="+mj-cs"/>
               </a:rPr>
-              <a:t>Distributing data via DDS</a:t>
-            </a:r>
-          </a:p>
-          <a:p>
-            <a:pPr marL="285750" indent="-285750" defTabSz="457200">
-              <a:spcBef>
-                <a:spcPts val="1000"/>
-              </a:spcBef>
+              <a:t>Receives</a:t>
+            </a:r>
+            <a:r>
+              <a:rPr lang="hu-HU" sz="1800" dirty="0">
+                <a:solidFill>
+                  <a:srgbClr val="EBEBEB"/>
+                </a:solidFill>
+              </a:rPr>
+              <a:t> </a:t>
+            </a:r>
+            <a:r>
+              <a:rPr lang="hu-HU" sz="1800" dirty="0" err="1">
+                <a:solidFill>
+                  <a:srgbClr val="EBEBEB"/>
+                </a:solidFill>
+              </a:rPr>
+              <a:t>distance</a:t>
+            </a:r>
+            <a:r>
+              <a:rPr lang="hu-HU" sz="1800" dirty="0">
+                <a:solidFill>
+                  <a:srgbClr val="EBEBEB"/>
+                </a:solidFill>
+              </a:rPr>
+              <a:t>, </a:t>
+            </a:r>
+            <a:r>
+              <a:rPr lang="hu-HU" sz="1800" dirty="0" err="1">
+                <a:solidFill>
+                  <a:srgbClr val="EBEBEB"/>
+                </a:solidFill>
+              </a:rPr>
+              <a:t>speed</a:t>
+            </a:r>
+            <a:r>
+              <a:rPr lang="hu-HU" sz="1800" dirty="0">
+                <a:solidFill>
+                  <a:srgbClr val="EBEBEB"/>
+                </a:solidFill>
+              </a:rPr>
+              <a:t> and </a:t>
+            </a:r>
+            <a:r>
+              <a:rPr lang="hu-HU" sz="1800" dirty="0" err="1">
+                <a:solidFill>
+                  <a:srgbClr val="EBEBEB"/>
+                </a:solidFill>
+              </a:rPr>
+              <a:t>speed</a:t>
+            </a:r>
+            <a:r>
+              <a:rPr lang="hu-HU" sz="1800" dirty="0">
+                <a:solidFill>
+                  <a:srgbClr val="EBEBEB"/>
+                </a:solidFill>
+              </a:rPr>
+              <a:t> </a:t>
+            </a:r>
+            <a:r>
+              <a:rPr lang="hu-HU" sz="1800" dirty="0" err="1">
+                <a:solidFill>
+                  <a:srgbClr val="EBEBEB"/>
+                </a:solidFill>
+              </a:rPr>
+              <a:t>intervention</a:t>
+            </a:r>
+            <a:r>
+              <a:rPr lang="hu-HU" sz="1800" dirty="0">
+                <a:solidFill>
+                  <a:srgbClr val="EBEBEB"/>
+                </a:solidFill>
+              </a:rPr>
+              <a:t>​</a:t>
+            </a:r>
+          </a:p>
+          <a:p>
+            <a:pPr marL="685800" lvl="2" fontAlgn="base">
+              <a:lnSpc>
+                <a:spcPct val="90000"/>
+              </a:lnSpc>
               <a:buClr>
                 <a:srgbClr val="F7F7F7"/>
               </a:buClr>
-              <a:buSzPct val="80000"/>
               <a:buFont typeface="Arial"/>
               <a:buChar char="•"/>
             </a:pPr>
-            <a:endParaRPr lang="en-US" dirty="0">
+            <a:r>
+              <a:rPr lang="hu-HU" sz="1800" dirty="0" err="1">
+                <a:solidFill>
+                  <a:srgbClr val="EBEBEB"/>
+                </a:solidFill>
+              </a:rPr>
+              <a:t>Calculates</a:t>
+            </a:r>
+            <a:r>
+              <a:rPr lang="hu-HU" sz="1800" dirty="0">
+                <a:solidFill>
+                  <a:srgbClr val="EBEBEB"/>
+                </a:solidFill>
+              </a:rPr>
+              <a:t> and </a:t>
+            </a:r>
+            <a:r>
+              <a:rPr lang="hu-HU" sz="1800" dirty="0" err="1">
+                <a:solidFill>
+                  <a:srgbClr val="EBEBEB"/>
+                </a:solidFill>
+              </a:rPr>
+              <a:t>forwards</a:t>
+            </a:r>
+            <a:r>
+              <a:rPr lang="hu-HU" sz="1800" dirty="0">
+                <a:solidFill>
+                  <a:srgbClr val="EBEBEB"/>
+                </a:solidFill>
+              </a:rPr>
+              <a:t> </a:t>
+            </a:r>
+            <a:r>
+              <a:rPr lang="hu-HU" sz="1800" dirty="0" err="1">
+                <a:solidFill>
+                  <a:srgbClr val="EBEBEB"/>
+                </a:solidFill>
+              </a:rPr>
+              <a:t>the</a:t>
+            </a:r>
+            <a:r>
+              <a:rPr lang="hu-HU" sz="1800" dirty="0">
+                <a:solidFill>
+                  <a:srgbClr val="EBEBEB"/>
+                </a:solidFill>
+              </a:rPr>
+              <a:t> </a:t>
+            </a:r>
+            <a:r>
+              <a:rPr lang="hu-HU" sz="1800" dirty="0" err="1">
+                <a:solidFill>
+                  <a:srgbClr val="EBEBEB"/>
+                </a:solidFill>
+              </a:rPr>
+              <a:t>amount</a:t>
+            </a:r>
+            <a:r>
+              <a:rPr lang="hu-HU" sz="1800" dirty="0">
+                <a:solidFill>
+                  <a:srgbClr val="EBEBEB"/>
+                </a:solidFill>
+              </a:rPr>
+              <a:t> of </a:t>
+            </a:r>
+            <a:r>
+              <a:rPr lang="hu-HU" sz="1800" dirty="0" err="1">
+                <a:solidFill>
+                  <a:srgbClr val="EBEBEB"/>
+                </a:solidFill>
+              </a:rPr>
+              <a:t>brake</a:t>
+            </a:r>
+            <a:r>
+              <a:rPr lang="hu-HU" sz="1800" dirty="0">
+                <a:solidFill>
+                  <a:srgbClr val="EBEBEB"/>
+                </a:solidFill>
+              </a:rPr>
+              <a:t>​</a:t>
+            </a:r>
+          </a:p>
+          <a:p>
+            <a:pPr fontAlgn="base">
+              <a:lnSpc>
+                <a:spcPct val="90000"/>
+              </a:lnSpc>
+              <a:spcBef>
+                <a:spcPts val="1800"/>
+              </a:spcBef>
+              <a:spcAft>
+                <a:spcPts val="600"/>
+              </a:spcAft>
+            </a:pPr>
+            <a:r>
+              <a:rPr lang="hu-HU" b="1" dirty="0">
+                <a:solidFill>
+                  <a:srgbClr val="EBEBEB"/>
+                </a:solidFill>
+              </a:rPr>
+              <a:t>Monitoring </a:t>
+            </a:r>
+            <a:r>
+              <a:rPr lang="hu-HU" b="1" dirty="0" err="1">
+                <a:solidFill>
+                  <a:srgbClr val="EBEBEB"/>
+                </a:solidFill>
+              </a:rPr>
+              <a:t>module</a:t>
+            </a:r>
+            <a:r>
+              <a:rPr lang="hu-HU" b="1" dirty="0">
+                <a:solidFill>
+                  <a:srgbClr val="EBEBEB"/>
+                </a:solidFill>
+              </a:rPr>
+              <a:t>​</a:t>
+            </a:r>
+            <a:r>
+              <a:rPr lang="en-US" b="1" dirty="0">
+                <a:solidFill>
+                  <a:srgbClr val="EBEBEB"/>
+                </a:solidFill>
+              </a:rPr>
+              <a:t>:</a:t>
+            </a:r>
+            <a:endParaRPr lang="hu-HU" b="1" dirty="0">
               <a:solidFill>
                 <a:srgbClr val="EBEBEB"/>
               </a:solidFill>
-              <a:latin typeface="+mj-lt"/>
-              <a:ea typeface="+mj-ea"/>
-              <a:cs typeface="+mj-cs"/>
             </a:endParaRPr>
           </a:p>
           <a:p>
-            <a:pPr defTabSz="457200">
-              <a:spcBef>
-                <a:spcPts val="1000"/>
-              </a:spcBef>
+            <a:pPr marL="685800" lvl="2" fontAlgn="base">
+              <a:lnSpc>
+                <a:spcPct val="90000"/>
+              </a:lnSpc>
               <a:buClr>
                 <a:srgbClr val="F7F7F7"/>
               </a:buClr>
-              <a:buSzPct val="80000"/>
+              <a:buFont typeface="Arial"/>
+              <a:buChar char="•"/>
             </a:pPr>
             <a:r>
-              <a:rPr lang="en-US" b="1" dirty="0">
+              <a:rPr lang="hu-HU" sz="1800" dirty="0" err="1">
                 <a:solidFill>
                   <a:srgbClr val="EBEBEB"/>
                 </a:solidFill>
-                <a:latin typeface="+mj-lt"/>
-                <a:ea typeface="+mj-ea"/>
-                <a:cs typeface="+mj-cs"/>
               </a:rPr>
-              <a:t>DDS:</a:t>
-            </a:r>
-          </a:p>
-          <a:p>
-            <a:pPr marL="285750" indent="-285750" defTabSz="457200">
-              <a:spcBef>
-                <a:spcPts val="1000"/>
-              </a:spcBef>
+              <a:t>Collects</a:t>
+            </a:r>
+            <a:r>
+              <a:rPr lang="hu-HU" sz="1800" dirty="0">
+                <a:solidFill>
+                  <a:srgbClr val="EBEBEB"/>
+                </a:solidFill>
+              </a:rPr>
+              <a:t> </a:t>
+            </a:r>
+            <a:r>
+              <a:rPr lang="hu-HU" sz="1800" dirty="0" err="1">
+                <a:solidFill>
+                  <a:srgbClr val="EBEBEB"/>
+                </a:solidFill>
+              </a:rPr>
+              <a:t>speed</a:t>
+            </a:r>
+            <a:r>
+              <a:rPr lang="hu-HU" sz="1800" dirty="0">
+                <a:solidFill>
+                  <a:srgbClr val="EBEBEB"/>
+                </a:solidFill>
+              </a:rPr>
+              <a:t>, </a:t>
+            </a:r>
+            <a:r>
+              <a:rPr lang="hu-HU" sz="1800" dirty="0" err="1">
+                <a:solidFill>
+                  <a:srgbClr val="EBEBEB"/>
+                </a:solidFill>
+              </a:rPr>
+              <a:t>distance</a:t>
+            </a:r>
+            <a:r>
+              <a:rPr lang="hu-HU" sz="1800" dirty="0">
+                <a:solidFill>
+                  <a:srgbClr val="EBEBEB"/>
+                </a:solidFill>
+              </a:rPr>
+              <a:t> and </a:t>
+            </a:r>
+            <a:r>
+              <a:rPr lang="hu-HU" sz="1800" dirty="0" err="1">
+                <a:solidFill>
+                  <a:srgbClr val="EBEBEB"/>
+                </a:solidFill>
+              </a:rPr>
+              <a:t>brake</a:t>
+            </a:r>
+            <a:r>
+              <a:rPr lang="hu-HU" sz="1800" dirty="0">
+                <a:solidFill>
+                  <a:srgbClr val="EBEBEB"/>
+                </a:solidFill>
+              </a:rPr>
+              <a:t> </a:t>
+            </a:r>
+            <a:r>
+              <a:rPr lang="hu-HU" sz="1800" dirty="0" err="1">
+                <a:solidFill>
+                  <a:srgbClr val="EBEBEB"/>
+                </a:solidFill>
+              </a:rPr>
+              <a:t>data</a:t>
+            </a:r>
+            <a:r>
+              <a:rPr lang="hu-HU" sz="1800" dirty="0">
+                <a:solidFill>
+                  <a:srgbClr val="EBEBEB"/>
+                </a:solidFill>
+              </a:rPr>
+              <a:t>​</a:t>
+            </a:r>
+          </a:p>
+          <a:p>
+            <a:pPr marL="685800" lvl="2" fontAlgn="base">
+              <a:lnSpc>
+                <a:spcPct val="90000"/>
+              </a:lnSpc>
               <a:buClr>
                 <a:srgbClr val="F7F7F7"/>
               </a:buClr>
-              <a:buSzPct val="80000"/>
               <a:buFont typeface="Arial"/>
               <a:buChar char="•"/>
             </a:pPr>
             <a:r>
-              <a:rPr lang="en-US" dirty="0">
+              <a:rPr lang="hu-HU" sz="1800" dirty="0" err="1">
                 <a:solidFill>
                   <a:srgbClr val="EBEBEB"/>
                 </a:solidFill>
-                <a:latin typeface="+mj-lt"/>
-                <a:ea typeface="+mj-ea"/>
-                <a:cs typeface="+mj-cs"/>
               </a:rPr>
-              <a:t>Communication middleware in CPS</a:t>
-            </a:r>
-          </a:p>
-          <a:p>
-            <a:pPr marL="285750" indent="-285750" defTabSz="457200">
-              <a:spcBef>
-                <a:spcPts val="1000"/>
-              </a:spcBef>
+              <a:t>Persists</a:t>
+            </a:r>
+            <a:r>
+              <a:rPr lang="hu-HU" sz="1800" dirty="0">
+                <a:solidFill>
+                  <a:srgbClr val="EBEBEB"/>
+                </a:solidFill>
+              </a:rPr>
+              <a:t> </a:t>
+            </a:r>
+            <a:r>
+              <a:rPr lang="hu-HU" sz="1800" dirty="0" err="1">
+                <a:solidFill>
+                  <a:srgbClr val="EBEBEB"/>
+                </a:solidFill>
+              </a:rPr>
+              <a:t>data</a:t>
+            </a:r>
+            <a:r>
+              <a:rPr lang="hu-HU" sz="1800" dirty="0">
+                <a:solidFill>
+                  <a:srgbClr val="EBEBEB"/>
+                </a:solidFill>
+              </a:rPr>
+              <a:t> in a </a:t>
+            </a:r>
+            <a:r>
+              <a:rPr lang="hu-HU" sz="1800" dirty="0" err="1">
+                <a:solidFill>
+                  <a:srgbClr val="EBEBEB"/>
+                </a:solidFill>
+              </a:rPr>
+              <a:t>database</a:t>
+            </a:r>
+            <a:r>
+              <a:rPr lang="hu-HU" sz="1800" dirty="0">
+                <a:solidFill>
+                  <a:srgbClr val="EBEBEB"/>
+                </a:solidFill>
+              </a:rPr>
+              <a:t>​</a:t>
+            </a:r>
+          </a:p>
+          <a:p>
+            <a:pPr marL="685800" lvl="2" fontAlgn="base">
+              <a:lnSpc>
+                <a:spcPct val="90000"/>
+              </a:lnSpc>
               <a:buClr>
                 <a:srgbClr val="F7F7F7"/>
               </a:buClr>
-              <a:buSzPct val="80000"/>
               <a:buFont typeface="Arial"/>
               <a:buChar char="•"/>
             </a:pPr>
             <a:r>
-              <a:rPr lang="en-US" dirty="0">
+              <a:rPr lang="hu-HU" sz="1800" dirty="0" err="1">
                 <a:solidFill>
                   <a:srgbClr val="EBEBEB"/>
                 </a:solidFill>
-                <a:latin typeface="+mj-lt"/>
-                <a:ea typeface="+mj-ea"/>
-                <a:cs typeface="+mj-cs"/>
               </a:rPr>
-              <a:t>Publish – Subscribe </a:t>
-            </a:r>
-          </a:p>
-          <a:p>
-            <a:pPr marL="285750" indent="-285750" defTabSz="457200">
-              <a:spcBef>
-                <a:spcPts val="1000"/>
-              </a:spcBef>
-              <a:buClr>
-                <a:srgbClr val="F7F7F7"/>
-              </a:buClr>
-              <a:buSzPct val="80000"/>
-              <a:buFont typeface="Arial"/>
-              <a:buChar char="•"/>
-            </a:pPr>
-            <a:r>
-              <a:rPr lang="en-US" dirty="0">
+              <a:t>Visualize</a:t>
+            </a:r>
+            <a:r>
+              <a:rPr lang="hu-HU" sz="1800" dirty="0">
                 <a:solidFill>
                   <a:srgbClr val="EBEBEB"/>
                 </a:solidFill>
-                <a:latin typeface="+mj-lt"/>
-                <a:ea typeface="+mj-ea"/>
-                <a:cs typeface="+mj-cs"/>
               </a:rPr>
-              <a:t>Topics inside a Domain</a:t>
-            </a:r>
-            <a:endParaRPr lang="en-US">
-              <a:ea typeface="+mj-ea"/>
-              <a:cs typeface="+mj-cs"/>
-            </a:endParaRPr>
-          </a:p>
-          <a:p>
-            <a:pPr marL="285750" indent="-285750" defTabSz="457200">
-              <a:spcBef>
-                <a:spcPts val="1000"/>
-              </a:spcBef>
-              <a:buClr>
-                <a:srgbClr val="F7F7F7"/>
-              </a:buClr>
-              <a:buSzPct val="80000"/>
-              <a:buFont typeface="Arial"/>
-              <a:buChar char="•"/>
-            </a:pPr>
-            <a:r>
-              <a:rPr lang="en-US" dirty="0">
+              <a:t> </a:t>
+            </a:r>
+            <a:r>
+              <a:rPr lang="hu-HU" sz="1800" dirty="0" err="1">
                 <a:solidFill>
                   <a:srgbClr val="EBEBEB"/>
                 </a:solidFill>
-                <a:latin typeface="+mj-lt"/>
-                <a:ea typeface="+mj-ea"/>
-                <a:cs typeface="+mj-cs"/>
               </a:rPr>
-              <a:t>Common network</a:t>
-            </a:r>
-          </a:p>
-          <a:p>
-            <a:pPr marL="285750" indent="-285750" defTabSz="457200">
-              <a:spcBef>
-                <a:spcPts val="1000"/>
-              </a:spcBef>
-              <a:buClr>
-                <a:srgbClr val="F7F7F7"/>
-              </a:buClr>
-              <a:buSzPct val="80000"/>
-              <a:buFont typeface="Arial"/>
-              <a:buChar char="•"/>
-            </a:pPr>
-            <a:endParaRPr lang="en-US" dirty="0">
+              <a:t>collected</a:t>
+            </a:r>
+            <a:r>
+              <a:rPr lang="hu-HU" sz="1800" dirty="0">
+                <a:solidFill>
+                  <a:srgbClr val="EBEBEB"/>
+                </a:solidFill>
+              </a:rPr>
+              <a:t> </a:t>
+            </a:r>
+            <a:r>
+              <a:rPr lang="hu-HU" sz="1800" dirty="0" err="1">
+                <a:solidFill>
+                  <a:srgbClr val="EBEBEB"/>
+                </a:solidFill>
+              </a:rPr>
+              <a:t>data</a:t>
+            </a:r>
+            <a:endParaRPr lang="hu-HU" sz="1800" dirty="0">
               <a:solidFill>
                 <a:srgbClr val="EBEBEB"/>
               </a:solidFill>
-              <a:latin typeface="+mj-lt"/>
-              <a:ea typeface="+mj-ea"/>
-              <a:cs typeface="+mj-cs"/>
             </a:endParaRPr>
           </a:p>
         </p:txBody>
@@ -10606,29 +11637,17 @@
     </p:spTree>
     <p:extLst>
       <p:ext uri="{BB962C8B-B14F-4D97-AF65-F5344CB8AC3E}">
-        <p14:creationId xmlns:p14="http://schemas.microsoft.com/office/powerpoint/2010/main" val="351482292"/>
+        <p14:creationId xmlns:p14="http://schemas.microsoft.com/office/powerpoint/2010/main" val="4009584323"/>
       </p:ext>
     </p:extLst>
   </p:cSld>
   <p:clrMapOvr>
     <a:overrideClrMapping bg1="lt1" tx1="dk1" bg2="lt2" tx2="dk2" accent1="accent1" accent2="accent2" accent3="accent3" accent4="accent4" accent5="accent5" accent6="accent6" hlink="hlink" folHlink="folHlink"/>
   </p:clrMapOvr>
-  <mc:AlternateContent xmlns:mc="http://schemas.openxmlformats.org/markup-compatibility/2006" xmlns:p14="http://schemas.microsoft.com/office/powerpoint/2010/main">
-    <mc:Choice Requires="p14">
-      <p:transition spd="med" p14:dur="700">
-        <p:fade/>
-      </p:transition>
-    </mc:Choice>
-    <mc:Fallback xmlns="">
-      <p:transition spd="med">
-        <p:fade/>
-      </p:transition>
-    </mc:Fallback>
-  </mc:AlternateContent>
 </p:sld>
 </file>
 
-<file path=ppt/slides/slide3.xml><?xml version="1.0" encoding="utf-8"?>
+<file path=ppt/slides/slide4.xml><?xml version="1.0" encoding="utf-8"?>
 <p:sld xmlns:a="http://schemas.openxmlformats.org/drawingml/2006/main" xmlns:r="http://schemas.openxmlformats.org/officeDocument/2006/relationships" xmlns:p="http://schemas.openxmlformats.org/presentationml/2006/main">
   <p:cSld>
     <p:bg>
@@ -10655,7 +11674,7 @@
       </p:grpSpPr>
       <p:sp>
         <p:nvSpPr>
-          <p:cNvPr id="13" name="Rectangle 12">
+          <p:cNvPr id="17" name="Rectangle 16">
             <a:extLst>
               <a:ext uri="{FF2B5EF4-FFF2-40B4-BE49-F238E27FC236}">
                 <a16:creationId xmlns:a16="http://schemas.microsoft.com/office/drawing/2014/main" id="{B4AAD3FD-83A5-4B89-9F8F-01B8870865BE}"/>
@@ -10718,7 +11737,7 @@
           <p:cNvPr id="2" name="Cím 1">
             <a:extLst>
               <a:ext uri="{FF2B5EF4-FFF2-40B4-BE49-F238E27FC236}">
-                <a16:creationId xmlns:a16="http://schemas.microsoft.com/office/drawing/2014/main" id="{23B8E34F-8EBF-D87A-3C0F-14B0D0004FD6}"/>
+                <a16:creationId xmlns:a16="http://schemas.microsoft.com/office/drawing/2014/main" id="{165D7E39-FFA3-7A2D-5B31-A8ABD8E14646}"/>
               </a:ext>
             </a:extLst>
           </p:cNvPr>
@@ -10736,46 +11755,34 @@
           </a:xfrm>
         </p:spPr>
         <p:txBody>
-          <a:bodyPr>
+          <a:bodyPr vert="horz" lIns="91440" tIns="45720" rIns="91440" bIns="45720" rtlCol="0" anchor="t">
             <a:normAutofit/>
           </a:bodyPr>
           <a:lstStyle/>
           <a:p>
             <a:r>
-              <a:rPr lang="hu-HU" b="1" dirty="0" err="1">
+              <a:rPr lang="en-US" b="1" i="0" kern="1200" dirty="0">
                 <a:solidFill>
                   <a:srgbClr val="EBEBEB"/>
                 </a:solidFill>
+                <a:latin typeface="+mj-lt"/>
+                <a:ea typeface="+mj-ea"/>
+                <a:cs typeface="+mj-cs"/>
               </a:rPr>
-              <a:t>Distance</a:t>
-            </a:r>
-            <a:r>
-              <a:rPr lang="hu-HU" b="1" dirty="0">
-                <a:solidFill>
-                  <a:srgbClr val="EBEBEB"/>
-                </a:solidFill>
-              </a:rPr>
-              <a:t> </a:t>
-            </a:r>
-            <a:r>
-              <a:rPr lang="hu-HU" b="1" dirty="0" err="1">
-                <a:solidFill>
-                  <a:srgbClr val="EBEBEB"/>
-                </a:solidFill>
-              </a:rPr>
-              <a:t>system</a:t>
-            </a:r>
-            <a:endParaRPr lang="hu-HU" b="1">
+              <a:t>Measuring module</a:t>
+            </a:r>
+            <a:endParaRPr lang="en-US" b="1" i="0" kern="1200" dirty="0">
               <a:solidFill>
                 <a:srgbClr val="EBEBEB"/>
               </a:solidFill>
+              <a:latin typeface="+mj-lt"/>
             </a:endParaRPr>
           </a:p>
         </p:txBody>
       </p:sp>
       <p:sp>
         <p:nvSpPr>
-          <p:cNvPr id="15" name="Freeform 31">
+          <p:cNvPr id="19" name="Freeform 31">
             <a:extLst>
               <a:ext uri="{FF2B5EF4-FFF2-40B4-BE49-F238E27FC236}">
                 <a16:creationId xmlns:a16="http://schemas.microsoft.com/office/drawing/2014/main" id="{61752F1D-FC0F-4103-9584-630E643CCDA6}"/>
@@ -11127,7 +12134,7 @@
       </p:sp>
       <p:sp useBgFill="1">
         <p:nvSpPr>
-          <p:cNvPr id="17" name="Freeform: Shape 16">
+          <p:cNvPr id="21" name="Freeform: Shape 20">
             <a:extLst>
               <a:ext uri="{FF2B5EF4-FFF2-40B4-BE49-F238E27FC236}">
                 <a16:creationId xmlns:a16="http://schemas.microsoft.com/office/drawing/2014/main" id="{70151CB7-E7DE-4917-B831-01DF9CE01306}"/>
@@ -11590,6 +12597,1380 @@
       </p:sp>
       <p:pic>
         <p:nvPicPr>
+          <p:cNvPr id="12" name="Kép 12">
+            <a:extLst>
+              <a:ext uri="{FF2B5EF4-FFF2-40B4-BE49-F238E27FC236}">
+                <a16:creationId xmlns:a16="http://schemas.microsoft.com/office/drawing/2014/main" id="{27E0C257-5133-B938-01BE-7A1077D8CB0D}"/>
+              </a:ext>
+            </a:extLst>
+          </p:cNvPr>
+          <p:cNvPicPr>
+            <a:picLocks noChangeAspect="1"/>
+          </p:cNvPicPr>
+          <p:nvPr/>
+        </p:nvPicPr>
+        <p:blipFill>
+          <a:blip r:embed="rId3"/>
+          <a:stretch>
+            <a:fillRect/>
+          </a:stretch>
+        </p:blipFill>
+        <p:spPr>
+          <a:xfrm>
+            <a:off x="6044512" y="1906113"/>
+            <a:ext cx="5786356" cy="3253587"/>
+          </a:xfrm>
+          <a:prstGeom prst="rect">
+            <a:avLst/>
+          </a:prstGeom>
+          <a:effectLst/>
+        </p:spPr>
+      </p:pic>
+      <p:sp>
+        <p:nvSpPr>
+          <p:cNvPr id="23" name="Rectangle 22">
+            <a:extLst>
+              <a:ext uri="{FF2B5EF4-FFF2-40B4-BE49-F238E27FC236}">
+                <a16:creationId xmlns:a16="http://schemas.microsoft.com/office/drawing/2014/main" id="{A92A1116-1C84-41DF-B803-1F7B0883EC82}"/>
+              </a:ext>
+              <a:ext uri="{C183D7F6-B498-43B3-948B-1728B52AA6E4}">
+                <adec:decorative xmlns:adec="http://schemas.microsoft.com/office/drawing/2017/decorative" val="1"/>
+              </a:ext>
+            </a:extLst>
+          </p:cNvPr>
+          <p:cNvSpPr>
+            <a:spLocks noGrp="1" noRot="1" noChangeAspect="1" noMove="1" noResize="1" noEditPoints="1" noAdjustHandles="1" noChangeArrowheads="1" noChangeShapeType="1" noTextEdit="1"/>
+          </p:cNvSpPr>
+          <p:nvPr>
+            <p:extLst>
+              <p:ext uri="{386F3935-93C4-4BCD-93E2-E3B085C9AB24}">
+                <p16:designElem xmlns:p16="http://schemas.microsoft.com/office/powerpoint/2015/main" val="1"/>
+              </p:ext>
+            </p:extLst>
+          </p:nvPr>
+        </p:nvSpPr>
+        <p:spPr>
+          <a:xfrm>
+            <a:off x="10442448" y="0"/>
+            <a:ext cx="685800" cy="1143000"/>
+          </a:xfrm>
+          <a:prstGeom prst="rect">
+            <a:avLst/>
+          </a:prstGeom>
+          <a:solidFill>
+            <a:schemeClr val="accent1"/>
+          </a:solidFill>
+          <a:ln>
+            <a:noFill/>
+          </a:ln>
+        </p:spPr>
+        <p:style>
+          <a:lnRef idx="1">
+            <a:schemeClr val="accent1"/>
+          </a:lnRef>
+          <a:fillRef idx="3">
+            <a:schemeClr val="accent1"/>
+          </a:fillRef>
+          <a:effectRef idx="2">
+            <a:schemeClr val="accent1"/>
+          </a:effectRef>
+          <a:fontRef idx="minor">
+            <a:schemeClr val="lt1"/>
+          </a:fontRef>
+        </p:style>
+      </p:sp>
+      <p:sp>
+        <p:nvSpPr>
+          <p:cNvPr id="3" name="Szövegdoboz 2">
+            <a:extLst>
+              <a:ext uri="{FF2B5EF4-FFF2-40B4-BE49-F238E27FC236}">
+                <a16:creationId xmlns:a16="http://schemas.microsoft.com/office/drawing/2014/main" id="{80B53B1B-7C81-D50F-FC81-BB3A0C759EF4}"/>
+              </a:ext>
+            </a:extLst>
+          </p:cNvPr>
+          <p:cNvSpPr txBox="1"/>
+          <p:nvPr/>
+        </p:nvSpPr>
+        <p:spPr>
+          <a:xfrm>
+            <a:off x="648931" y="2250374"/>
+            <a:ext cx="4166509" cy="3785419"/>
+          </a:xfrm>
+          <a:prstGeom prst="rect">
+            <a:avLst/>
+          </a:prstGeom>
+        </p:spPr>
+        <p:txBody>
+          <a:bodyPr rot="0" spcFirstLastPara="0" vertOverflow="overflow" horzOverflow="overflow" vert="horz" lIns="91440" tIns="45720" rIns="91440" bIns="45720" numCol="1" spcCol="0" rtlCol="0" fromWordArt="0" anchor="t" anchorCtr="0" forceAA="0" compatLnSpc="1">
+            <a:prstTxWarp prst="textNoShape">
+              <a:avLst/>
+            </a:prstTxWarp>
+            <a:normAutofit fontScale="92500" lnSpcReduction="20000"/>
+          </a:bodyPr>
+          <a:lstStyle/>
+          <a:p>
+            <a:pPr defTabSz="457200">
+              <a:spcBef>
+                <a:spcPts val="1000"/>
+              </a:spcBef>
+              <a:buClr>
+                <a:schemeClr val="bg2">
+                  <a:lumMod val="40000"/>
+                  <a:lumOff val="60000"/>
+                </a:schemeClr>
+              </a:buClr>
+              <a:buSzPct val="80000"/>
+            </a:pPr>
+            <a:r>
+              <a:rPr lang="en-US" sz="2200" b="1" dirty="0">
+                <a:solidFill>
+                  <a:srgbClr val="EBEBEB"/>
+                </a:solidFill>
+                <a:latin typeface="+mj-lt"/>
+                <a:ea typeface="+mj-ea"/>
+                <a:cs typeface="+mj-cs"/>
+              </a:rPr>
+              <a:t>Roles:</a:t>
+            </a:r>
+            <a:endParaRPr lang="hu-HU" sz="2200" b="1" dirty="0">
+              <a:ea typeface="+mj-ea"/>
+              <a:cs typeface="+mj-cs"/>
+            </a:endParaRPr>
+          </a:p>
+          <a:p>
+            <a:pPr marL="285750" indent="-285750" defTabSz="457200">
+              <a:spcBef>
+                <a:spcPts val="1000"/>
+              </a:spcBef>
+              <a:buClr>
+                <a:schemeClr val="bg2">
+                  <a:lumMod val="40000"/>
+                  <a:lumOff val="60000"/>
+                </a:schemeClr>
+              </a:buClr>
+              <a:buSzPct val="80000"/>
+              <a:buFont typeface="Arial"/>
+              <a:buChar char="•"/>
+            </a:pPr>
+            <a:r>
+              <a:rPr lang="en-US" dirty="0">
+                <a:solidFill>
+                  <a:srgbClr val="EBEBEB"/>
+                </a:solidFill>
+                <a:latin typeface="+mj-lt"/>
+                <a:ea typeface="+mj-ea"/>
+                <a:cs typeface="+mj-cs"/>
+              </a:rPr>
+              <a:t>Collecting data</a:t>
+            </a:r>
+          </a:p>
+          <a:p>
+            <a:pPr marL="285750" indent="-285750" defTabSz="457200">
+              <a:spcBef>
+                <a:spcPts val="1000"/>
+              </a:spcBef>
+              <a:buClr>
+                <a:schemeClr val="bg2">
+                  <a:lumMod val="40000"/>
+                  <a:lumOff val="60000"/>
+                </a:schemeClr>
+              </a:buClr>
+              <a:buSzPct val="80000"/>
+              <a:buFont typeface="Arial"/>
+              <a:buChar char="•"/>
+            </a:pPr>
+            <a:r>
+              <a:rPr lang="en-US" dirty="0">
+                <a:solidFill>
+                  <a:srgbClr val="EBEBEB"/>
+                </a:solidFill>
+                <a:latin typeface="+mj-lt"/>
+                <a:ea typeface="+mj-ea"/>
+                <a:cs typeface="+mj-cs"/>
+              </a:rPr>
+              <a:t>Filtering data</a:t>
+            </a:r>
+          </a:p>
+          <a:p>
+            <a:pPr marL="285750" indent="-285750" defTabSz="457200">
+              <a:spcBef>
+                <a:spcPts val="1000"/>
+              </a:spcBef>
+              <a:buClr>
+                <a:schemeClr val="bg2">
+                  <a:lumMod val="40000"/>
+                  <a:lumOff val="60000"/>
+                </a:schemeClr>
+              </a:buClr>
+              <a:buSzPct val="80000"/>
+              <a:buFont typeface="Arial"/>
+              <a:buChar char="•"/>
+            </a:pPr>
+            <a:r>
+              <a:rPr lang="en-US" dirty="0">
+                <a:solidFill>
+                  <a:srgbClr val="EBEBEB"/>
+                </a:solidFill>
+                <a:latin typeface="+mj-lt"/>
+                <a:ea typeface="+mj-ea"/>
+                <a:cs typeface="+mj-cs"/>
+              </a:rPr>
+              <a:t>Distributing data via DDS</a:t>
+            </a:r>
+          </a:p>
+          <a:p>
+            <a:pPr marL="285750" indent="-285750" defTabSz="457200">
+              <a:spcBef>
+                <a:spcPts val="1000"/>
+              </a:spcBef>
+              <a:buClr>
+                <a:srgbClr val="F7F7F7"/>
+              </a:buClr>
+              <a:buSzPct val="80000"/>
+              <a:buFont typeface="Arial"/>
+              <a:buChar char="•"/>
+            </a:pPr>
+            <a:endParaRPr lang="en-US" dirty="0">
+              <a:solidFill>
+                <a:srgbClr val="EBEBEB"/>
+              </a:solidFill>
+              <a:latin typeface="+mj-lt"/>
+              <a:ea typeface="+mj-ea"/>
+              <a:cs typeface="+mj-cs"/>
+            </a:endParaRPr>
+          </a:p>
+          <a:p>
+            <a:pPr defTabSz="457200">
+              <a:spcBef>
+                <a:spcPts val="1000"/>
+              </a:spcBef>
+              <a:buClr>
+                <a:srgbClr val="F7F7F7"/>
+              </a:buClr>
+              <a:buSzPct val="80000"/>
+            </a:pPr>
+            <a:r>
+              <a:rPr lang="en-US" sz="2200" b="1" dirty="0">
+                <a:solidFill>
+                  <a:srgbClr val="EBEBEB"/>
+                </a:solidFill>
+                <a:latin typeface="+mj-lt"/>
+                <a:ea typeface="+mj-ea"/>
+                <a:cs typeface="+mj-cs"/>
+              </a:rPr>
+              <a:t>DDS:</a:t>
+            </a:r>
+          </a:p>
+          <a:p>
+            <a:pPr marL="285750" indent="-285750" defTabSz="457200">
+              <a:spcBef>
+                <a:spcPts val="1000"/>
+              </a:spcBef>
+              <a:buClr>
+                <a:srgbClr val="F7F7F7"/>
+              </a:buClr>
+              <a:buSzPct val="80000"/>
+              <a:buFont typeface="Arial"/>
+              <a:buChar char="•"/>
+            </a:pPr>
+            <a:r>
+              <a:rPr lang="en-US" dirty="0">
+                <a:solidFill>
+                  <a:srgbClr val="EBEBEB"/>
+                </a:solidFill>
+                <a:latin typeface="+mj-lt"/>
+                <a:ea typeface="+mj-ea"/>
+                <a:cs typeface="+mj-cs"/>
+              </a:rPr>
+              <a:t>Communication middleware in CPS</a:t>
+            </a:r>
+          </a:p>
+          <a:p>
+            <a:pPr marL="285750" indent="-285750" defTabSz="457200">
+              <a:spcBef>
+                <a:spcPts val="1000"/>
+              </a:spcBef>
+              <a:buClr>
+                <a:srgbClr val="F7F7F7"/>
+              </a:buClr>
+              <a:buSzPct val="80000"/>
+              <a:buFont typeface="Arial"/>
+              <a:buChar char="•"/>
+            </a:pPr>
+            <a:r>
+              <a:rPr lang="en-US" dirty="0">
+                <a:solidFill>
+                  <a:srgbClr val="EBEBEB"/>
+                </a:solidFill>
+                <a:latin typeface="+mj-lt"/>
+                <a:ea typeface="+mj-ea"/>
+                <a:cs typeface="+mj-cs"/>
+              </a:rPr>
+              <a:t>Publish – Subscribe </a:t>
+            </a:r>
+          </a:p>
+          <a:p>
+            <a:pPr marL="285750" indent="-285750" defTabSz="457200">
+              <a:spcBef>
+                <a:spcPts val="1000"/>
+              </a:spcBef>
+              <a:buClr>
+                <a:srgbClr val="F7F7F7"/>
+              </a:buClr>
+              <a:buSzPct val="80000"/>
+              <a:buFont typeface="Arial"/>
+              <a:buChar char="•"/>
+            </a:pPr>
+            <a:r>
+              <a:rPr lang="en-US" dirty="0">
+                <a:solidFill>
+                  <a:srgbClr val="EBEBEB"/>
+                </a:solidFill>
+                <a:latin typeface="+mj-lt"/>
+                <a:ea typeface="+mj-ea"/>
+                <a:cs typeface="+mj-cs"/>
+              </a:rPr>
+              <a:t>Topics inside a Domain</a:t>
+            </a:r>
+            <a:endParaRPr lang="en-US" dirty="0">
+              <a:ea typeface="+mj-ea"/>
+              <a:cs typeface="+mj-cs"/>
+            </a:endParaRPr>
+          </a:p>
+          <a:p>
+            <a:pPr marL="285750" indent="-285750" defTabSz="457200">
+              <a:spcBef>
+                <a:spcPts val="1000"/>
+              </a:spcBef>
+              <a:buClr>
+                <a:srgbClr val="F7F7F7"/>
+              </a:buClr>
+              <a:buSzPct val="80000"/>
+              <a:buFont typeface="Arial"/>
+              <a:buChar char="•"/>
+            </a:pPr>
+            <a:r>
+              <a:rPr lang="en-US" dirty="0">
+                <a:solidFill>
+                  <a:srgbClr val="EBEBEB"/>
+                </a:solidFill>
+                <a:latin typeface="+mj-lt"/>
+                <a:ea typeface="+mj-ea"/>
+                <a:cs typeface="+mj-cs"/>
+              </a:rPr>
+              <a:t>Common network</a:t>
+            </a:r>
+          </a:p>
+          <a:p>
+            <a:pPr marL="285750" indent="-285750" defTabSz="457200">
+              <a:spcBef>
+                <a:spcPts val="1000"/>
+              </a:spcBef>
+              <a:buClr>
+                <a:srgbClr val="F7F7F7"/>
+              </a:buClr>
+              <a:buSzPct val="80000"/>
+              <a:buFont typeface="Arial"/>
+              <a:buChar char="•"/>
+            </a:pPr>
+            <a:endParaRPr lang="en-US" dirty="0">
+              <a:solidFill>
+                <a:srgbClr val="EBEBEB"/>
+              </a:solidFill>
+              <a:latin typeface="+mj-lt"/>
+              <a:ea typeface="+mj-ea"/>
+              <a:cs typeface="+mj-cs"/>
+            </a:endParaRPr>
+          </a:p>
+        </p:txBody>
+      </p:sp>
+    </p:spTree>
+    <p:extLst>
+      <p:ext uri="{BB962C8B-B14F-4D97-AF65-F5344CB8AC3E}">
+        <p14:creationId xmlns:p14="http://schemas.microsoft.com/office/powerpoint/2010/main" val="351482292"/>
+      </p:ext>
+    </p:extLst>
+  </p:cSld>
+  <p:clrMapOvr>
+    <a:overrideClrMapping bg1="lt1" tx1="dk1" bg2="lt2" tx2="dk2" accent1="accent1" accent2="accent2" accent3="accent3" accent4="accent4" accent5="accent5" accent6="accent6" hlink="hlink" folHlink="folHlink"/>
+  </p:clrMapOvr>
+  <mc:AlternateContent xmlns:mc="http://schemas.openxmlformats.org/markup-compatibility/2006" xmlns:p14="http://schemas.microsoft.com/office/powerpoint/2010/main">
+    <mc:Choice Requires="p14">
+      <p:transition spd="med" p14:dur="700">
+        <p:fade/>
+      </p:transition>
+    </mc:Choice>
+    <mc:Fallback xmlns="">
+      <p:transition spd="med">
+        <p:fade/>
+      </p:transition>
+    </mc:Fallback>
+  </mc:AlternateContent>
+</p:sld>
+</file>
+
+<file path=ppt/slides/slide5.xml><?xml version="1.0" encoding="utf-8"?>
+<p:sld xmlns:a="http://schemas.openxmlformats.org/drawingml/2006/main" xmlns:r="http://schemas.openxmlformats.org/officeDocument/2006/relationships" xmlns:p="http://schemas.openxmlformats.org/presentationml/2006/main">
+  <p:cSld>
+    <p:bg>
+      <p:bgPr>
+        <a:solidFill>
+          <a:schemeClr val="bg1"/>
+        </a:solidFill>
+        <a:effectLst/>
+      </p:bgPr>
+    </p:bg>
+    <p:spTree>
+      <p:nvGrpSpPr>
+        <p:cNvPr id="1" name=""/>
+        <p:cNvGrpSpPr/>
+        <p:nvPr/>
+      </p:nvGrpSpPr>
+      <p:grpSpPr>
+        <a:xfrm>
+          <a:off x="0" y="0"/>
+          <a:ext cx="0" cy="0"/>
+          <a:chOff x="0" y="0"/>
+          <a:chExt cx="0" cy="0"/>
+        </a:xfrm>
+      </p:grpSpPr>
+      <p:sp>
+        <p:nvSpPr>
+          <p:cNvPr id="13" name="Rectangle 12">
+            <a:extLst>
+              <a:ext uri="{FF2B5EF4-FFF2-40B4-BE49-F238E27FC236}">
+                <a16:creationId xmlns:a16="http://schemas.microsoft.com/office/drawing/2014/main" id="{B4AAD3FD-83A5-4B89-9F8F-01B8870865BE}"/>
+              </a:ext>
+              <a:ext uri="{C183D7F6-B498-43B3-948B-1728B52AA6E4}">
+                <adec:decorative xmlns:adec="http://schemas.microsoft.com/office/drawing/2017/decorative" val="1"/>
+              </a:ext>
+            </a:extLst>
+          </p:cNvPr>
+          <p:cNvSpPr>
+            <a:spLocks noGrp="1" noRot="1" noChangeAspect="1" noMove="1" noResize="1" noEditPoints="1" noAdjustHandles="1" noChangeArrowheads="1" noChangeShapeType="1" noTextEdit="1"/>
+          </p:cNvSpPr>
+          <p:nvPr>
+            <p:extLst>
+              <p:ext uri="{386F3935-93C4-4BCD-93E2-E3B085C9AB24}">
+                <p16:designElem xmlns:p16="http://schemas.microsoft.com/office/powerpoint/2015/main" val="1"/>
+              </p:ext>
+            </p:extLst>
+          </p:nvPr>
+        </p:nvSpPr>
+        <p:spPr>
+          <a:xfrm>
+            <a:off x="0" y="0"/>
+            <a:ext cx="12192000" cy="6858000"/>
+          </a:xfrm>
+          <a:prstGeom prst="rect">
+            <a:avLst/>
+          </a:prstGeom>
+          <a:ln>
+            <a:noFill/>
+          </a:ln>
+        </p:spPr>
+        <p:style>
+          <a:lnRef idx="2">
+            <a:schemeClr val="accent1">
+              <a:shade val="50000"/>
+            </a:schemeClr>
+          </a:lnRef>
+          <a:fillRef idx="1003">
+            <a:schemeClr val="dk2"/>
+          </a:fillRef>
+          <a:effectRef idx="0">
+            <a:schemeClr val="accent1"/>
+          </a:effectRef>
+          <a:fontRef idx="minor">
+            <a:schemeClr val="lt1"/>
+          </a:fontRef>
+        </p:style>
+        <p:txBody>
+          <a:bodyPr rtlCol="0" anchor="ctr"/>
+          <a:lstStyle/>
+          <a:p>
+            <a:pPr algn="ctr"/>
+            <a:endParaRPr lang="en-US"/>
+          </a:p>
+        </p:txBody>
+      </p:sp>
+      <p:sp>
+        <p:nvSpPr>
+          <p:cNvPr id="2" name="Cím 1">
+            <a:extLst>
+              <a:ext uri="{FF2B5EF4-FFF2-40B4-BE49-F238E27FC236}">
+                <a16:creationId xmlns:a16="http://schemas.microsoft.com/office/drawing/2014/main" id="{23B8E34F-8EBF-D87A-3C0F-14B0D0004FD6}"/>
+              </a:ext>
+            </a:extLst>
+          </p:cNvPr>
+          <p:cNvSpPr>
+            <a:spLocks noGrp="1"/>
+          </p:cNvSpPr>
+          <p:nvPr>
+            <p:ph type="title"/>
+          </p:nvPr>
+        </p:nvSpPr>
+        <p:spPr>
+          <a:xfrm>
+            <a:off x="648931" y="629266"/>
+            <a:ext cx="4166510" cy="1622321"/>
+          </a:xfrm>
+        </p:spPr>
+        <p:txBody>
+          <a:bodyPr>
+            <a:normAutofit/>
+          </a:bodyPr>
+          <a:lstStyle/>
+          <a:p>
+            <a:r>
+              <a:rPr lang="hu-HU" b="1" dirty="0" err="1">
+                <a:solidFill>
+                  <a:srgbClr val="EBEBEB"/>
+                </a:solidFill>
+              </a:rPr>
+              <a:t>Distance</a:t>
+            </a:r>
+            <a:r>
+              <a:rPr lang="hu-HU" b="1" dirty="0">
+                <a:solidFill>
+                  <a:srgbClr val="EBEBEB"/>
+                </a:solidFill>
+              </a:rPr>
+              <a:t> </a:t>
+            </a:r>
+            <a:r>
+              <a:rPr lang="hu-HU" b="1" dirty="0" err="1">
+                <a:solidFill>
+                  <a:srgbClr val="EBEBEB"/>
+                </a:solidFill>
+              </a:rPr>
+              <a:t>system</a:t>
+            </a:r>
+            <a:endParaRPr lang="hu-HU" b="1">
+              <a:solidFill>
+                <a:srgbClr val="EBEBEB"/>
+              </a:solidFill>
+            </a:endParaRPr>
+          </a:p>
+        </p:txBody>
+      </p:sp>
+      <p:sp>
+        <p:nvSpPr>
+          <p:cNvPr id="15" name="Freeform 31">
+            <a:extLst>
+              <a:ext uri="{FF2B5EF4-FFF2-40B4-BE49-F238E27FC236}">
+                <a16:creationId xmlns:a16="http://schemas.microsoft.com/office/drawing/2014/main" id="{61752F1D-FC0F-4103-9584-630E643CCDA6}"/>
+              </a:ext>
+              <a:ext uri="{C183D7F6-B498-43B3-948B-1728B52AA6E4}">
+                <adec:decorative xmlns:adec="http://schemas.microsoft.com/office/drawing/2017/decorative" val="1"/>
+              </a:ext>
+            </a:extLst>
+          </p:cNvPr>
+          <p:cNvSpPr>
+            <a:spLocks noGrp="1" noRot="1" noChangeAspect="1" noMove="1" noResize="1" noEditPoints="1" noAdjustHandles="1" noChangeArrowheads="1" noChangeShapeType="1" noTextEdit="1"/>
+          </p:cNvSpPr>
+          <p:nvPr>
+            <p:extLst>
+              <p:ext uri="{386F3935-93C4-4BCD-93E2-E3B085C9AB24}">
+                <p16:designElem xmlns:p16="http://schemas.microsoft.com/office/powerpoint/2015/main" val="1"/>
+              </p:ext>
+            </p:extLst>
+          </p:nvPr>
+        </p:nvSpPr>
+        <p:spPr>
+          <a:xfrm>
+            <a:off x="4994020" y="-1"/>
+            <a:ext cx="559472" cy="3709642"/>
+          </a:xfrm>
+          <a:custGeom>
+            <a:avLst/>
+            <a:gdLst>
+              <a:gd name="connsiteX0" fmla="*/ 0 w 559472"/>
+              <a:gd name="connsiteY0" fmla="*/ 0 h 3709642"/>
+              <a:gd name="connsiteX1" fmla="*/ 473952 w 559472"/>
+              <a:gd name="connsiteY1" fmla="*/ 0 h 3709642"/>
+              <a:gd name="connsiteX2" fmla="*/ 485840 w 559472"/>
+              <a:gd name="connsiteY2" fmla="*/ 161194 h 3709642"/>
+              <a:gd name="connsiteX3" fmla="*/ 523949 w 559472"/>
+              <a:gd name="connsiteY3" fmla="*/ 3672197 h 3709642"/>
+              <a:gd name="connsiteX4" fmla="*/ 454748 w 559472"/>
+              <a:gd name="connsiteY4" fmla="*/ 3709642 h 3709642"/>
+              <a:gd name="connsiteX5" fmla="*/ 448224 w 559472"/>
+              <a:gd name="connsiteY5" fmla="*/ 3510471 h 3709642"/>
+              <a:gd name="connsiteX6" fmla="*/ 443564 w 559472"/>
+              <a:gd name="connsiteY6" fmla="*/ 3408563 h 3709642"/>
+              <a:gd name="connsiteX7" fmla="*/ 438902 w 559472"/>
+              <a:gd name="connsiteY7" fmla="*/ 3304407 h 3709642"/>
+              <a:gd name="connsiteX8" fmla="*/ 433941 w 559472"/>
+              <a:gd name="connsiteY8" fmla="*/ 3198777 h 3709642"/>
+              <a:gd name="connsiteX9" fmla="*/ 427584 w 559472"/>
+              <a:gd name="connsiteY9" fmla="*/ 3092510 h 3709642"/>
+              <a:gd name="connsiteX10" fmla="*/ 420988 w 559472"/>
+              <a:gd name="connsiteY10" fmla="*/ 2984390 h 3709642"/>
+              <a:gd name="connsiteX11" fmla="*/ 414330 w 559472"/>
+              <a:gd name="connsiteY11" fmla="*/ 2874401 h 3709642"/>
+              <a:gd name="connsiteX12" fmla="*/ 406840 w 559472"/>
+              <a:gd name="connsiteY12" fmla="*/ 2762980 h 3709642"/>
+              <a:gd name="connsiteX13" fmla="*/ 397745 w 559472"/>
+              <a:gd name="connsiteY13" fmla="*/ 2650566 h 3709642"/>
+              <a:gd name="connsiteX14" fmla="*/ 389154 w 559472"/>
+              <a:gd name="connsiteY14" fmla="*/ 2536612 h 3709642"/>
+              <a:gd name="connsiteX15" fmla="*/ 379225 w 559472"/>
+              <a:gd name="connsiteY15" fmla="*/ 2421642 h 3709642"/>
+              <a:gd name="connsiteX16" fmla="*/ 368316 w 559472"/>
+              <a:gd name="connsiteY16" fmla="*/ 2305627 h 3709642"/>
+              <a:gd name="connsiteX17" fmla="*/ 357466 w 559472"/>
+              <a:gd name="connsiteY17" fmla="*/ 2189233 h 3709642"/>
+              <a:gd name="connsiteX18" fmla="*/ 344982 w 559472"/>
+              <a:gd name="connsiteY18" fmla="*/ 2071473 h 3709642"/>
+              <a:gd name="connsiteX19" fmla="*/ 332466 w 559472"/>
+              <a:gd name="connsiteY19" fmla="*/ 1952216 h 3709642"/>
+              <a:gd name="connsiteX20" fmla="*/ 319121 w 559472"/>
+              <a:gd name="connsiteY20" fmla="*/ 1833776 h 3709642"/>
+              <a:gd name="connsiteX21" fmla="*/ 304408 w 559472"/>
+              <a:gd name="connsiteY21" fmla="*/ 1713948 h 3709642"/>
+              <a:gd name="connsiteX22" fmla="*/ 288685 w 559472"/>
+              <a:gd name="connsiteY22" fmla="*/ 1592703 h 3709642"/>
+              <a:gd name="connsiteX23" fmla="*/ 273050 w 559472"/>
+              <a:gd name="connsiteY23" fmla="*/ 1471451 h 3709642"/>
+              <a:gd name="connsiteX24" fmla="*/ 255813 w 559472"/>
+              <a:gd name="connsiteY24" fmla="*/ 1350328 h 3709642"/>
+              <a:gd name="connsiteX25" fmla="*/ 237060 w 559472"/>
+              <a:gd name="connsiteY25" fmla="*/ 1227080 h 3709642"/>
+              <a:gd name="connsiteX26" fmla="*/ 218488 w 559472"/>
+              <a:gd name="connsiteY26" fmla="*/ 1106065 h 3709642"/>
+              <a:gd name="connsiteX27" fmla="*/ 198221 w 559472"/>
+              <a:gd name="connsiteY27" fmla="*/ 982940 h 3709642"/>
+              <a:gd name="connsiteX28" fmla="*/ 177152 w 559472"/>
+              <a:gd name="connsiteY28" fmla="*/ 858755 h 3709642"/>
+              <a:gd name="connsiteX29" fmla="*/ 155551 w 559472"/>
+              <a:gd name="connsiteY29" fmla="*/ 736861 h 3709642"/>
+              <a:gd name="connsiteX30" fmla="*/ 131782 w 559472"/>
+              <a:gd name="connsiteY30" fmla="*/ 613645 h 3709642"/>
+              <a:gd name="connsiteX31" fmla="*/ 107123 w 559472"/>
+              <a:gd name="connsiteY31" fmla="*/ 490500 h 3709642"/>
+              <a:gd name="connsiteX32" fmla="*/ 82552 w 559472"/>
+              <a:gd name="connsiteY32" fmla="*/ 367348 h 3709642"/>
+              <a:gd name="connsiteX33" fmla="*/ 55608 w 559472"/>
+              <a:gd name="connsiteY33" fmla="*/ 244762 h 3709642"/>
+              <a:gd name="connsiteX34" fmla="*/ 28130 w 559472"/>
+              <a:gd name="connsiteY34" fmla="*/ 122220 h 3709642"/>
+              <a:gd name="connsiteX35" fmla="*/ 0 w 559472"/>
+              <a:gd name="connsiteY35" fmla="*/ 0 h 3709642"/>
+            </a:gdLst>
+            <a:ahLst/>
+            <a:cxnLst>
+              <a:cxn ang="0">
+                <a:pos x="connsiteX0" y="connsiteY0"/>
+              </a:cxn>
+              <a:cxn ang="0">
+                <a:pos x="connsiteX1" y="connsiteY1"/>
+              </a:cxn>
+              <a:cxn ang="0">
+                <a:pos x="connsiteX2" y="connsiteY2"/>
+              </a:cxn>
+              <a:cxn ang="0">
+                <a:pos x="connsiteX3" y="connsiteY3"/>
+              </a:cxn>
+              <a:cxn ang="0">
+                <a:pos x="connsiteX4" y="connsiteY4"/>
+              </a:cxn>
+              <a:cxn ang="0">
+                <a:pos x="connsiteX5" y="connsiteY5"/>
+              </a:cxn>
+              <a:cxn ang="0">
+                <a:pos x="connsiteX6" y="connsiteY6"/>
+              </a:cxn>
+              <a:cxn ang="0">
+                <a:pos x="connsiteX7" y="connsiteY7"/>
+              </a:cxn>
+              <a:cxn ang="0">
+                <a:pos x="connsiteX8" y="connsiteY8"/>
+              </a:cxn>
+              <a:cxn ang="0">
+                <a:pos x="connsiteX9" y="connsiteY9"/>
+              </a:cxn>
+              <a:cxn ang="0">
+                <a:pos x="connsiteX10" y="connsiteY10"/>
+              </a:cxn>
+              <a:cxn ang="0">
+                <a:pos x="connsiteX11" y="connsiteY11"/>
+              </a:cxn>
+              <a:cxn ang="0">
+                <a:pos x="connsiteX12" y="connsiteY12"/>
+              </a:cxn>
+              <a:cxn ang="0">
+                <a:pos x="connsiteX13" y="connsiteY13"/>
+              </a:cxn>
+              <a:cxn ang="0">
+                <a:pos x="connsiteX14" y="connsiteY14"/>
+              </a:cxn>
+              <a:cxn ang="0">
+                <a:pos x="connsiteX15" y="connsiteY15"/>
+              </a:cxn>
+              <a:cxn ang="0">
+                <a:pos x="connsiteX16" y="connsiteY16"/>
+              </a:cxn>
+              <a:cxn ang="0">
+                <a:pos x="connsiteX17" y="connsiteY17"/>
+              </a:cxn>
+              <a:cxn ang="0">
+                <a:pos x="connsiteX18" y="connsiteY18"/>
+              </a:cxn>
+              <a:cxn ang="0">
+                <a:pos x="connsiteX19" y="connsiteY19"/>
+              </a:cxn>
+              <a:cxn ang="0">
+                <a:pos x="connsiteX20" y="connsiteY20"/>
+              </a:cxn>
+              <a:cxn ang="0">
+                <a:pos x="connsiteX21" y="connsiteY21"/>
+              </a:cxn>
+              <a:cxn ang="0">
+                <a:pos x="connsiteX22" y="connsiteY22"/>
+              </a:cxn>
+              <a:cxn ang="0">
+                <a:pos x="connsiteX23" y="connsiteY23"/>
+              </a:cxn>
+              <a:cxn ang="0">
+                <a:pos x="connsiteX24" y="connsiteY24"/>
+              </a:cxn>
+              <a:cxn ang="0">
+                <a:pos x="connsiteX25" y="connsiteY25"/>
+              </a:cxn>
+              <a:cxn ang="0">
+                <a:pos x="connsiteX26" y="connsiteY26"/>
+              </a:cxn>
+              <a:cxn ang="0">
+                <a:pos x="connsiteX27" y="connsiteY27"/>
+              </a:cxn>
+              <a:cxn ang="0">
+                <a:pos x="connsiteX28" y="connsiteY28"/>
+              </a:cxn>
+              <a:cxn ang="0">
+                <a:pos x="connsiteX29" y="connsiteY29"/>
+              </a:cxn>
+              <a:cxn ang="0">
+                <a:pos x="connsiteX30" y="connsiteY30"/>
+              </a:cxn>
+              <a:cxn ang="0">
+                <a:pos x="connsiteX31" y="connsiteY31"/>
+              </a:cxn>
+              <a:cxn ang="0">
+                <a:pos x="connsiteX32" y="connsiteY32"/>
+              </a:cxn>
+              <a:cxn ang="0">
+                <a:pos x="connsiteX33" y="connsiteY33"/>
+              </a:cxn>
+              <a:cxn ang="0">
+                <a:pos x="connsiteX34" y="connsiteY34"/>
+              </a:cxn>
+              <a:cxn ang="0">
+                <a:pos x="connsiteX35" y="connsiteY35"/>
+              </a:cxn>
+            </a:cxnLst>
+            <a:rect l="l" t="t" r="r" b="b"/>
+            <a:pathLst>
+              <a:path w="559472" h="3709642">
+                <a:moveTo>
+                  <a:pt x="0" y="0"/>
+                </a:moveTo>
+                <a:lnTo>
+                  <a:pt x="473952" y="0"/>
+                </a:lnTo>
+                <a:lnTo>
+                  <a:pt x="485840" y="161194"/>
+                </a:lnTo>
+                <a:cubicBezTo>
+                  <a:pt x="552063" y="1147770"/>
+                  <a:pt x="592441" y="3086737"/>
+                  <a:pt x="523949" y="3672197"/>
+                </a:cubicBezTo>
+                <a:cubicBezTo>
+                  <a:pt x="500842" y="3684557"/>
+                  <a:pt x="477855" y="3697282"/>
+                  <a:pt x="454748" y="3709642"/>
+                </a:cubicBezTo>
+                <a:lnTo>
+                  <a:pt x="448224" y="3510471"/>
+                </a:lnTo>
+                <a:lnTo>
+                  <a:pt x="443564" y="3408563"/>
+                </a:lnTo>
+                <a:lnTo>
+                  <a:pt x="438902" y="3304407"/>
+                </a:lnTo>
+                <a:lnTo>
+                  <a:pt x="433941" y="3198777"/>
+                </a:lnTo>
+                <a:lnTo>
+                  <a:pt x="427584" y="3092510"/>
+                </a:lnTo>
+                <a:lnTo>
+                  <a:pt x="420988" y="2984390"/>
+                </a:lnTo>
+                <a:lnTo>
+                  <a:pt x="414330" y="2874401"/>
+                </a:lnTo>
+                <a:lnTo>
+                  <a:pt x="406840" y="2762980"/>
+                </a:lnTo>
+                <a:lnTo>
+                  <a:pt x="397745" y="2650566"/>
+                </a:lnTo>
+                <a:lnTo>
+                  <a:pt x="389154" y="2536612"/>
+                </a:lnTo>
+                <a:lnTo>
+                  <a:pt x="379225" y="2421642"/>
+                </a:lnTo>
+                <a:lnTo>
+                  <a:pt x="368316" y="2305627"/>
+                </a:lnTo>
+                <a:lnTo>
+                  <a:pt x="357466" y="2189233"/>
+                </a:lnTo>
+                <a:lnTo>
+                  <a:pt x="344982" y="2071473"/>
+                </a:lnTo>
+                <a:lnTo>
+                  <a:pt x="332466" y="1952216"/>
+                </a:lnTo>
+                <a:lnTo>
+                  <a:pt x="319121" y="1833776"/>
+                </a:lnTo>
+                <a:lnTo>
+                  <a:pt x="304408" y="1713948"/>
+                </a:lnTo>
+                <a:lnTo>
+                  <a:pt x="288685" y="1592703"/>
+                </a:lnTo>
+                <a:lnTo>
+                  <a:pt x="273050" y="1471451"/>
+                </a:lnTo>
+                <a:lnTo>
+                  <a:pt x="255813" y="1350328"/>
+                </a:lnTo>
+                <a:lnTo>
+                  <a:pt x="237060" y="1227080"/>
+                </a:lnTo>
+                <a:lnTo>
+                  <a:pt x="218488" y="1106065"/>
+                </a:lnTo>
+                <a:lnTo>
+                  <a:pt x="198221" y="982940"/>
+                </a:lnTo>
+                <a:lnTo>
+                  <a:pt x="177152" y="858755"/>
+                </a:lnTo>
+                <a:lnTo>
+                  <a:pt x="155551" y="736861"/>
+                </a:lnTo>
+                <a:lnTo>
+                  <a:pt x="131782" y="613645"/>
+                </a:lnTo>
+                <a:lnTo>
+                  <a:pt x="107123" y="490500"/>
+                </a:lnTo>
+                <a:lnTo>
+                  <a:pt x="82552" y="367348"/>
+                </a:lnTo>
+                <a:lnTo>
+                  <a:pt x="55608" y="244762"/>
+                </a:lnTo>
+                <a:lnTo>
+                  <a:pt x="28130" y="122220"/>
+                </a:lnTo>
+                <a:lnTo>
+                  <a:pt x="0" y="0"/>
+                </a:lnTo>
+                <a:close/>
+              </a:path>
+            </a:pathLst>
+          </a:custGeom>
+          <a:solidFill>
+            <a:schemeClr val="bg1">
+              <a:alpha val="20000"/>
+            </a:schemeClr>
+          </a:solidFill>
+          <a:ln>
+            <a:noFill/>
+          </a:ln>
+        </p:spPr>
+        <p:txBody>
+          <a:bodyPr rtlCol="0" anchor="ctr"/>
+          <a:lstStyle/>
+          <a:p>
+            <a:pPr algn="ctr"/>
+            <a:endParaRPr lang="en-US"/>
+          </a:p>
+        </p:txBody>
+      </p:sp>
+      <p:sp useBgFill="1">
+        <p:nvSpPr>
+          <p:cNvPr id="17" name="Freeform: Shape 16">
+            <a:extLst>
+              <a:ext uri="{FF2B5EF4-FFF2-40B4-BE49-F238E27FC236}">
+                <a16:creationId xmlns:a16="http://schemas.microsoft.com/office/drawing/2014/main" id="{70151CB7-E7DE-4917-B831-01DF9CE01306}"/>
+              </a:ext>
+              <a:ext uri="{C183D7F6-B498-43B3-948B-1728B52AA6E4}">
+                <adec:decorative xmlns:adec="http://schemas.microsoft.com/office/drawing/2017/decorative" val="1"/>
+              </a:ext>
+            </a:extLst>
+          </p:cNvPr>
+          <p:cNvSpPr>
+            <a:spLocks noGrp="1" noRot="1" noChangeAspect="1" noMove="1" noResize="1" noEditPoints="1" noAdjustHandles="1" noChangeArrowheads="1" noChangeShapeType="1" noTextEdit="1"/>
+          </p:cNvSpPr>
+          <p:nvPr>
+            <p:extLst>
+              <p:ext uri="{386F3935-93C4-4BCD-93E2-E3B085C9AB24}">
+                <p16:designElem xmlns:p16="http://schemas.microsoft.com/office/powerpoint/2015/main" val="1"/>
+              </p:ext>
+            </p:extLst>
+          </p:nvPr>
+        </p:nvSpPr>
+        <p:spPr bwMode="gray">
+          <a:xfrm rot="16200000">
+            <a:off x="5270819" y="-63600"/>
+            <a:ext cx="6858001" cy="6985200"/>
+          </a:xfrm>
+          <a:custGeom>
+            <a:avLst/>
+            <a:gdLst>
+              <a:gd name="connsiteX0" fmla="*/ 6858001 w 6858001"/>
+              <a:gd name="connsiteY0" fmla="*/ 1177 h 6985200"/>
+              <a:gd name="connsiteX1" fmla="*/ 6858001 w 6858001"/>
+              <a:gd name="connsiteY1" fmla="*/ 1344715 h 6985200"/>
+              <a:gd name="connsiteX2" fmla="*/ 6858000 w 6858001"/>
+              <a:gd name="connsiteY2" fmla="*/ 1344715 h 6985200"/>
+              <a:gd name="connsiteX3" fmla="*/ 6858000 w 6858001"/>
+              <a:gd name="connsiteY3" fmla="*/ 6985200 h 6985200"/>
+              <a:gd name="connsiteX4" fmla="*/ 0 w 6858001"/>
+              <a:gd name="connsiteY4" fmla="*/ 6985199 h 6985200"/>
+              <a:gd name="connsiteX5" fmla="*/ 0 w 6858001"/>
+              <a:gd name="connsiteY5" fmla="*/ 886772 h 6985200"/>
+              <a:gd name="connsiteX6" fmla="*/ 1 w 6858001"/>
+              <a:gd name="connsiteY6" fmla="*/ 886772 h 6985200"/>
+              <a:gd name="connsiteX7" fmla="*/ 1 w 6858001"/>
+              <a:gd name="connsiteY7" fmla="*/ 0 h 6985200"/>
+              <a:gd name="connsiteX8" fmla="*/ 40463 w 6858001"/>
+              <a:gd name="connsiteY8" fmla="*/ 5883 h 6985200"/>
+              <a:gd name="connsiteX9" fmla="*/ 159107 w 6858001"/>
+              <a:gd name="connsiteY9" fmla="*/ 23196 h 6985200"/>
+              <a:gd name="connsiteX10" fmla="*/ 245518 w 6858001"/>
+              <a:gd name="connsiteY10" fmla="*/ 35299 h 6985200"/>
+              <a:gd name="connsiteX11" fmla="*/ 348388 w 6858001"/>
+              <a:gd name="connsiteY11" fmla="*/ 48073 h 6985200"/>
+              <a:gd name="connsiteX12" fmla="*/ 470460 w 6858001"/>
+              <a:gd name="connsiteY12" fmla="*/ 63369 h 6985200"/>
+              <a:gd name="connsiteX13" fmla="*/ 605563 w 6858001"/>
+              <a:gd name="connsiteY13" fmla="*/ 79506 h 6985200"/>
+              <a:gd name="connsiteX14" fmla="*/ 757810 w 6858001"/>
+              <a:gd name="connsiteY14" fmla="*/ 96483 h 6985200"/>
+              <a:gd name="connsiteX15" fmla="*/ 923774 w 6858001"/>
+              <a:gd name="connsiteY15" fmla="*/ 114469 h 6985200"/>
+              <a:gd name="connsiteX16" fmla="*/ 1104139 w 6858001"/>
+              <a:gd name="connsiteY16" fmla="*/ 132454 h 6985200"/>
+              <a:gd name="connsiteX17" fmla="*/ 1296163 w 6858001"/>
+              <a:gd name="connsiteY17" fmla="*/ 150776 h 6985200"/>
+              <a:gd name="connsiteX18" fmla="*/ 1503275 w 6858001"/>
+              <a:gd name="connsiteY18" fmla="*/ 167753 h 6985200"/>
+              <a:gd name="connsiteX19" fmla="*/ 1719988 w 6858001"/>
+              <a:gd name="connsiteY19" fmla="*/ 184058 h 6985200"/>
+              <a:gd name="connsiteX20" fmla="*/ 1949045 w 6858001"/>
+              <a:gd name="connsiteY20" fmla="*/ 198849 h 6985200"/>
+              <a:gd name="connsiteX21" fmla="*/ 2187703 w 6858001"/>
+              <a:gd name="connsiteY21" fmla="*/ 212969 h 6985200"/>
+              <a:gd name="connsiteX22" fmla="*/ 2436649 w 6858001"/>
+              <a:gd name="connsiteY22" fmla="*/ 226248 h 6985200"/>
+              <a:gd name="connsiteX23" fmla="*/ 2564208 w 6858001"/>
+              <a:gd name="connsiteY23" fmla="*/ 230955 h 6985200"/>
+              <a:gd name="connsiteX24" fmla="*/ 2694509 w 6858001"/>
+              <a:gd name="connsiteY24" fmla="*/ 236165 h 6985200"/>
+              <a:gd name="connsiteX25" fmla="*/ 2826869 w 6858001"/>
+              <a:gd name="connsiteY25" fmla="*/ 241040 h 6985200"/>
+              <a:gd name="connsiteX26" fmla="*/ 2959914 w 6858001"/>
+              <a:gd name="connsiteY26" fmla="*/ 244234 h 6985200"/>
+              <a:gd name="connsiteX27" fmla="*/ 3095702 w 6858001"/>
+              <a:gd name="connsiteY27" fmla="*/ 247091 h 6985200"/>
+              <a:gd name="connsiteX28" fmla="*/ 3232862 w 6858001"/>
+              <a:gd name="connsiteY28" fmla="*/ 250117 h 6985200"/>
+              <a:gd name="connsiteX29" fmla="*/ 3372766 w 6858001"/>
+              <a:gd name="connsiteY29" fmla="*/ 252134 h 6985200"/>
+              <a:gd name="connsiteX30" fmla="*/ 3514040 w 6858001"/>
+              <a:gd name="connsiteY30" fmla="*/ 252134 h 6985200"/>
+              <a:gd name="connsiteX31" fmla="*/ 3656686 w 6858001"/>
+              <a:gd name="connsiteY31" fmla="*/ 253142 h 6985200"/>
+              <a:gd name="connsiteX32" fmla="*/ 3800705 w 6858001"/>
+              <a:gd name="connsiteY32" fmla="*/ 252134 h 6985200"/>
+              <a:gd name="connsiteX33" fmla="*/ 3946780 w 6858001"/>
+              <a:gd name="connsiteY33" fmla="*/ 250117 h 6985200"/>
+              <a:gd name="connsiteX34" fmla="*/ 4092856 w 6858001"/>
+              <a:gd name="connsiteY34" fmla="*/ 248268 h 6985200"/>
+              <a:gd name="connsiteX35" fmla="*/ 4240988 w 6858001"/>
+              <a:gd name="connsiteY35" fmla="*/ 244234 h 6985200"/>
+              <a:gd name="connsiteX36" fmla="*/ 4390492 w 6858001"/>
+              <a:gd name="connsiteY36" fmla="*/ 240032 h 6985200"/>
+              <a:gd name="connsiteX37" fmla="*/ 4539997 w 6858001"/>
+              <a:gd name="connsiteY37" fmla="*/ 235157 h 6985200"/>
+              <a:gd name="connsiteX38" fmla="*/ 4690873 w 6858001"/>
+              <a:gd name="connsiteY38" fmla="*/ 228266 h 6985200"/>
+              <a:gd name="connsiteX39" fmla="*/ 4843120 w 6858001"/>
+              <a:gd name="connsiteY39" fmla="*/ 220029 h 6985200"/>
+              <a:gd name="connsiteX40" fmla="*/ 4996054 w 6858001"/>
+              <a:gd name="connsiteY40" fmla="*/ 212129 h 6985200"/>
+              <a:gd name="connsiteX41" fmla="*/ 5148987 w 6858001"/>
+              <a:gd name="connsiteY41" fmla="*/ 202044 h 6985200"/>
+              <a:gd name="connsiteX42" fmla="*/ 5303978 w 6858001"/>
+              <a:gd name="connsiteY42" fmla="*/ 189941 h 6985200"/>
+              <a:gd name="connsiteX43" fmla="*/ 5456911 w 6858001"/>
+              <a:gd name="connsiteY43" fmla="*/ 177839 h 6985200"/>
+              <a:gd name="connsiteX44" fmla="*/ 5612588 w 6858001"/>
+              <a:gd name="connsiteY44" fmla="*/ 163887 h 6985200"/>
+              <a:gd name="connsiteX45" fmla="*/ 5768950 w 6858001"/>
+              <a:gd name="connsiteY45" fmla="*/ 148591 h 6985200"/>
+              <a:gd name="connsiteX46" fmla="*/ 5923255 w 6858001"/>
+              <a:gd name="connsiteY46" fmla="*/ 132455 h 6985200"/>
+              <a:gd name="connsiteX47" fmla="*/ 6079618 w 6858001"/>
+              <a:gd name="connsiteY47" fmla="*/ 113629 h 6985200"/>
+              <a:gd name="connsiteX48" fmla="*/ 6235294 w 6858001"/>
+              <a:gd name="connsiteY48" fmla="*/ 93458 h 6985200"/>
+              <a:gd name="connsiteX49" fmla="*/ 6391657 w 6858001"/>
+              <a:gd name="connsiteY49" fmla="*/ 73455 h 6985200"/>
+              <a:gd name="connsiteX50" fmla="*/ 6547333 w 6858001"/>
+              <a:gd name="connsiteY50" fmla="*/ 50091 h 6985200"/>
+              <a:gd name="connsiteX51" fmla="*/ 6702324 w 6858001"/>
+              <a:gd name="connsiteY51" fmla="*/ 26222 h 6985200"/>
+            </a:gdLst>
+            <a:ahLst/>
+            <a:cxnLst>
+              <a:cxn ang="0">
+                <a:pos x="connsiteX0" y="connsiteY0"/>
+              </a:cxn>
+              <a:cxn ang="0">
+                <a:pos x="connsiteX1" y="connsiteY1"/>
+              </a:cxn>
+              <a:cxn ang="0">
+                <a:pos x="connsiteX2" y="connsiteY2"/>
+              </a:cxn>
+              <a:cxn ang="0">
+                <a:pos x="connsiteX3" y="connsiteY3"/>
+              </a:cxn>
+              <a:cxn ang="0">
+                <a:pos x="connsiteX4" y="connsiteY4"/>
+              </a:cxn>
+              <a:cxn ang="0">
+                <a:pos x="connsiteX5" y="connsiteY5"/>
+              </a:cxn>
+              <a:cxn ang="0">
+                <a:pos x="connsiteX6" y="connsiteY6"/>
+              </a:cxn>
+              <a:cxn ang="0">
+                <a:pos x="connsiteX7" y="connsiteY7"/>
+              </a:cxn>
+              <a:cxn ang="0">
+                <a:pos x="connsiteX8" y="connsiteY8"/>
+              </a:cxn>
+              <a:cxn ang="0">
+                <a:pos x="connsiteX9" y="connsiteY9"/>
+              </a:cxn>
+              <a:cxn ang="0">
+                <a:pos x="connsiteX10" y="connsiteY10"/>
+              </a:cxn>
+              <a:cxn ang="0">
+                <a:pos x="connsiteX11" y="connsiteY11"/>
+              </a:cxn>
+              <a:cxn ang="0">
+                <a:pos x="connsiteX12" y="connsiteY12"/>
+              </a:cxn>
+              <a:cxn ang="0">
+                <a:pos x="connsiteX13" y="connsiteY13"/>
+              </a:cxn>
+              <a:cxn ang="0">
+                <a:pos x="connsiteX14" y="connsiteY14"/>
+              </a:cxn>
+              <a:cxn ang="0">
+                <a:pos x="connsiteX15" y="connsiteY15"/>
+              </a:cxn>
+              <a:cxn ang="0">
+                <a:pos x="connsiteX16" y="connsiteY16"/>
+              </a:cxn>
+              <a:cxn ang="0">
+                <a:pos x="connsiteX17" y="connsiteY17"/>
+              </a:cxn>
+              <a:cxn ang="0">
+                <a:pos x="connsiteX18" y="connsiteY18"/>
+              </a:cxn>
+              <a:cxn ang="0">
+                <a:pos x="connsiteX19" y="connsiteY19"/>
+              </a:cxn>
+              <a:cxn ang="0">
+                <a:pos x="connsiteX20" y="connsiteY20"/>
+              </a:cxn>
+              <a:cxn ang="0">
+                <a:pos x="connsiteX21" y="connsiteY21"/>
+              </a:cxn>
+              <a:cxn ang="0">
+                <a:pos x="connsiteX22" y="connsiteY22"/>
+              </a:cxn>
+              <a:cxn ang="0">
+                <a:pos x="connsiteX23" y="connsiteY23"/>
+              </a:cxn>
+              <a:cxn ang="0">
+                <a:pos x="connsiteX24" y="connsiteY24"/>
+              </a:cxn>
+              <a:cxn ang="0">
+                <a:pos x="connsiteX25" y="connsiteY25"/>
+              </a:cxn>
+              <a:cxn ang="0">
+                <a:pos x="connsiteX26" y="connsiteY26"/>
+              </a:cxn>
+              <a:cxn ang="0">
+                <a:pos x="connsiteX27" y="connsiteY27"/>
+              </a:cxn>
+              <a:cxn ang="0">
+                <a:pos x="connsiteX28" y="connsiteY28"/>
+              </a:cxn>
+              <a:cxn ang="0">
+                <a:pos x="connsiteX29" y="connsiteY29"/>
+              </a:cxn>
+              <a:cxn ang="0">
+                <a:pos x="connsiteX30" y="connsiteY30"/>
+              </a:cxn>
+              <a:cxn ang="0">
+                <a:pos x="connsiteX31" y="connsiteY31"/>
+              </a:cxn>
+              <a:cxn ang="0">
+                <a:pos x="connsiteX32" y="connsiteY32"/>
+              </a:cxn>
+              <a:cxn ang="0">
+                <a:pos x="connsiteX33" y="connsiteY33"/>
+              </a:cxn>
+              <a:cxn ang="0">
+                <a:pos x="connsiteX34" y="connsiteY34"/>
+              </a:cxn>
+              <a:cxn ang="0">
+                <a:pos x="connsiteX35" y="connsiteY35"/>
+              </a:cxn>
+              <a:cxn ang="0">
+                <a:pos x="connsiteX36" y="connsiteY36"/>
+              </a:cxn>
+              <a:cxn ang="0">
+                <a:pos x="connsiteX37" y="connsiteY37"/>
+              </a:cxn>
+              <a:cxn ang="0">
+                <a:pos x="connsiteX38" y="connsiteY38"/>
+              </a:cxn>
+              <a:cxn ang="0">
+                <a:pos x="connsiteX39" y="connsiteY39"/>
+              </a:cxn>
+              <a:cxn ang="0">
+                <a:pos x="connsiteX40" y="connsiteY40"/>
+              </a:cxn>
+              <a:cxn ang="0">
+                <a:pos x="connsiteX41" y="connsiteY41"/>
+              </a:cxn>
+              <a:cxn ang="0">
+                <a:pos x="connsiteX42" y="connsiteY42"/>
+              </a:cxn>
+              <a:cxn ang="0">
+                <a:pos x="connsiteX43" y="connsiteY43"/>
+              </a:cxn>
+              <a:cxn ang="0">
+                <a:pos x="connsiteX44" y="connsiteY44"/>
+              </a:cxn>
+              <a:cxn ang="0">
+                <a:pos x="connsiteX45" y="connsiteY45"/>
+              </a:cxn>
+              <a:cxn ang="0">
+                <a:pos x="connsiteX46" y="connsiteY46"/>
+              </a:cxn>
+              <a:cxn ang="0">
+                <a:pos x="connsiteX47" y="connsiteY47"/>
+              </a:cxn>
+              <a:cxn ang="0">
+                <a:pos x="connsiteX48" y="connsiteY48"/>
+              </a:cxn>
+              <a:cxn ang="0">
+                <a:pos x="connsiteX49" y="connsiteY49"/>
+              </a:cxn>
+              <a:cxn ang="0">
+                <a:pos x="connsiteX50" y="connsiteY50"/>
+              </a:cxn>
+              <a:cxn ang="0">
+                <a:pos x="connsiteX51" y="connsiteY51"/>
+              </a:cxn>
+            </a:cxnLst>
+            <a:rect l="l" t="t" r="r" b="b"/>
+            <a:pathLst>
+              <a:path w="6858001" h="6985200">
+                <a:moveTo>
+                  <a:pt x="6858001" y="1177"/>
+                </a:moveTo>
+                <a:lnTo>
+                  <a:pt x="6858001" y="1344715"/>
+                </a:lnTo>
+                <a:lnTo>
+                  <a:pt x="6858000" y="1344715"/>
+                </a:lnTo>
+                <a:lnTo>
+                  <a:pt x="6858000" y="6985200"/>
+                </a:lnTo>
+                <a:lnTo>
+                  <a:pt x="0" y="6985199"/>
+                </a:lnTo>
+                <a:lnTo>
+                  <a:pt x="0" y="886772"/>
+                </a:lnTo>
+                <a:lnTo>
+                  <a:pt x="1" y="886772"/>
+                </a:lnTo>
+                <a:lnTo>
+                  <a:pt x="1" y="0"/>
+                </a:lnTo>
+                <a:lnTo>
+                  <a:pt x="40463" y="5883"/>
+                </a:lnTo>
+                <a:lnTo>
+                  <a:pt x="159107" y="23196"/>
+                </a:lnTo>
+                <a:lnTo>
+                  <a:pt x="245518" y="35299"/>
+                </a:lnTo>
+                <a:lnTo>
+                  <a:pt x="348388" y="48073"/>
+                </a:lnTo>
+                <a:lnTo>
+                  <a:pt x="470460" y="63369"/>
+                </a:lnTo>
+                <a:lnTo>
+                  <a:pt x="605563" y="79506"/>
+                </a:lnTo>
+                <a:lnTo>
+                  <a:pt x="757810" y="96483"/>
+                </a:lnTo>
+                <a:lnTo>
+                  <a:pt x="923774" y="114469"/>
+                </a:lnTo>
+                <a:lnTo>
+                  <a:pt x="1104139" y="132454"/>
+                </a:lnTo>
+                <a:lnTo>
+                  <a:pt x="1296163" y="150776"/>
+                </a:lnTo>
+                <a:lnTo>
+                  <a:pt x="1503275" y="167753"/>
+                </a:lnTo>
+                <a:lnTo>
+                  <a:pt x="1719988" y="184058"/>
+                </a:lnTo>
+                <a:lnTo>
+                  <a:pt x="1949045" y="198849"/>
+                </a:lnTo>
+                <a:lnTo>
+                  <a:pt x="2187703" y="212969"/>
+                </a:lnTo>
+                <a:lnTo>
+                  <a:pt x="2436649" y="226248"/>
+                </a:lnTo>
+                <a:lnTo>
+                  <a:pt x="2564208" y="230955"/>
+                </a:lnTo>
+                <a:lnTo>
+                  <a:pt x="2694509" y="236165"/>
+                </a:lnTo>
+                <a:lnTo>
+                  <a:pt x="2826869" y="241040"/>
+                </a:lnTo>
+                <a:lnTo>
+                  <a:pt x="2959914" y="244234"/>
+                </a:lnTo>
+                <a:lnTo>
+                  <a:pt x="3095702" y="247091"/>
+                </a:lnTo>
+                <a:lnTo>
+                  <a:pt x="3232862" y="250117"/>
+                </a:lnTo>
+                <a:lnTo>
+                  <a:pt x="3372766" y="252134"/>
+                </a:lnTo>
+                <a:lnTo>
+                  <a:pt x="3514040" y="252134"/>
+                </a:lnTo>
+                <a:lnTo>
+                  <a:pt x="3656686" y="253142"/>
+                </a:lnTo>
+                <a:lnTo>
+                  <a:pt x="3800705" y="252134"/>
+                </a:lnTo>
+                <a:lnTo>
+                  <a:pt x="3946780" y="250117"/>
+                </a:lnTo>
+                <a:lnTo>
+                  <a:pt x="4092856" y="248268"/>
+                </a:lnTo>
+                <a:lnTo>
+                  <a:pt x="4240988" y="244234"/>
+                </a:lnTo>
+                <a:lnTo>
+                  <a:pt x="4390492" y="240032"/>
+                </a:lnTo>
+                <a:lnTo>
+                  <a:pt x="4539997" y="235157"/>
+                </a:lnTo>
+                <a:lnTo>
+                  <a:pt x="4690873" y="228266"/>
+                </a:lnTo>
+                <a:lnTo>
+                  <a:pt x="4843120" y="220029"/>
+                </a:lnTo>
+                <a:lnTo>
+                  <a:pt x="4996054" y="212129"/>
+                </a:lnTo>
+                <a:lnTo>
+                  <a:pt x="5148987" y="202044"/>
+                </a:lnTo>
+                <a:lnTo>
+                  <a:pt x="5303978" y="189941"/>
+                </a:lnTo>
+                <a:lnTo>
+                  <a:pt x="5456911" y="177839"/>
+                </a:lnTo>
+                <a:lnTo>
+                  <a:pt x="5612588" y="163887"/>
+                </a:lnTo>
+                <a:lnTo>
+                  <a:pt x="5768950" y="148591"/>
+                </a:lnTo>
+                <a:lnTo>
+                  <a:pt x="5923255" y="132455"/>
+                </a:lnTo>
+                <a:lnTo>
+                  <a:pt x="6079618" y="113629"/>
+                </a:lnTo>
+                <a:lnTo>
+                  <a:pt x="6235294" y="93458"/>
+                </a:lnTo>
+                <a:lnTo>
+                  <a:pt x="6391657" y="73455"/>
+                </a:lnTo>
+                <a:lnTo>
+                  <a:pt x="6547333" y="50091"/>
+                </a:lnTo>
+                <a:lnTo>
+                  <a:pt x="6702324" y="26222"/>
+                </a:lnTo>
+                <a:close/>
+              </a:path>
+            </a:pathLst>
+          </a:custGeom>
+          <a:ln>
+            <a:noFill/>
+          </a:ln>
+        </p:spPr>
+      </p:sp>
+      <p:pic>
+        <p:nvPicPr>
           <p:cNvPr id="6" name="Kép 6">
             <a:extLst>
               <a:ext uri="{FF2B5EF4-FFF2-40B4-BE49-F238E27FC236}">
@@ -11712,7 +14093,7 @@
               </a:rPr>
               <a:t>Operating sensor </a:t>
             </a:r>
-            <a:endParaRPr lang="hu-HU"/>
+            <a:endParaRPr lang="hu-HU" dirty="0"/>
           </a:p>
           <a:p>
             <a:pPr>
@@ -11918,7 +14299,7 @@
 </p:sld>
 </file>
 
-<file path=ppt/slides/slide4.xml><?xml version="1.0" encoding="utf-8"?>
+<file path=ppt/slides/slide6.xml><?xml version="1.0" encoding="utf-8"?>
 <p:sld xmlns:a="http://schemas.openxmlformats.org/drawingml/2006/main" xmlns:r="http://schemas.openxmlformats.org/officeDocument/2006/relationships" xmlns:p="http://schemas.openxmlformats.org/presentationml/2006/main">
   <p:cSld>
     <p:bg>
@@ -11973,8 +14354,8 @@
         </p:nvSpPr>
         <p:spPr>
           <a:xfrm>
-            <a:off x="3978349" y="522767"/>
-            <a:ext cx="6370673" cy="6273208"/>
+            <a:off x="3489961" y="152400"/>
+            <a:ext cx="6859062" cy="6643575"/>
           </a:xfrm>
           <a:prstGeom prst="roundRect">
             <a:avLst/>
@@ -12032,8 +14413,8 @@
         </p:nvSpPr>
         <p:spPr>
           <a:xfrm>
-            <a:off x="613260" y="2485853"/>
-            <a:ext cx="5812970" cy="944620"/>
+            <a:off x="612421" y="1419052"/>
+            <a:ext cx="3063764" cy="3274867"/>
           </a:xfrm>
         </p:spPr>
         <p:txBody>
@@ -12043,9 +14424,18 @@
           <a:lstStyle/>
           <a:p>
             <a:r>
-              <a:rPr lang="hu-HU" sz="4200" b="1" dirty="0"/>
-              <a:t>Data flow I.</a:t>
-            </a:r>
+              <a:rPr lang="en-US" sz="4200" b="1" dirty="0"/>
+              <a:t>F</a:t>
+            </a:r>
+            <a:r>
+              <a:rPr lang="hu-HU" sz="4200" b="1" dirty="0" err="1"/>
+              <a:t>low</a:t>
+            </a:r>
+            <a:r>
+              <a:rPr lang="en-US" sz="4200" b="1" dirty="0"/>
+              <a:t> of distance data </a:t>
+            </a:r>
+            <a:endParaRPr lang="hu-HU" sz="4200" b="1" dirty="0"/>
           </a:p>
         </p:txBody>
       </p:sp>
@@ -12071,8 +14461,8 @@
         </p:blipFill>
         <p:spPr>
           <a:xfrm>
-            <a:off x="4450493" y="776348"/>
-            <a:ext cx="5597204" cy="5760061"/>
+            <a:off x="3992880" y="305420"/>
+            <a:ext cx="6054817" cy="6230989"/>
           </a:xfrm>
           <a:prstGeom prst="rect">
             <a:avLst/>
@@ -12082,53 +14472,40 @@
       </p:pic>
       <p:sp>
         <p:nvSpPr>
-          <p:cNvPr id="4" name="Téglalap 3">
+          <p:cNvPr id="5" name="Szövegdoboz 4">
             <a:extLst>
               <a:ext uri="{FF2B5EF4-FFF2-40B4-BE49-F238E27FC236}">
-                <a16:creationId xmlns:a16="http://schemas.microsoft.com/office/drawing/2014/main" id="{0025BB2D-3F2D-FBD5-B4DC-0CC77C90F6A5}"/>
+                <a16:creationId xmlns:a16="http://schemas.microsoft.com/office/drawing/2014/main" id="{90352B35-6092-4D78-A5A2-8F78A5F352D1}"/>
               </a:ext>
             </a:extLst>
           </p:cNvPr>
-          <p:cNvSpPr/>
+          <p:cNvSpPr txBox="1"/>
           <p:nvPr/>
         </p:nvSpPr>
         <p:spPr>
           <a:xfrm>
-            <a:off x="6095999" y="779721"/>
-            <a:ext cx="1807535" cy="416441"/>
+            <a:off x="6522720" y="6426643"/>
+            <a:ext cx="2286000" cy="307777"/>
           </a:xfrm>
           <a:prstGeom prst="rect">
             <a:avLst/>
           </a:prstGeom>
-          <a:solidFill>
-            <a:srgbClr val="F5E9C4"/>
-          </a:solidFill>
-          <a:ln>
-            <a:noFill/>
-          </a:ln>
+          <a:noFill/>
         </p:spPr>
-        <p:style>
-          <a:lnRef idx="2">
-            <a:schemeClr val="accent1">
-              <a:shade val="50000"/>
-            </a:schemeClr>
-          </a:lnRef>
-          <a:fillRef idx="1">
-            <a:schemeClr val="accent1"/>
-          </a:fillRef>
-          <a:effectRef idx="0">
-            <a:schemeClr val="accent1"/>
-          </a:effectRef>
-          <a:fontRef idx="minor">
-            <a:schemeClr val="lt1"/>
-          </a:fontRef>
-        </p:style>
         <p:txBody>
-          <a:bodyPr rtlCol="0" anchor="ctr"/>
+          <a:bodyPr wrap="square" rtlCol="0">
+            <a:spAutoFit/>
+          </a:bodyPr>
           <a:lstStyle/>
           <a:p>
-            <a:pPr algn="ctr"/>
-            <a:endParaRPr lang="hu-HU"/>
+            <a:r>
+              <a:rPr lang="en-US" sz="1400" b="1" dirty="0">
+                <a:solidFill>
+                  <a:schemeClr val="bg1"/>
+                </a:solidFill>
+              </a:rPr>
+              <a:t>Whole subsystem</a:t>
+            </a:r>
           </a:p>
         </p:txBody>
       </p:sp>
@@ -12157,7 +14534,1006 @@
 </p:sld>
 </file>
 
-<file path=ppt/slides/slide5.xml><?xml version="1.0" encoding="utf-8"?>
+<file path=ppt/slides/slide7.xml><?xml version="1.0" encoding="utf-8"?>
+<p:sld xmlns:a="http://schemas.openxmlformats.org/drawingml/2006/main" xmlns:r="http://schemas.openxmlformats.org/officeDocument/2006/relationships" xmlns:p="http://schemas.openxmlformats.org/presentationml/2006/main">
+  <p:cSld>
+    <p:bg>
+      <p:bgPr>
+        <a:blipFill rotWithShape="1">
+          <a:blip r:embed="rId3">
+            <a:duotone>
+              <a:schemeClr val="bg2">
+                <a:shade val="69000"/>
+                <a:hueMod val="108000"/>
+                <a:satMod val="164000"/>
+                <a:lumMod val="74000"/>
+              </a:schemeClr>
+              <a:schemeClr val="bg2">
+                <a:tint val="96000"/>
+                <a:hueMod val="88000"/>
+                <a:satMod val="140000"/>
+                <a:lumMod val="132000"/>
+              </a:schemeClr>
+            </a:duotone>
+          </a:blip>
+          <a:stretch/>
+        </a:blipFill>
+        <a:effectLst/>
+      </p:bgPr>
+    </p:bg>
+    <p:spTree>
+      <p:nvGrpSpPr>
+        <p:cNvPr id="1" name=""/>
+        <p:cNvGrpSpPr/>
+        <p:nvPr/>
+      </p:nvGrpSpPr>
+      <p:grpSpPr>
+        <a:xfrm>
+          <a:off x="0" y="0"/>
+          <a:ext cx="0" cy="0"/>
+          <a:chOff x="0" y="0"/>
+          <a:chExt cx="0" cy="0"/>
+        </a:xfrm>
+      </p:grpSpPr>
+      <p:pic>
+        <p:nvPicPr>
+          <p:cNvPr id="31" name="Picture 30">
+            <a:extLst>
+              <a:ext uri="{FF2B5EF4-FFF2-40B4-BE49-F238E27FC236}">
+                <a16:creationId xmlns:a16="http://schemas.microsoft.com/office/drawing/2014/main" id="{41B68C77-138E-4BF7-A276-BD0C78A4219F}"/>
+              </a:ext>
+              <a:ext uri="{C183D7F6-B498-43B3-948B-1728B52AA6E4}">
+                <adec:decorative xmlns:adec="http://schemas.microsoft.com/office/drawing/2017/decorative" val="1"/>
+              </a:ext>
+            </a:extLst>
+          </p:cNvPr>
+          <p:cNvPicPr>
+            <a:picLocks noGrp="1" noRot="1" noChangeAspect="1" noMove="1" noResize="1" noEditPoints="1" noAdjustHandles="1" noChangeArrowheads="1" noChangeShapeType="1" noCrop="1"/>
+          </p:cNvPicPr>
+          <p:nvPr>
+            <p:extLst>
+              <p:ext uri="{386F3935-93C4-4BCD-93E2-E3B085C9AB24}">
+                <p16:designElem xmlns:p16="http://schemas.microsoft.com/office/powerpoint/2015/main" val="1"/>
+              </p:ext>
+            </p:extLst>
+          </p:nvPr>
+        </p:nvPicPr>
+        <p:blipFill rotWithShape="1">
+          <a:blip r:embed="rId4">
+            <a:extLst>
+              <a:ext uri="{28A0092B-C50C-407E-A947-70E740481C1C}">
+                <a14:useLocalDpi xmlns:a14="http://schemas.microsoft.com/office/drawing/2010/main" val="0"/>
+              </a:ext>
+            </a:extLst>
+          </a:blip>
+          <a:srcRect l="3613"/>
+          <a:stretch/>
+        </p:blipFill>
+        <p:spPr>
+          <a:xfrm>
+            <a:off x="0" y="2669685"/>
+            <a:ext cx="4037012" cy="4188315"/>
+          </a:xfrm>
+          <a:prstGeom prst="rect">
+            <a:avLst/>
+          </a:prstGeom>
+        </p:spPr>
+      </p:pic>
+      <p:pic>
+        <p:nvPicPr>
+          <p:cNvPr id="33" name="Picture 32">
+            <a:extLst>
+              <a:ext uri="{FF2B5EF4-FFF2-40B4-BE49-F238E27FC236}">
+                <a16:creationId xmlns:a16="http://schemas.microsoft.com/office/drawing/2014/main" id="{7C268552-D473-46ED-B1B8-422042C4DEF1}"/>
+              </a:ext>
+              <a:ext uri="{C183D7F6-B498-43B3-948B-1728B52AA6E4}">
+                <adec:decorative xmlns:adec="http://schemas.microsoft.com/office/drawing/2017/decorative" val="1"/>
+              </a:ext>
+            </a:extLst>
+          </p:cNvPr>
+          <p:cNvPicPr>
+            <a:picLocks noGrp="1" noRot="1" noChangeAspect="1" noMove="1" noResize="1" noEditPoints="1" noAdjustHandles="1" noChangeArrowheads="1" noChangeShapeType="1" noCrop="1"/>
+          </p:cNvPicPr>
+          <p:nvPr>
+            <p:extLst>
+              <p:ext uri="{386F3935-93C4-4BCD-93E2-E3B085C9AB24}">
+                <p16:designElem xmlns:p16="http://schemas.microsoft.com/office/powerpoint/2015/main" val="1"/>
+              </p:ext>
+            </p:extLst>
+          </p:nvPr>
+        </p:nvPicPr>
+        <p:blipFill rotWithShape="1">
+          <a:blip r:embed="rId5">
+            <a:extLst>
+              <a:ext uri="{28A0092B-C50C-407E-A947-70E740481C1C}">
+                <a14:useLocalDpi xmlns:a14="http://schemas.microsoft.com/office/drawing/2010/main" val="0"/>
+              </a:ext>
+            </a:extLst>
+          </a:blip>
+          <a:srcRect l="35640"/>
+          <a:stretch/>
+        </p:blipFill>
+        <p:spPr>
+          <a:xfrm>
+            <a:off x="0" y="2892347"/>
+            <a:ext cx="1522412" cy="2365453"/>
+          </a:xfrm>
+          <a:prstGeom prst="rect">
+            <a:avLst/>
+          </a:prstGeom>
+        </p:spPr>
+      </p:pic>
+      <p:sp>
+        <p:nvSpPr>
+          <p:cNvPr id="35" name="Oval 34">
+            <a:extLst>
+              <a:ext uri="{FF2B5EF4-FFF2-40B4-BE49-F238E27FC236}">
+                <a16:creationId xmlns:a16="http://schemas.microsoft.com/office/drawing/2014/main" id="{4AC0CD9D-7610-4620-93B4-798CCD9AB581}"/>
+              </a:ext>
+              <a:ext uri="{C183D7F6-B498-43B3-948B-1728B52AA6E4}">
+                <adec:decorative xmlns:adec="http://schemas.microsoft.com/office/drawing/2017/decorative" val="1"/>
+              </a:ext>
+            </a:extLst>
+          </p:cNvPr>
+          <p:cNvSpPr>
+            <a:spLocks noGrp="1" noRot="1" noChangeAspect="1" noMove="1" noResize="1" noEditPoints="1" noAdjustHandles="1" noChangeArrowheads="1" noChangeShapeType="1" noTextEdit="1"/>
+          </p:cNvSpPr>
+          <p:nvPr>
+            <p:extLst>
+              <p:ext uri="{386F3935-93C4-4BCD-93E2-E3B085C9AB24}">
+                <p16:designElem xmlns:p16="http://schemas.microsoft.com/office/powerpoint/2015/main" val="1"/>
+              </p:ext>
+            </p:extLst>
+          </p:nvPr>
+        </p:nvSpPr>
+        <p:spPr>
+          <a:xfrm>
+            <a:off x="8609012" y="1676400"/>
+            <a:ext cx="2819400" cy="2819400"/>
+          </a:xfrm>
+          <a:prstGeom prst="ellipse">
+            <a:avLst/>
+          </a:prstGeom>
+          <a:gradFill flip="none" rotWithShape="1">
+            <a:gsLst>
+              <a:gs pos="0">
+                <a:schemeClr val="bg2">
+                  <a:lumMod val="60000"/>
+                  <a:lumOff val="40000"/>
+                  <a:alpha val="7000"/>
+                </a:schemeClr>
+              </a:gs>
+              <a:gs pos="69000">
+                <a:schemeClr val="bg2">
+                  <a:lumMod val="60000"/>
+                  <a:lumOff val="40000"/>
+                  <a:alpha val="0"/>
+                </a:schemeClr>
+              </a:gs>
+              <a:gs pos="36000">
+                <a:schemeClr val="bg2">
+                  <a:lumMod val="60000"/>
+                  <a:lumOff val="40000"/>
+                  <a:alpha val="6000"/>
+                </a:schemeClr>
+              </a:gs>
+            </a:gsLst>
+            <a:path path="circle">
+              <a:fillToRect l="50000" t="50000" r="50000" b="50000"/>
+            </a:path>
+            <a:tileRect/>
+          </a:gradFill>
+          <a:ln>
+            <a:noFill/>
+          </a:ln>
+          <a:effectLst/>
+        </p:spPr>
+        <p:style>
+          <a:lnRef idx="1">
+            <a:schemeClr val="accent1"/>
+          </a:lnRef>
+          <a:fillRef idx="3">
+            <a:schemeClr val="accent1"/>
+          </a:fillRef>
+          <a:effectRef idx="2">
+            <a:schemeClr val="accent1"/>
+          </a:effectRef>
+          <a:fontRef idx="minor">
+            <a:schemeClr val="lt1"/>
+          </a:fontRef>
+        </p:style>
+      </p:sp>
+      <p:pic>
+        <p:nvPicPr>
+          <p:cNvPr id="37" name="Picture 36">
+            <a:extLst>
+              <a:ext uri="{FF2B5EF4-FFF2-40B4-BE49-F238E27FC236}">
+                <a16:creationId xmlns:a16="http://schemas.microsoft.com/office/drawing/2014/main" id="{B9238B3E-24AA-439A-B527-6C5DF6D72145}"/>
+              </a:ext>
+              <a:ext uri="{C183D7F6-B498-43B3-948B-1728B52AA6E4}">
+                <adec:decorative xmlns:adec="http://schemas.microsoft.com/office/drawing/2017/decorative" val="1"/>
+              </a:ext>
+            </a:extLst>
+          </p:cNvPr>
+          <p:cNvPicPr>
+            <a:picLocks noGrp="1" noRot="1" noChangeAspect="1" noMove="1" noResize="1" noEditPoints="1" noAdjustHandles="1" noChangeArrowheads="1" noChangeShapeType="1" noCrop="1"/>
+          </p:cNvPicPr>
+          <p:nvPr>
+            <p:extLst>
+              <p:ext uri="{386F3935-93C4-4BCD-93E2-E3B085C9AB24}">
+                <p16:designElem xmlns:p16="http://schemas.microsoft.com/office/powerpoint/2015/main" val="1"/>
+              </p:ext>
+            </p:extLst>
+          </p:nvPr>
+        </p:nvPicPr>
+        <p:blipFill rotWithShape="1">
+          <a:blip r:embed="rId6">
+            <a:extLst>
+              <a:ext uri="{28A0092B-C50C-407E-A947-70E740481C1C}">
+                <a14:useLocalDpi xmlns:a14="http://schemas.microsoft.com/office/drawing/2010/main" val="0"/>
+              </a:ext>
+            </a:extLst>
+          </a:blip>
+          <a:srcRect t="28813"/>
+          <a:stretch/>
+        </p:blipFill>
+        <p:spPr>
+          <a:xfrm>
+            <a:off x="7999412" y="0"/>
+            <a:ext cx="1603387" cy="1141407"/>
+          </a:xfrm>
+          <a:prstGeom prst="rect">
+            <a:avLst/>
+          </a:prstGeom>
+        </p:spPr>
+      </p:pic>
+      <p:pic>
+        <p:nvPicPr>
+          <p:cNvPr id="39" name="Picture 38">
+            <a:extLst>
+              <a:ext uri="{FF2B5EF4-FFF2-40B4-BE49-F238E27FC236}">
+                <a16:creationId xmlns:a16="http://schemas.microsoft.com/office/drawing/2014/main" id="{69F01145-BEA3-4CBF-AA21-10077B948CA8}"/>
+              </a:ext>
+              <a:ext uri="{C183D7F6-B498-43B3-948B-1728B52AA6E4}">
+                <adec:decorative xmlns:adec="http://schemas.microsoft.com/office/drawing/2017/decorative" val="1"/>
+              </a:ext>
+            </a:extLst>
+          </p:cNvPr>
+          <p:cNvPicPr>
+            <a:picLocks noGrp="1" noRot="1" noChangeAspect="1" noMove="1" noResize="1" noEditPoints="1" noAdjustHandles="1" noChangeArrowheads="1" noChangeShapeType="1" noCrop="1"/>
+          </p:cNvPicPr>
+          <p:nvPr>
+            <p:extLst>
+              <p:ext uri="{386F3935-93C4-4BCD-93E2-E3B085C9AB24}">
+                <p16:designElem xmlns:p16="http://schemas.microsoft.com/office/powerpoint/2015/main" val="1"/>
+              </p:ext>
+            </p:extLst>
+          </p:nvPr>
+        </p:nvPicPr>
+        <p:blipFill rotWithShape="1">
+          <a:blip r:embed="rId7">
+            <a:extLst>
+              <a:ext uri="{28A0092B-C50C-407E-A947-70E740481C1C}">
+                <a14:useLocalDpi xmlns:a14="http://schemas.microsoft.com/office/drawing/2010/main" val="0"/>
+              </a:ext>
+            </a:extLst>
+          </a:blip>
+          <a:srcRect b="23320"/>
+          <a:stretch/>
+        </p:blipFill>
+        <p:spPr>
+          <a:xfrm>
+            <a:off x="8605878" y="6096000"/>
+            <a:ext cx="993734" cy="762000"/>
+          </a:xfrm>
+          <a:prstGeom prst="rect">
+            <a:avLst/>
+          </a:prstGeom>
+        </p:spPr>
+      </p:pic>
+      <p:sp>
+        <p:nvSpPr>
+          <p:cNvPr id="41" name="Rectangle 40">
+            <a:extLst>
+              <a:ext uri="{FF2B5EF4-FFF2-40B4-BE49-F238E27FC236}">
+                <a16:creationId xmlns:a16="http://schemas.microsoft.com/office/drawing/2014/main" id="{DE4D62F9-188E-4530-84C2-24BDEE4BEB82}"/>
+              </a:ext>
+              <a:ext uri="{C183D7F6-B498-43B3-948B-1728B52AA6E4}">
+                <adec:decorative xmlns:adec="http://schemas.microsoft.com/office/drawing/2017/decorative" val="1"/>
+              </a:ext>
+            </a:extLst>
+          </p:cNvPr>
+          <p:cNvSpPr>
+            <a:spLocks noGrp="1" noRot="1" noChangeAspect="1" noMove="1" noResize="1" noEditPoints="1" noAdjustHandles="1" noChangeArrowheads="1" noChangeShapeType="1" noTextEdit="1"/>
+          </p:cNvSpPr>
+          <p:nvPr>
+            <p:extLst>
+              <p:ext uri="{386F3935-93C4-4BCD-93E2-E3B085C9AB24}">
+                <p16:designElem xmlns:p16="http://schemas.microsoft.com/office/powerpoint/2015/main" val="1"/>
+              </p:ext>
+            </p:extLst>
+          </p:nvPr>
+        </p:nvSpPr>
+        <p:spPr>
+          <a:xfrm>
+            <a:off x="10437812" y="0"/>
+            <a:ext cx="685800" cy="1143000"/>
+          </a:xfrm>
+          <a:prstGeom prst="rect">
+            <a:avLst/>
+          </a:prstGeom>
+          <a:solidFill>
+            <a:schemeClr val="accent1"/>
+          </a:solidFill>
+          <a:ln>
+            <a:noFill/>
+          </a:ln>
+        </p:spPr>
+        <p:style>
+          <a:lnRef idx="1">
+            <a:schemeClr val="accent1"/>
+          </a:lnRef>
+          <a:fillRef idx="3">
+            <a:schemeClr val="accent1"/>
+          </a:fillRef>
+          <a:effectRef idx="2">
+            <a:schemeClr val="accent1"/>
+          </a:effectRef>
+          <a:fontRef idx="minor">
+            <a:schemeClr val="lt1"/>
+          </a:fontRef>
+        </p:style>
+      </p:sp>
+      <p:sp>
+        <p:nvSpPr>
+          <p:cNvPr id="2" name="Cím 1">
+            <a:extLst>
+              <a:ext uri="{FF2B5EF4-FFF2-40B4-BE49-F238E27FC236}">
+                <a16:creationId xmlns:a16="http://schemas.microsoft.com/office/drawing/2014/main" id="{23B8E34F-8EBF-D87A-3C0F-14B0D0004FD6}"/>
+              </a:ext>
+            </a:extLst>
+          </p:cNvPr>
+          <p:cNvSpPr>
+            <a:spLocks noGrp="1"/>
+          </p:cNvSpPr>
+          <p:nvPr>
+            <p:ph type="title"/>
+          </p:nvPr>
+        </p:nvSpPr>
+        <p:spPr>
+          <a:xfrm>
+            <a:off x="139972" y="570703"/>
+            <a:ext cx="3956673" cy="3329581"/>
+          </a:xfrm>
+        </p:spPr>
+        <p:txBody>
+          <a:bodyPr vert="horz" lIns="91440" tIns="45720" rIns="91440" bIns="45720" rtlCol="0" anchor="b">
+            <a:normAutofit/>
+          </a:bodyPr>
+          <a:lstStyle/>
+          <a:p>
+            <a:r>
+              <a:rPr lang="en-US" sz="5000" b="1" i="0" kern="1200" dirty="0">
+                <a:solidFill>
+                  <a:schemeClr val="tx2"/>
+                </a:solidFill>
+                <a:latin typeface="+mj-lt"/>
+                <a:ea typeface="+mj-ea"/>
+                <a:cs typeface="+mj-cs"/>
+              </a:rPr>
+              <a:t>Speed system</a:t>
+            </a:r>
+          </a:p>
+        </p:txBody>
+      </p:sp>
+      <p:pic>
+        <p:nvPicPr>
+          <p:cNvPr id="13" name="Kép 13">
+            <a:extLst>
+              <a:ext uri="{FF2B5EF4-FFF2-40B4-BE49-F238E27FC236}">
+                <a16:creationId xmlns:a16="http://schemas.microsoft.com/office/drawing/2014/main" id="{8938549B-6EE2-053B-B052-D255FCC07B2F}"/>
+              </a:ext>
+            </a:extLst>
+          </p:cNvPr>
+          <p:cNvPicPr>
+            <a:picLocks noChangeAspect="1"/>
+          </p:cNvPicPr>
+          <p:nvPr/>
+        </p:nvPicPr>
+        <p:blipFill>
+          <a:blip r:embed="rId8"/>
+          <a:stretch>
+            <a:fillRect/>
+          </a:stretch>
+        </p:blipFill>
+        <p:spPr>
+          <a:xfrm>
+            <a:off x="2589201" y="-15240"/>
+            <a:ext cx="9726204" cy="6873240"/>
+          </a:xfrm>
+          <a:prstGeom prst="rect">
+            <a:avLst/>
+          </a:prstGeom>
+          <a:effectLst/>
+        </p:spPr>
+      </p:pic>
+      <p:sp>
+        <p:nvSpPr>
+          <p:cNvPr id="3" name="Téglalap 2">
+            <a:extLst>
+              <a:ext uri="{FF2B5EF4-FFF2-40B4-BE49-F238E27FC236}">
+                <a16:creationId xmlns:a16="http://schemas.microsoft.com/office/drawing/2014/main" id="{F197B9B4-55FC-C99B-2DFA-383014D049AE}"/>
+              </a:ext>
+            </a:extLst>
+          </p:cNvPr>
+          <p:cNvSpPr/>
+          <p:nvPr/>
+        </p:nvSpPr>
+        <p:spPr>
+          <a:xfrm>
+            <a:off x="4176984" y="2715405"/>
+            <a:ext cx="1449490" cy="1826115"/>
+          </a:xfrm>
+          <a:prstGeom prst="rect">
+            <a:avLst/>
+          </a:prstGeom>
+          <a:noFill/>
+          <a:ln w="28575"/>
+        </p:spPr>
+        <p:style>
+          <a:lnRef idx="2">
+            <a:schemeClr val="accent1">
+              <a:shade val="50000"/>
+            </a:schemeClr>
+          </a:lnRef>
+          <a:fillRef idx="1">
+            <a:schemeClr val="accent1"/>
+          </a:fillRef>
+          <a:effectRef idx="0">
+            <a:schemeClr val="accent1"/>
+          </a:effectRef>
+          <a:fontRef idx="minor">
+            <a:schemeClr val="lt1"/>
+          </a:fontRef>
+        </p:style>
+        <p:txBody>
+          <a:bodyPr rtlCol="0" anchor="ctr"/>
+          <a:lstStyle/>
+          <a:p>
+            <a:pPr algn="ctr"/>
+            <a:endParaRPr lang="en-US"/>
+          </a:p>
+        </p:txBody>
+      </p:sp>
+      <p:sp>
+        <p:nvSpPr>
+          <p:cNvPr id="4" name="Téglalap 3">
+            <a:extLst>
+              <a:ext uri="{FF2B5EF4-FFF2-40B4-BE49-F238E27FC236}">
+                <a16:creationId xmlns:a16="http://schemas.microsoft.com/office/drawing/2014/main" id="{7A43D71E-7070-A2E0-32DC-394118569556}"/>
+              </a:ext>
+            </a:extLst>
+          </p:cNvPr>
+          <p:cNvSpPr/>
+          <p:nvPr/>
+        </p:nvSpPr>
+        <p:spPr>
+          <a:xfrm>
+            <a:off x="6482850" y="2715405"/>
+            <a:ext cx="1449490" cy="1826115"/>
+          </a:xfrm>
+          <a:prstGeom prst="rect">
+            <a:avLst/>
+          </a:prstGeom>
+          <a:noFill/>
+          <a:ln w="28575"/>
+        </p:spPr>
+        <p:style>
+          <a:lnRef idx="2">
+            <a:schemeClr val="accent1">
+              <a:shade val="50000"/>
+            </a:schemeClr>
+          </a:lnRef>
+          <a:fillRef idx="1">
+            <a:schemeClr val="accent1"/>
+          </a:fillRef>
+          <a:effectRef idx="0">
+            <a:schemeClr val="accent1"/>
+          </a:effectRef>
+          <a:fontRef idx="minor">
+            <a:schemeClr val="lt1"/>
+          </a:fontRef>
+        </p:style>
+        <p:txBody>
+          <a:bodyPr rtlCol="0" anchor="ctr"/>
+          <a:lstStyle/>
+          <a:p>
+            <a:pPr algn="ctr"/>
+            <a:endParaRPr lang="en-US"/>
+          </a:p>
+        </p:txBody>
+      </p:sp>
+      <p:sp>
+        <p:nvSpPr>
+          <p:cNvPr id="5" name="Szövegdoboz 4">
+            <a:extLst>
+              <a:ext uri="{FF2B5EF4-FFF2-40B4-BE49-F238E27FC236}">
+                <a16:creationId xmlns:a16="http://schemas.microsoft.com/office/drawing/2014/main" id="{07124605-D865-32FD-E15B-D5A6925C9EE7}"/>
+              </a:ext>
+            </a:extLst>
+          </p:cNvPr>
+          <p:cNvSpPr txBox="1"/>
+          <p:nvPr/>
+        </p:nvSpPr>
+        <p:spPr>
+          <a:xfrm>
+            <a:off x="3758653" y="5693955"/>
+            <a:ext cx="2286152" cy="784830"/>
+          </a:xfrm>
+          <a:prstGeom prst="rect">
+            <a:avLst/>
+          </a:prstGeom>
+          <a:noFill/>
+          <a:ln w="28575">
+            <a:solidFill>
+              <a:srgbClr val="C00000"/>
+            </a:solidFill>
+          </a:ln>
+        </p:spPr>
+        <p:txBody>
+          <a:bodyPr wrap="square" rtlCol="0">
+            <a:spAutoFit/>
+          </a:bodyPr>
+          <a:lstStyle/>
+          <a:p>
+            <a:r>
+              <a:rPr lang="en-US" sz="1500" dirty="0">
+                <a:solidFill>
+                  <a:schemeClr val="bg1"/>
+                </a:solidFill>
+              </a:rPr>
+              <a:t>Receive and process </a:t>
+            </a:r>
+            <a:r>
+              <a:rPr lang="en-US" sz="1500" i="1" dirty="0">
+                <a:solidFill>
+                  <a:schemeClr val="bg1"/>
+                </a:solidFill>
+              </a:rPr>
+              <a:t>brake</a:t>
+            </a:r>
+            <a:r>
+              <a:rPr lang="en-US" sz="1500" dirty="0">
+                <a:solidFill>
+                  <a:schemeClr val="bg1"/>
+                </a:solidFill>
+              </a:rPr>
+              <a:t>, </a:t>
+            </a:r>
+            <a:r>
+              <a:rPr lang="en-US" sz="1500" i="1" dirty="0">
+                <a:solidFill>
+                  <a:schemeClr val="bg1"/>
+                </a:solidFill>
+              </a:rPr>
+              <a:t>shutdown</a:t>
+            </a:r>
+            <a:r>
+              <a:rPr lang="en-US" sz="1500" dirty="0">
+                <a:solidFill>
+                  <a:schemeClr val="bg1"/>
+                </a:solidFill>
+              </a:rPr>
+              <a:t> and </a:t>
+            </a:r>
+            <a:r>
+              <a:rPr lang="en-US" sz="1500" i="1" dirty="0">
+                <a:solidFill>
+                  <a:schemeClr val="bg1"/>
+                </a:solidFill>
+              </a:rPr>
+              <a:t>reset </a:t>
+            </a:r>
+            <a:r>
+              <a:rPr lang="en-US" sz="1500" dirty="0">
+                <a:solidFill>
+                  <a:schemeClr val="bg1"/>
+                </a:solidFill>
+              </a:rPr>
+              <a:t>signals</a:t>
+            </a:r>
+          </a:p>
+        </p:txBody>
+      </p:sp>
+      <p:cxnSp>
+        <p:nvCxnSpPr>
+          <p:cNvPr id="7" name="Egyenes összekötő nyíllal 6">
+            <a:extLst>
+              <a:ext uri="{FF2B5EF4-FFF2-40B4-BE49-F238E27FC236}">
+                <a16:creationId xmlns:a16="http://schemas.microsoft.com/office/drawing/2014/main" id="{D974F583-2D53-517C-4F36-AD5EDD9C1B81}"/>
+              </a:ext>
+            </a:extLst>
+          </p:cNvPr>
+          <p:cNvCxnSpPr>
+            <a:cxnSpLocks/>
+            <a:stCxn id="5" idx="0"/>
+            <a:endCxn id="3" idx="2"/>
+          </p:cNvCxnSpPr>
+          <p:nvPr/>
+        </p:nvCxnSpPr>
+        <p:spPr>
+          <a:xfrm flipV="1">
+            <a:off x="4901729" y="4541520"/>
+            <a:ext cx="0" cy="1152435"/>
+          </a:xfrm>
+          <a:prstGeom prst="straightConnector1">
+            <a:avLst/>
+          </a:prstGeom>
+          <a:ln w="28575">
+            <a:tailEnd type="triangle"/>
+          </a:ln>
+        </p:spPr>
+        <p:style>
+          <a:lnRef idx="1">
+            <a:schemeClr val="accent1"/>
+          </a:lnRef>
+          <a:fillRef idx="0">
+            <a:schemeClr val="accent1"/>
+          </a:fillRef>
+          <a:effectRef idx="0">
+            <a:schemeClr val="accent1"/>
+          </a:effectRef>
+          <a:fontRef idx="minor">
+            <a:schemeClr val="tx1"/>
+          </a:fontRef>
+        </p:style>
+      </p:cxnSp>
+      <p:sp>
+        <p:nvSpPr>
+          <p:cNvPr id="11" name="Szövegdoboz 10">
+            <a:extLst>
+              <a:ext uri="{FF2B5EF4-FFF2-40B4-BE49-F238E27FC236}">
+                <a16:creationId xmlns:a16="http://schemas.microsoft.com/office/drawing/2014/main" id="{5322452A-C9F6-E4AB-E1DD-1E598AACC604}"/>
+              </a:ext>
+            </a:extLst>
+          </p:cNvPr>
+          <p:cNvSpPr txBox="1"/>
+          <p:nvPr/>
+        </p:nvSpPr>
+        <p:spPr>
+          <a:xfrm>
+            <a:off x="8716733" y="5181600"/>
+            <a:ext cx="2042707" cy="553998"/>
+          </a:xfrm>
+          <a:prstGeom prst="rect">
+            <a:avLst/>
+          </a:prstGeom>
+          <a:noFill/>
+          <a:ln w="28575">
+            <a:solidFill>
+              <a:srgbClr val="C00000"/>
+            </a:solidFill>
+          </a:ln>
+        </p:spPr>
+        <p:txBody>
+          <a:bodyPr wrap="square" rtlCol="0">
+            <a:spAutoFit/>
+          </a:bodyPr>
+          <a:lstStyle/>
+          <a:p>
+            <a:r>
+              <a:rPr lang="en-US" sz="1500" dirty="0">
+                <a:solidFill>
+                  <a:schemeClr val="bg1"/>
+                </a:solidFill>
+              </a:rPr>
+              <a:t>Realistic simulation of </a:t>
+            </a:r>
+            <a:r>
+              <a:rPr lang="en-US" sz="1500" i="1" dirty="0">
+                <a:solidFill>
+                  <a:schemeClr val="bg1"/>
+                </a:solidFill>
+              </a:rPr>
+              <a:t>speed</a:t>
+            </a:r>
+          </a:p>
+        </p:txBody>
+      </p:sp>
+      <p:cxnSp>
+        <p:nvCxnSpPr>
+          <p:cNvPr id="12" name="Egyenes összekötő nyíllal 11">
+            <a:extLst>
+              <a:ext uri="{FF2B5EF4-FFF2-40B4-BE49-F238E27FC236}">
+                <a16:creationId xmlns:a16="http://schemas.microsoft.com/office/drawing/2014/main" id="{EB23D4F6-96A4-B53E-DF63-58606BDD4B8C}"/>
+              </a:ext>
+            </a:extLst>
+          </p:cNvPr>
+          <p:cNvCxnSpPr>
+            <a:cxnSpLocks/>
+            <a:stCxn id="11" idx="0"/>
+          </p:cNvCxnSpPr>
+          <p:nvPr/>
+        </p:nvCxnSpPr>
+        <p:spPr>
+          <a:xfrm flipH="1" flipV="1">
+            <a:off x="7932340" y="4338320"/>
+            <a:ext cx="1805747" cy="843280"/>
+          </a:xfrm>
+          <a:prstGeom prst="straightConnector1">
+            <a:avLst/>
+          </a:prstGeom>
+          <a:ln w="28575">
+            <a:tailEnd type="triangle"/>
+          </a:ln>
+        </p:spPr>
+        <p:style>
+          <a:lnRef idx="1">
+            <a:schemeClr val="accent1"/>
+          </a:lnRef>
+          <a:fillRef idx="0">
+            <a:schemeClr val="accent1"/>
+          </a:fillRef>
+          <a:effectRef idx="0">
+            <a:schemeClr val="accent1"/>
+          </a:effectRef>
+          <a:fontRef idx="minor">
+            <a:schemeClr val="tx1"/>
+          </a:fontRef>
+        </p:style>
+      </p:cxnSp>
+    </p:spTree>
+    <p:extLst>
+      <p:ext uri="{BB962C8B-B14F-4D97-AF65-F5344CB8AC3E}">
+        <p14:creationId xmlns:p14="http://schemas.microsoft.com/office/powerpoint/2010/main" val="2398911927"/>
+      </p:ext>
+    </p:extLst>
+  </p:cSld>
+  <p:clrMapOvr>
+    <a:masterClrMapping/>
+  </p:clrMapOvr>
+  <mc:AlternateContent xmlns:mc="http://schemas.openxmlformats.org/markup-compatibility/2006" xmlns:p14="http://schemas.microsoft.com/office/powerpoint/2010/main">
+    <mc:Choice Requires="p14">
+      <p:transition spd="med" p14:dur="700">
+        <p:fade/>
+      </p:transition>
+    </mc:Choice>
+    <mc:Fallback xmlns="">
+      <p:transition spd="med">
+        <p:fade/>
+      </p:transition>
+    </mc:Fallback>
+  </mc:AlternateContent>
+</p:sld>
+</file>
+
+<file path=ppt/slides/slide8.xml><?xml version="1.0" encoding="utf-8"?>
+<p:sld xmlns:a="http://schemas.openxmlformats.org/drawingml/2006/main" xmlns:r="http://schemas.openxmlformats.org/officeDocument/2006/relationships" xmlns:p="http://schemas.openxmlformats.org/presentationml/2006/main">
+  <p:cSld>
+    <p:bg>
+      <p:bgPr>
+        <a:blipFill rotWithShape="1">
+          <a:blip r:embed="rId2">
+            <a:duotone>
+              <a:schemeClr val="bg2">
+                <a:shade val="69000"/>
+                <a:hueMod val="108000"/>
+                <a:satMod val="164000"/>
+                <a:lumMod val="74000"/>
+              </a:schemeClr>
+              <a:schemeClr val="bg2">
+                <a:tint val="96000"/>
+                <a:hueMod val="88000"/>
+                <a:satMod val="140000"/>
+                <a:lumMod val="132000"/>
+              </a:schemeClr>
+            </a:duotone>
+          </a:blip>
+          <a:stretch/>
+        </a:blipFill>
+        <a:effectLst/>
+      </p:bgPr>
+    </p:bg>
+    <p:spTree>
+      <p:nvGrpSpPr>
+        <p:cNvPr id="1" name=""/>
+        <p:cNvGrpSpPr/>
+        <p:nvPr/>
+      </p:nvGrpSpPr>
+      <p:grpSpPr>
+        <a:xfrm>
+          <a:off x="0" y="0"/>
+          <a:ext cx="0" cy="0"/>
+          <a:chOff x="0" y="0"/>
+          <a:chExt cx="0" cy="0"/>
+        </a:xfrm>
+      </p:grpSpPr>
+      <p:sp>
+        <p:nvSpPr>
+          <p:cNvPr id="5" name="Téglalap: lekerekített 4">
+            <a:extLst>
+              <a:ext uri="{FF2B5EF4-FFF2-40B4-BE49-F238E27FC236}">
+                <a16:creationId xmlns:a16="http://schemas.microsoft.com/office/drawing/2014/main" id="{80E5BD1C-866C-51CC-B7D5-E0601A78BBE6}"/>
+              </a:ext>
+            </a:extLst>
+          </p:cNvPr>
+          <p:cNvSpPr/>
+          <p:nvPr/>
+        </p:nvSpPr>
+        <p:spPr>
+          <a:xfrm>
+            <a:off x="3474720" y="121920"/>
+            <a:ext cx="6945185" cy="6612031"/>
+          </a:xfrm>
+          <a:prstGeom prst="roundRect">
+            <a:avLst/>
+          </a:prstGeom>
+          <a:solidFill>
+            <a:schemeClr val="bg2">
+              <a:lumMod val="40000"/>
+              <a:lumOff val="60000"/>
+            </a:schemeClr>
+          </a:solidFill>
+          <a:ln>
+            <a:noFill/>
+          </a:ln>
+        </p:spPr>
+        <p:style>
+          <a:lnRef idx="2">
+            <a:schemeClr val="accent1">
+              <a:shade val="50000"/>
+            </a:schemeClr>
+          </a:lnRef>
+          <a:fillRef idx="1">
+            <a:schemeClr val="accent1"/>
+          </a:fillRef>
+          <a:effectRef idx="0">
+            <a:schemeClr val="accent1"/>
+          </a:effectRef>
+          <a:fontRef idx="minor">
+            <a:schemeClr val="lt1"/>
+          </a:fontRef>
+        </p:style>
+        <p:txBody>
+          <a:bodyPr rtlCol="0" anchor="ctr"/>
+          <a:lstStyle/>
+          <a:p>
+            <a:pPr algn="ctr"/>
+            <a:endParaRPr lang="hu-HU"/>
+          </a:p>
+        </p:txBody>
+      </p:sp>
+      <p:sp>
+        <p:nvSpPr>
+          <p:cNvPr id="2" name="Cím 1">
+            <a:extLst>
+              <a:ext uri="{FF2B5EF4-FFF2-40B4-BE49-F238E27FC236}">
+                <a16:creationId xmlns:a16="http://schemas.microsoft.com/office/drawing/2014/main" id="{23B8E34F-8EBF-D87A-3C0F-14B0D0004FD6}"/>
+              </a:ext>
+            </a:extLst>
+          </p:cNvPr>
+          <p:cNvSpPr>
+            <a:spLocks noGrp="1"/>
+          </p:cNvSpPr>
+          <p:nvPr>
+            <p:ph type="ctrTitle"/>
+          </p:nvPr>
+        </p:nvSpPr>
+        <p:spPr>
+          <a:xfrm>
+            <a:off x="697766" y="2262941"/>
+            <a:ext cx="2776954" cy="2329987"/>
+          </a:xfrm>
+        </p:spPr>
+        <p:txBody>
+          <a:bodyPr>
+            <a:normAutofit/>
+          </a:bodyPr>
+          <a:lstStyle/>
+          <a:p>
+            <a:r>
+              <a:rPr lang="en-US" sz="4200" b="1" dirty="0"/>
+              <a:t>Flow of speed data</a:t>
+            </a:r>
+            <a:endParaRPr lang="hu-HU" sz="4200" b="1" dirty="0"/>
+          </a:p>
+        </p:txBody>
+      </p:sp>
+      <p:pic>
+        <p:nvPicPr>
+          <p:cNvPr id="3" name="Kép 3">
+            <a:extLst>
+              <a:ext uri="{FF2B5EF4-FFF2-40B4-BE49-F238E27FC236}">
+                <a16:creationId xmlns:a16="http://schemas.microsoft.com/office/drawing/2014/main" id="{69304DDE-7BBF-FB26-9899-4CF9AE91D6E8}"/>
+              </a:ext>
+            </a:extLst>
+          </p:cNvPr>
+          <p:cNvPicPr>
+            <a:picLocks noChangeAspect="1"/>
+          </p:cNvPicPr>
+          <p:nvPr/>
+        </p:nvPicPr>
+        <p:blipFill>
+          <a:blip r:embed="rId3"/>
+          <a:stretch>
+            <a:fillRect/>
+          </a:stretch>
+        </p:blipFill>
+        <p:spPr>
+          <a:xfrm>
+            <a:off x="3931921" y="244871"/>
+            <a:ext cx="6190826" cy="6316647"/>
+          </a:xfrm>
+          <a:prstGeom prst="rect">
+            <a:avLst/>
+          </a:prstGeom>
+        </p:spPr>
+      </p:pic>
+      <p:sp>
+        <p:nvSpPr>
+          <p:cNvPr id="4" name="Szövegdoboz 3">
+            <a:extLst>
+              <a:ext uri="{FF2B5EF4-FFF2-40B4-BE49-F238E27FC236}">
+                <a16:creationId xmlns:a16="http://schemas.microsoft.com/office/drawing/2014/main" id="{FC71E139-4692-0214-8912-29D59D8063CC}"/>
+              </a:ext>
+            </a:extLst>
+          </p:cNvPr>
+          <p:cNvSpPr txBox="1"/>
+          <p:nvPr/>
+        </p:nvSpPr>
+        <p:spPr>
+          <a:xfrm>
+            <a:off x="6324600" y="6305352"/>
+            <a:ext cx="2286000" cy="307777"/>
+          </a:xfrm>
+          <a:prstGeom prst="rect">
+            <a:avLst/>
+          </a:prstGeom>
+          <a:noFill/>
+        </p:spPr>
+        <p:txBody>
+          <a:bodyPr wrap="square" rtlCol="0">
+            <a:spAutoFit/>
+          </a:bodyPr>
+          <a:lstStyle/>
+          <a:p>
+            <a:r>
+              <a:rPr lang="en-US" sz="1400" b="1" dirty="0">
+                <a:solidFill>
+                  <a:schemeClr val="bg1"/>
+                </a:solidFill>
+              </a:rPr>
+              <a:t>Whole subsystem</a:t>
+            </a:r>
+          </a:p>
+        </p:txBody>
+      </p:sp>
+    </p:spTree>
+    <p:extLst>
+      <p:ext uri="{BB962C8B-B14F-4D97-AF65-F5344CB8AC3E}">
+        <p14:creationId xmlns:p14="http://schemas.microsoft.com/office/powerpoint/2010/main" val="1012125373"/>
+      </p:ext>
+    </p:extLst>
+  </p:cSld>
+  <p:clrMapOvr>
+    <a:masterClrMapping/>
+  </p:clrMapOvr>
+  <mc:AlternateContent xmlns:mc="http://schemas.openxmlformats.org/markup-compatibility/2006" xmlns:p14="http://schemas.microsoft.com/office/powerpoint/2010/main">
+    <mc:Choice Requires="p14">
+      <p:transition spd="med" p14:dur="700">
+        <p:fade/>
+      </p:transition>
+    </mc:Choice>
+    <mc:Fallback xmlns="">
+      <p:transition spd="med">
+        <p:fade/>
+      </p:transition>
+    </mc:Fallback>
+  </mc:AlternateContent>
+</p:sld>
+</file>
+
+<file path=ppt/slides/slide9.xml><?xml version="1.0" encoding="utf-8"?>
 <p:sld xmlns:a="http://schemas.openxmlformats.org/drawingml/2006/main" xmlns:r="http://schemas.openxmlformats.org/officeDocument/2006/relationships" xmlns:p="http://schemas.openxmlformats.org/presentationml/2006/main">
   <p:cSld>
     <p:bg>
@@ -12184,7 +15560,7 @@
       </p:grpSpPr>
       <p:sp>
         <p:nvSpPr>
-          <p:cNvPr id="20" name="Rectangle 19">
+          <p:cNvPr id="14" name="Rectangle 13">
             <a:extLst>
               <a:ext uri="{FF2B5EF4-FFF2-40B4-BE49-F238E27FC236}">
                 <a16:creationId xmlns:a16="http://schemas.microsoft.com/office/drawing/2014/main" id="{B4AAD3FD-83A5-4B89-9F8F-01B8870865BE}"/>
@@ -12261,12 +15637,12 @@
         <p:spPr>
           <a:xfrm>
             <a:off x="648931" y="629266"/>
-            <a:ext cx="4166510" cy="1622321"/>
+            <a:ext cx="4512873" cy="1622321"/>
           </a:xfrm>
         </p:spPr>
         <p:txBody>
           <a:bodyPr>
-            <a:normAutofit/>
+            <a:normAutofit fontScale="90000"/>
           </a:bodyPr>
           <a:lstStyle/>
           <a:p>
@@ -12276,7 +15652,7 @@
                   <a:srgbClr val="EBEBEB"/>
                 </a:solidFill>
               </a:rPr>
-              <a:t>Speed</a:t>
+              <a:t>Measuring</a:t>
             </a:r>
             <a:r>
               <a:rPr lang="hu-HU" b="1" dirty="0">
@@ -12292,19 +15668,38 @@
                   <a:srgbClr val="EBEBEB"/>
                 </a:solidFill>
               </a:rPr>
-              <a:t>system</a:t>
-            </a:r>
-            <a:endParaRPr lang="hu-HU" b="1" dirty="0">
-              <a:solidFill>
-                <a:srgbClr val="EBEBEB"/>
-              </a:solidFill>
-            </a:endParaRPr>
+              <a:t>module</a:t>
+            </a:r>
+            <a:r>
+              <a:rPr lang="hu-HU" b="1" dirty="0">
+                <a:solidFill>
+                  <a:srgbClr val="EBEBEB"/>
+                </a:solidFill>
+              </a:rPr>
+              <a:t> </a:t>
+            </a:r>
+            <a:r>
+              <a:rPr lang="hu-HU" b="1" dirty="0" err="1">
+                <a:solidFill>
+                  <a:srgbClr val="EBEBEB"/>
+                </a:solidFill>
+              </a:rPr>
+              <a:t>data</a:t>
+            </a:r>
+            <a:r>
+              <a:rPr lang="hu-HU" b="1" dirty="0">
+                <a:solidFill>
+                  <a:srgbClr val="EBEBEB"/>
+                </a:solidFill>
+              </a:rPr>
+              <a:t> flow</a:t>
+            </a:r>
           </a:p>
         </p:txBody>
       </p:sp>
       <p:sp>
         <p:nvSpPr>
-          <p:cNvPr id="22" name="Freeform 31">
+          <p:cNvPr id="16" name="Freeform 31">
             <a:extLst>
               <a:ext uri="{FF2B5EF4-FFF2-40B4-BE49-F238E27FC236}">
                 <a16:creationId xmlns:a16="http://schemas.microsoft.com/office/drawing/2014/main" id="{61752F1D-FC0F-4103-9584-630E643CCDA6}"/>
@@ -12656,7 +16051,7 @@
       </p:sp>
       <p:sp useBgFill="1">
         <p:nvSpPr>
-          <p:cNvPr id="24" name="Freeform: Shape 23">
+          <p:cNvPr id="18" name="Freeform: Shape 17">
             <a:extLst>
               <a:ext uri="{FF2B5EF4-FFF2-40B4-BE49-F238E27FC236}">
                 <a16:creationId xmlns:a16="http://schemas.microsoft.com/office/drawing/2014/main" id="{70151CB7-E7DE-4917-B831-01DF9CE01306}"/>
@@ -13119,1480 +16514,6 @@
       </p:sp>
       <p:pic>
         <p:nvPicPr>
-          <p:cNvPr id="13" name="Kép 13">
-            <a:extLst>
-              <a:ext uri="{FF2B5EF4-FFF2-40B4-BE49-F238E27FC236}">
-                <a16:creationId xmlns:a16="http://schemas.microsoft.com/office/drawing/2014/main" id="{8938549B-6EE2-053B-B052-D255FCC07B2F}"/>
-              </a:ext>
-            </a:extLst>
-          </p:cNvPr>
-          <p:cNvPicPr>
-            <a:picLocks noChangeAspect="1"/>
-          </p:cNvPicPr>
-          <p:nvPr/>
-        </p:nvPicPr>
-        <p:blipFill>
-          <a:blip r:embed="rId3"/>
-          <a:stretch>
-            <a:fillRect/>
-          </a:stretch>
-        </p:blipFill>
-        <p:spPr>
-          <a:xfrm>
-            <a:off x="5757524" y="1639786"/>
-            <a:ext cx="6370226" cy="4251358"/>
-          </a:xfrm>
-          <a:prstGeom prst="rect">
-            <a:avLst/>
-          </a:prstGeom>
-          <a:effectLst/>
-        </p:spPr>
-      </p:pic>
-      <p:sp>
-        <p:nvSpPr>
-          <p:cNvPr id="26" name="Rectangle 25">
-            <a:extLst>
-              <a:ext uri="{FF2B5EF4-FFF2-40B4-BE49-F238E27FC236}">
-                <a16:creationId xmlns:a16="http://schemas.microsoft.com/office/drawing/2014/main" id="{A92A1116-1C84-41DF-B803-1F7B0883EC82}"/>
-              </a:ext>
-              <a:ext uri="{C183D7F6-B498-43B3-948B-1728B52AA6E4}">
-                <adec:decorative xmlns:adec="http://schemas.microsoft.com/office/drawing/2017/decorative" val="1"/>
-              </a:ext>
-            </a:extLst>
-          </p:cNvPr>
-          <p:cNvSpPr>
-            <a:spLocks noGrp="1" noRot="1" noChangeAspect="1" noMove="1" noResize="1" noEditPoints="1" noAdjustHandles="1" noChangeArrowheads="1" noChangeShapeType="1" noTextEdit="1"/>
-          </p:cNvSpPr>
-          <p:nvPr>
-            <p:extLst>
-              <p:ext uri="{386F3935-93C4-4BCD-93E2-E3B085C9AB24}">
-                <p16:designElem xmlns:p16="http://schemas.microsoft.com/office/powerpoint/2015/main" val="1"/>
-              </p:ext>
-            </p:extLst>
-          </p:nvPr>
-        </p:nvSpPr>
-        <p:spPr>
-          <a:xfrm>
-            <a:off x="10442448" y="0"/>
-            <a:ext cx="685800" cy="1143000"/>
-          </a:xfrm>
-          <a:prstGeom prst="rect">
-            <a:avLst/>
-          </a:prstGeom>
-          <a:solidFill>
-            <a:schemeClr val="accent1"/>
-          </a:solidFill>
-          <a:ln>
-            <a:noFill/>
-          </a:ln>
-        </p:spPr>
-        <p:style>
-          <a:lnRef idx="1">
-            <a:schemeClr val="accent1"/>
-          </a:lnRef>
-          <a:fillRef idx="3">
-            <a:schemeClr val="accent1"/>
-          </a:fillRef>
-          <a:effectRef idx="2">
-            <a:schemeClr val="accent1"/>
-          </a:effectRef>
-          <a:fontRef idx="minor">
-            <a:schemeClr val="lt1"/>
-          </a:fontRef>
-        </p:style>
-      </p:sp>
-      <p:sp>
-        <p:nvSpPr>
-          <p:cNvPr id="17" name="Content Placeholder 16">
-            <a:extLst>
-              <a:ext uri="{FF2B5EF4-FFF2-40B4-BE49-F238E27FC236}">
-                <a16:creationId xmlns:a16="http://schemas.microsoft.com/office/drawing/2014/main" id="{49F12AF8-22A5-EE09-6653-0D711056D2F4}"/>
-              </a:ext>
-            </a:extLst>
-          </p:cNvPr>
-          <p:cNvSpPr>
-            <a:spLocks noGrp="1"/>
-          </p:cNvSpPr>
-          <p:nvPr>
-            <p:ph idx="1"/>
-          </p:nvPr>
-        </p:nvSpPr>
-        <p:spPr>
-          <a:xfrm>
-            <a:off x="648931" y="2438400"/>
-            <a:ext cx="4166509" cy="3785419"/>
-          </a:xfrm>
-        </p:spPr>
-        <p:txBody>
-          <a:bodyPr vert="horz" lIns="91440" tIns="45720" rIns="91440" bIns="45720" rtlCol="0" anchor="t">
-            <a:normAutofit/>
-          </a:bodyPr>
-          <a:lstStyle/>
-          <a:p>
-            <a:pPr>
-              <a:buFont typeface="Arial" charset="2"/>
-              <a:buChar char="•"/>
-            </a:pPr>
-            <a:r>
-              <a:rPr lang="en-US" dirty="0">
-                <a:solidFill>
-                  <a:srgbClr val="EBEBEB"/>
-                </a:solidFill>
-              </a:rPr>
-              <a:t>Speed simulation</a:t>
-            </a:r>
-            <a:endParaRPr lang="hu-HU" dirty="0"/>
-          </a:p>
-          <a:p>
-            <a:pPr>
-              <a:buClr>
-                <a:srgbClr val="F7F7F7"/>
-              </a:buClr>
-              <a:buFont typeface="Arial" charset="2"/>
-              <a:buChar char="•"/>
-            </a:pPr>
-            <a:r>
-              <a:rPr lang="en-US" dirty="0">
-                <a:solidFill>
-                  <a:srgbClr val="EBEBEB"/>
-                </a:solidFill>
-              </a:rPr>
-              <a:t>Brake Topic</a:t>
-            </a:r>
-            <a:endParaRPr lang="hu-HU" dirty="0"/>
-          </a:p>
-          <a:p>
-            <a:pPr>
-              <a:buClr>
-                <a:srgbClr val="F7F7F7"/>
-              </a:buClr>
-              <a:buFont typeface="Arial" charset="2"/>
-              <a:buChar char="•"/>
-            </a:pPr>
-            <a:r>
-              <a:rPr lang="en-US" dirty="0">
-                <a:solidFill>
-                  <a:srgbClr val="EBEBEB"/>
-                </a:solidFill>
-              </a:rPr>
-              <a:t>Brake Subscriber</a:t>
-            </a:r>
-            <a:endParaRPr lang="en-US" dirty="0"/>
-          </a:p>
-          <a:p>
-            <a:pPr>
-              <a:buClr>
-                <a:srgbClr val="F7F7F7"/>
-              </a:buClr>
-              <a:buFont typeface="Arial" charset="2"/>
-              <a:buChar char="•"/>
-            </a:pPr>
-            <a:r>
-              <a:rPr lang="en-US" dirty="0">
-                <a:solidFill>
-                  <a:srgbClr val="EBEBEB"/>
-                </a:solidFill>
-              </a:rPr>
-              <a:t>Speed Topic</a:t>
-            </a:r>
-          </a:p>
-          <a:p>
-            <a:pPr>
-              <a:buClr>
-                <a:srgbClr val="F7F7F7"/>
-              </a:buClr>
-              <a:buFont typeface="Arial" charset="2"/>
-              <a:buChar char="•"/>
-            </a:pPr>
-            <a:r>
-              <a:rPr lang="en-US" dirty="0">
-                <a:solidFill>
-                  <a:srgbClr val="EBEBEB"/>
-                </a:solidFill>
-              </a:rPr>
-              <a:t>Speed Publisher</a:t>
-            </a:r>
-          </a:p>
-          <a:p>
-            <a:pPr>
-              <a:buClr>
-                <a:srgbClr val="F7F7F7"/>
-              </a:buClr>
-              <a:buFont typeface="Arial" charset="2"/>
-              <a:buChar char="•"/>
-            </a:pPr>
-            <a:r>
-              <a:rPr lang="en-US" dirty="0">
-                <a:solidFill>
-                  <a:srgbClr val="EBEBEB"/>
-                </a:solidFill>
-              </a:rPr>
-              <a:t>Emergency Shutdown signal</a:t>
-            </a:r>
-          </a:p>
-          <a:p>
-            <a:pPr>
-              <a:buClr>
-                <a:srgbClr val="F7F7F7"/>
-              </a:buClr>
-              <a:buFont typeface="Arial" charset="2"/>
-              <a:buChar char="•"/>
-            </a:pPr>
-            <a:r>
-              <a:rPr lang="en-US" dirty="0">
-                <a:solidFill>
-                  <a:srgbClr val="EBEBEB"/>
-                </a:solidFill>
-              </a:rPr>
-              <a:t>Reset signal</a:t>
-            </a:r>
-          </a:p>
-        </p:txBody>
-      </p:sp>
-    </p:spTree>
-    <p:extLst>
-      <p:ext uri="{BB962C8B-B14F-4D97-AF65-F5344CB8AC3E}">
-        <p14:creationId xmlns:p14="http://schemas.microsoft.com/office/powerpoint/2010/main" val="2398911927"/>
-      </p:ext>
-    </p:extLst>
-  </p:cSld>
-  <p:clrMapOvr>
-    <a:overrideClrMapping bg1="lt1" tx1="dk1" bg2="lt2" tx2="dk2" accent1="accent1" accent2="accent2" accent3="accent3" accent4="accent4" accent5="accent5" accent6="accent6" hlink="hlink" folHlink="folHlink"/>
-  </p:clrMapOvr>
-  <mc:AlternateContent xmlns:mc="http://schemas.openxmlformats.org/markup-compatibility/2006" xmlns:p14="http://schemas.microsoft.com/office/powerpoint/2010/main">
-    <mc:Choice Requires="p14">
-      <p:transition spd="med" p14:dur="700">
-        <p:fade/>
-      </p:transition>
-    </mc:Choice>
-    <mc:Fallback xmlns="">
-      <p:transition spd="med">
-        <p:fade/>
-      </p:transition>
-    </mc:Fallback>
-  </mc:AlternateContent>
-</p:sld>
-</file>
-
-<file path=ppt/slides/slide6.xml><?xml version="1.0" encoding="utf-8"?>
-<p:sld xmlns:a="http://schemas.openxmlformats.org/drawingml/2006/main" xmlns:r="http://schemas.openxmlformats.org/officeDocument/2006/relationships" xmlns:p="http://schemas.openxmlformats.org/presentationml/2006/main">
-  <p:cSld>
-    <p:bg>
-      <p:bgPr>
-        <a:blipFill rotWithShape="1">
-          <a:blip r:embed="rId2">
-            <a:duotone>
-              <a:schemeClr val="bg2">
-                <a:shade val="69000"/>
-                <a:hueMod val="108000"/>
-                <a:satMod val="164000"/>
-                <a:lumMod val="74000"/>
-              </a:schemeClr>
-              <a:schemeClr val="bg2">
-                <a:tint val="96000"/>
-                <a:hueMod val="88000"/>
-                <a:satMod val="140000"/>
-                <a:lumMod val="132000"/>
-              </a:schemeClr>
-            </a:duotone>
-          </a:blip>
-          <a:stretch/>
-        </a:blipFill>
-        <a:effectLst/>
-      </p:bgPr>
-    </p:bg>
-    <p:spTree>
-      <p:nvGrpSpPr>
-        <p:cNvPr id="1" name=""/>
-        <p:cNvGrpSpPr/>
-        <p:nvPr/>
-      </p:nvGrpSpPr>
-      <p:grpSpPr>
-        <a:xfrm>
-          <a:off x="0" y="0"/>
-          <a:ext cx="0" cy="0"/>
-          <a:chOff x="0" y="0"/>
-          <a:chExt cx="0" cy="0"/>
-        </a:xfrm>
-      </p:grpSpPr>
-      <p:sp>
-        <p:nvSpPr>
-          <p:cNvPr id="5" name="Téglalap: lekerekített 4">
-            <a:extLst>
-              <a:ext uri="{FF2B5EF4-FFF2-40B4-BE49-F238E27FC236}">
-                <a16:creationId xmlns:a16="http://schemas.microsoft.com/office/drawing/2014/main" id="{80E5BD1C-866C-51CC-B7D5-E0601A78BBE6}"/>
-              </a:ext>
-            </a:extLst>
-          </p:cNvPr>
-          <p:cNvSpPr/>
-          <p:nvPr/>
-        </p:nvSpPr>
-        <p:spPr>
-          <a:xfrm>
-            <a:off x="3739117" y="239232"/>
-            <a:ext cx="6680788" cy="6494719"/>
-          </a:xfrm>
-          <a:prstGeom prst="roundRect">
-            <a:avLst/>
-          </a:prstGeom>
-          <a:solidFill>
-            <a:schemeClr val="bg2">
-              <a:lumMod val="40000"/>
-              <a:lumOff val="60000"/>
-            </a:schemeClr>
-          </a:solidFill>
-          <a:ln>
-            <a:noFill/>
-          </a:ln>
-        </p:spPr>
-        <p:style>
-          <a:lnRef idx="2">
-            <a:schemeClr val="accent1">
-              <a:shade val="50000"/>
-            </a:schemeClr>
-          </a:lnRef>
-          <a:fillRef idx="1">
-            <a:schemeClr val="accent1"/>
-          </a:fillRef>
-          <a:effectRef idx="0">
-            <a:schemeClr val="accent1"/>
-          </a:effectRef>
-          <a:fontRef idx="minor">
-            <a:schemeClr val="lt1"/>
-          </a:fontRef>
-        </p:style>
-        <p:txBody>
-          <a:bodyPr rtlCol="0" anchor="ctr"/>
-          <a:lstStyle/>
-          <a:p>
-            <a:pPr algn="ctr"/>
-            <a:endParaRPr lang="hu-HU"/>
-          </a:p>
-        </p:txBody>
-      </p:sp>
-      <p:sp>
-        <p:nvSpPr>
-          <p:cNvPr id="2" name="Cím 1">
-            <a:extLst>
-              <a:ext uri="{FF2B5EF4-FFF2-40B4-BE49-F238E27FC236}">
-                <a16:creationId xmlns:a16="http://schemas.microsoft.com/office/drawing/2014/main" id="{23B8E34F-8EBF-D87A-3C0F-14B0D0004FD6}"/>
-              </a:ext>
-            </a:extLst>
-          </p:cNvPr>
-          <p:cNvSpPr>
-            <a:spLocks noGrp="1"/>
-          </p:cNvSpPr>
-          <p:nvPr>
-            <p:ph type="ctrTitle"/>
-          </p:nvPr>
-        </p:nvSpPr>
-        <p:spPr>
-          <a:xfrm>
-            <a:off x="400608" y="2485853"/>
-            <a:ext cx="5812970" cy="944620"/>
-          </a:xfrm>
-        </p:spPr>
-        <p:txBody>
-          <a:bodyPr>
-            <a:normAutofit/>
-          </a:bodyPr>
-          <a:lstStyle/>
-          <a:p>
-            <a:r>
-              <a:rPr lang="hu-HU" sz="4200" b="1" dirty="0"/>
-              <a:t>Data flow II.</a:t>
-            </a:r>
-          </a:p>
-        </p:txBody>
-      </p:sp>
-      <p:pic>
-        <p:nvPicPr>
-          <p:cNvPr id="3" name="Kép 3">
-            <a:extLst>
-              <a:ext uri="{FF2B5EF4-FFF2-40B4-BE49-F238E27FC236}">
-                <a16:creationId xmlns:a16="http://schemas.microsoft.com/office/drawing/2014/main" id="{69304DDE-7BBF-FB26-9899-4CF9AE91D6E8}"/>
-              </a:ext>
-            </a:extLst>
-          </p:cNvPr>
-          <p:cNvPicPr>
-            <a:picLocks noChangeAspect="1"/>
-          </p:cNvPicPr>
-          <p:nvPr/>
-        </p:nvPicPr>
-        <p:blipFill>
-          <a:blip r:embed="rId3"/>
-          <a:stretch>
-            <a:fillRect/>
-          </a:stretch>
-        </p:blipFill>
-        <p:spPr>
-          <a:xfrm>
-            <a:off x="4133625" y="450675"/>
-            <a:ext cx="5989121" cy="6110843"/>
-          </a:xfrm>
-          <a:prstGeom prst="rect">
-            <a:avLst/>
-          </a:prstGeom>
-        </p:spPr>
-      </p:pic>
-      <p:sp>
-        <p:nvSpPr>
-          <p:cNvPr id="6" name="Téglalap 5">
-            <a:extLst>
-              <a:ext uri="{FF2B5EF4-FFF2-40B4-BE49-F238E27FC236}">
-                <a16:creationId xmlns:a16="http://schemas.microsoft.com/office/drawing/2014/main" id="{1503D85A-0794-A096-17E6-0CF9D6C436EE}"/>
-              </a:ext>
-            </a:extLst>
-          </p:cNvPr>
-          <p:cNvSpPr/>
-          <p:nvPr/>
-        </p:nvSpPr>
-        <p:spPr>
-          <a:xfrm>
-            <a:off x="6095999" y="522768"/>
-            <a:ext cx="1807535" cy="301254"/>
-          </a:xfrm>
-          <a:prstGeom prst="rect">
-            <a:avLst/>
-          </a:prstGeom>
-          <a:solidFill>
-            <a:srgbClr val="F5E9C4"/>
-          </a:solidFill>
-          <a:ln>
-            <a:noFill/>
-          </a:ln>
-        </p:spPr>
-        <p:style>
-          <a:lnRef idx="2">
-            <a:schemeClr val="accent1">
-              <a:shade val="50000"/>
-            </a:schemeClr>
-          </a:lnRef>
-          <a:fillRef idx="1">
-            <a:schemeClr val="accent1"/>
-          </a:fillRef>
-          <a:effectRef idx="0">
-            <a:schemeClr val="accent1"/>
-          </a:effectRef>
-          <a:fontRef idx="minor">
-            <a:schemeClr val="lt1"/>
-          </a:fontRef>
-        </p:style>
-        <p:txBody>
-          <a:bodyPr rtlCol="0" anchor="ctr"/>
-          <a:lstStyle/>
-          <a:p>
-            <a:pPr algn="ctr"/>
-            <a:endParaRPr lang="hu-HU"/>
-          </a:p>
-        </p:txBody>
-      </p:sp>
-    </p:spTree>
-    <p:extLst>
-      <p:ext uri="{BB962C8B-B14F-4D97-AF65-F5344CB8AC3E}">
-        <p14:creationId xmlns:p14="http://schemas.microsoft.com/office/powerpoint/2010/main" val="1012125373"/>
-      </p:ext>
-    </p:extLst>
-  </p:cSld>
-  <p:clrMapOvr>
-    <a:masterClrMapping/>
-  </p:clrMapOvr>
-  <mc:AlternateContent xmlns:mc="http://schemas.openxmlformats.org/markup-compatibility/2006" xmlns:p14="http://schemas.microsoft.com/office/powerpoint/2010/main">
-    <mc:Choice Requires="p14">
-      <p:transition spd="med" p14:dur="700">
-        <p:fade/>
-      </p:transition>
-    </mc:Choice>
-    <mc:Fallback xmlns="">
-      <p:transition spd="med">
-        <p:fade/>
-      </p:transition>
-    </mc:Fallback>
-  </mc:AlternateContent>
-</p:sld>
-</file>
-
-<file path=ppt/slides/slide7.xml><?xml version="1.0" encoding="utf-8"?>
-<p:sld xmlns:a="http://schemas.openxmlformats.org/drawingml/2006/main" xmlns:r="http://schemas.openxmlformats.org/officeDocument/2006/relationships" xmlns:p="http://schemas.openxmlformats.org/presentationml/2006/main">
-  <p:cSld>
-    <p:bg>
-      <p:bgPr>
-        <a:solidFill>
-          <a:schemeClr val="bg1"/>
-        </a:solidFill>
-        <a:effectLst/>
-      </p:bgPr>
-    </p:bg>
-    <p:spTree>
-      <p:nvGrpSpPr>
-        <p:cNvPr id="1" name=""/>
-        <p:cNvGrpSpPr/>
-        <p:nvPr/>
-      </p:nvGrpSpPr>
-      <p:grpSpPr>
-        <a:xfrm>
-          <a:off x="0" y="0"/>
-          <a:ext cx="0" cy="0"/>
-          <a:chOff x="0" y="0"/>
-          <a:chExt cx="0" cy="0"/>
-        </a:xfrm>
-      </p:grpSpPr>
-      <p:sp>
-        <p:nvSpPr>
-          <p:cNvPr id="14" name="Rectangle 13">
-            <a:extLst>
-              <a:ext uri="{FF2B5EF4-FFF2-40B4-BE49-F238E27FC236}">
-                <a16:creationId xmlns:a16="http://schemas.microsoft.com/office/drawing/2014/main" id="{B4AAD3FD-83A5-4B89-9F8F-01B8870865BE}"/>
-              </a:ext>
-              <a:ext uri="{C183D7F6-B498-43B3-948B-1728B52AA6E4}">
-                <adec:decorative xmlns:adec="http://schemas.microsoft.com/office/drawing/2017/decorative" val="1"/>
-              </a:ext>
-            </a:extLst>
-          </p:cNvPr>
-          <p:cNvSpPr>
-            <a:spLocks noGrp="1" noRot="1" noChangeAspect="1" noMove="1" noResize="1" noEditPoints="1" noAdjustHandles="1" noChangeArrowheads="1" noChangeShapeType="1" noTextEdit="1"/>
-          </p:cNvSpPr>
-          <p:nvPr>
-            <p:extLst>
-              <p:ext uri="{386F3935-93C4-4BCD-93E2-E3B085C9AB24}">
-                <p16:designElem xmlns:p16="http://schemas.microsoft.com/office/powerpoint/2015/main" val="1"/>
-              </p:ext>
-            </p:extLst>
-          </p:nvPr>
-        </p:nvSpPr>
-        <p:spPr>
-          <a:xfrm>
-            <a:off x="0" y="0"/>
-            <a:ext cx="12192000" cy="6858000"/>
-          </a:xfrm>
-          <a:prstGeom prst="rect">
-            <a:avLst/>
-          </a:prstGeom>
-          <a:ln>
-            <a:noFill/>
-          </a:ln>
-        </p:spPr>
-        <p:style>
-          <a:lnRef idx="2">
-            <a:schemeClr val="accent1">
-              <a:shade val="50000"/>
-            </a:schemeClr>
-          </a:lnRef>
-          <a:fillRef idx="1003">
-            <a:schemeClr val="dk2"/>
-          </a:fillRef>
-          <a:effectRef idx="0">
-            <a:schemeClr val="accent1"/>
-          </a:effectRef>
-          <a:fontRef idx="minor">
-            <a:schemeClr val="lt1"/>
-          </a:fontRef>
-        </p:style>
-        <p:txBody>
-          <a:bodyPr rtlCol="0" anchor="ctr"/>
-          <a:lstStyle/>
-          <a:p>
-            <a:pPr algn="ctr"/>
-            <a:endParaRPr lang="en-US"/>
-          </a:p>
-        </p:txBody>
-      </p:sp>
-      <p:sp>
-        <p:nvSpPr>
-          <p:cNvPr id="2" name="Cím 1">
-            <a:extLst>
-              <a:ext uri="{FF2B5EF4-FFF2-40B4-BE49-F238E27FC236}">
-                <a16:creationId xmlns:a16="http://schemas.microsoft.com/office/drawing/2014/main" id="{23B8E34F-8EBF-D87A-3C0F-14B0D0004FD6}"/>
-              </a:ext>
-            </a:extLst>
-          </p:cNvPr>
-          <p:cNvSpPr>
-            <a:spLocks noGrp="1"/>
-          </p:cNvSpPr>
-          <p:nvPr>
-            <p:ph type="title"/>
-          </p:nvPr>
-        </p:nvSpPr>
-        <p:spPr>
-          <a:xfrm>
-            <a:off x="648931" y="629266"/>
-            <a:ext cx="4512873" cy="1622321"/>
-          </a:xfrm>
-        </p:spPr>
-        <p:txBody>
-          <a:bodyPr>
-            <a:normAutofit fontScale="90000"/>
-          </a:bodyPr>
-          <a:lstStyle/>
-          <a:p>
-            <a:r>
-              <a:rPr lang="hu-HU" b="1" dirty="0" err="1">
-                <a:solidFill>
-                  <a:srgbClr val="EBEBEB"/>
-                </a:solidFill>
-              </a:rPr>
-              <a:t>Measuring</a:t>
-            </a:r>
-            <a:r>
-              <a:rPr lang="hu-HU" b="1" dirty="0">
-                <a:solidFill>
-                  <a:srgbClr val="EBEBEB"/>
-                </a:solidFill>
-              </a:rPr>
-              <a:t> </a:t>
-            </a:r>
-            <a:r>
-              <a:rPr lang="hu-HU" b="1" dirty="0" err="1">
-                <a:solidFill>
-                  <a:srgbClr val="EBEBEB"/>
-                </a:solidFill>
-              </a:rPr>
-              <a:t>module</a:t>
-            </a:r>
-            <a:r>
-              <a:rPr lang="hu-HU" b="1" dirty="0">
-                <a:solidFill>
-                  <a:srgbClr val="EBEBEB"/>
-                </a:solidFill>
-              </a:rPr>
-              <a:t> </a:t>
-            </a:r>
-            <a:r>
-              <a:rPr lang="hu-HU" b="1" dirty="0" err="1">
-                <a:solidFill>
-                  <a:srgbClr val="EBEBEB"/>
-                </a:solidFill>
-              </a:rPr>
-              <a:t>data</a:t>
-            </a:r>
-            <a:r>
-              <a:rPr lang="hu-HU" b="1" dirty="0">
-                <a:solidFill>
-                  <a:srgbClr val="EBEBEB"/>
-                </a:solidFill>
-              </a:rPr>
-              <a:t> flow</a:t>
-            </a:r>
-          </a:p>
-        </p:txBody>
-      </p:sp>
-      <p:sp>
-        <p:nvSpPr>
-          <p:cNvPr id="16" name="Freeform 31">
-            <a:extLst>
-              <a:ext uri="{FF2B5EF4-FFF2-40B4-BE49-F238E27FC236}">
-                <a16:creationId xmlns:a16="http://schemas.microsoft.com/office/drawing/2014/main" id="{61752F1D-FC0F-4103-9584-630E643CCDA6}"/>
-              </a:ext>
-              <a:ext uri="{C183D7F6-B498-43B3-948B-1728B52AA6E4}">
-                <adec:decorative xmlns:adec="http://schemas.microsoft.com/office/drawing/2017/decorative" val="1"/>
-              </a:ext>
-            </a:extLst>
-          </p:cNvPr>
-          <p:cNvSpPr>
-            <a:spLocks noGrp="1" noRot="1" noChangeAspect="1" noMove="1" noResize="1" noEditPoints="1" noAdjustHandles="1" noChangeArrowheads="1" noChangeShapeType="1" noTextEdit="1"/>
-          </p:cNvSpPr>
-          <p:nvPr>
-            <p:extLst>
-              <p:ext uri="{386F3935-93C4-4BCD-93E2-E3B085C9AB24}">
-                <p16:designElem xmlns:p16="http://schemas.microsoft.com/office/powerpoint/2015/main" val="1"/>
-              </p:ext>
-            </p:extLst>
-          </p:nvPr>
-        </p:nvSpPr>
-        <p:spPr>
-          <a:xfrm>
-            <a:off x="4994020" y="-1"/>
-            <a:ext cx="559472" cy="3709642"/>
-          </a:xfrm>
-          <a:custGeom>
-            <a:avLst/>
-            <a:gdLst>
-              <a:gd name="connsiteX0" fmla="*/ 0 w 559472"/>
-              <a:gd name="connsiteY0" fmla="*/ 0 h 3709642"/>
-              <a:gd name="connsiteX1" fmla="*/ 473952 w 559472"/>
-              <a:gd name="connsiteY1" fmla="*/ 0 h 3709642"/>
-              <a:gd name="connsiteX2" fmla="*/ 485840 w 559472"/>
-              <a:gd name="connsiteY2" fmla="*/ 161194 h 3709642"/>
-              <a:gd name="connsiteX3" fmla="*/ 523949 w 559472"/>
-              <a:gd name="connsiteY3" fmla="*/ 3672197 h 3709642"/>
-              <a:gd name="connsiteX4" fmla="*/ 454748 w 559472"/>
-              <a:gd name="connsiteY4" fmla="*/ 3709642 h 3709642"/>
-              <a:gd name="connsiteX5" fmla="*/ 448224 w 559472"/>
-              <a:gd name="connsiteY5" fmla="*/ 3510471 h 3709642"/>
-              <a:gd name="connsiteX6" fmla="*/ 443564 w 559472"/>
-              <a:gd name="connsiteY6" fmla="*/ 3408563 h 3709642"/>
-              <a:gd name="connsiteX7" fmla="*/ 438902 w 559472"/>
-              <a:gd name="connsiteY7" fmla="*/ 3304407 h 3709642"/>
-              <a:gd name="connsiteX8" fmla="*/ 433941 w 559472"/>
-              <a:gd name="connsiteY8" fmla="*/ 3198777 h 3709642"/>
-              <a:gd name="connsiteX9" fmla="*/ 427584 w 559472"/>
-              <a:gd name="connsiteY9" fmla="*/ 3092510 h 3709642"/>
-              <a:gd name="connsiteX10" fmla="*/ 420988 w 559472"/>
-              <a:gd name="connsiteY10" fmla="*/ 2984390 h 3709642"/>
-              <a:gd name="connsiteX11" fmla="*/ 414330 w 559472"/>
-              <a:gd name="connsiteY11" fmla="*/ 2874401 h 3709642"/>
-              <a:gd name="connsiteX12" fmla="*/ 406840 w 559472"/>
-              <a:gd name="connsiteY12" fmla="*/ 2762980 h 3709642"/>
-              <a:gd name="connsiteX13" fmla="*/ 397745 w 559472"/>
-              <a:gd name="connsiteY13" fmla="*/ 2650566 h 3709642"/>
-              <a:gd name="connsiteX14" fmla="*/ 389154 w 559472"/>
-              <a:gd name="connsiteY14" fmla="*/ 2536612 h 3709642"/>
-              <a:gd name="connsiteX15" fmla="*/ 379225 w 559472"/>
-              <a:gd name="connsiteY15" fmla="*/ 2421642 h 3709642"/>
-              <a:gd name="connsiteX16" fmla="*/ 368316 w 559472"/>
-              <a:gd name="connsiteY16" fmla="*/ 2305627 h 3709642"/>
-              <a:gd name="connsiteX17" fmla="*/ 357466 w 559472"/>
-              <a:gd name="connsiteY17" fmla="*/ 2189233 h 3709642"/>
-              <a:gd name="connsiteX18" fmla="*/ 344982 w 559472"/>
-              <a:gd name="connsiteY18" fmla="*/ 2071473 h 3709642"/>
-              <a:gd name="connsiteX19" fmla="*/ 332466 w 559472"/>
-              <a:gd name="connsiteY19" fmla="*/ 1952216 h 3709642"/>
-              <a:gd name="connsiteX20" fmla="*/ 319121 w 559472"/>
-              <a:gd name="connsiteY20" fmla="*/ 1833776 h 3709642"/>
-              <a:gd name="connsiteX21" fmla="*/ 304408 w 559472"/>
-              <a:gd name="connsiteY21" fmla="*/ 1713948 h 3709642"/>
-              <a:gd name="connsiteX22" fmla="*/ 288685 w 559472"/>
-              <a:gd name="connsiteY22" fmla="*/ 1592703 h 3709642"/>
-              <a:gd name="connsiteX23" fmla="*/ 273050 w 559472"/>
-              <a:gd name="connsiteY23" fmla="*/ 1471451 h 3709642"/>
-              <a:gd name="connsiteX24" fmla="*/ 255813 w 559472"/>
-              <a:gd name="connsiteY24" fmla="*/ 1350328 h 3709642"/>
-              <a:gd name="connsiteX25" fmla="*/ 237060 w 559472"/>
-              <a:gd name="connsiteY25" fmla="*/ 1227080 h 3709642"/>
-              <a:gd name="connsiteX26" fmla="*/ 218488 w 559472"/>
-              <a:gd name="connsiteY26" fmla="*/ 1106065 h 3709642"/>
-              <a:gd name="connsiteX27" fmla="*/ 198221 w 559472"/>
-              <a:gd name="connsiteY27" fmla="*/ 982940 h 3709642"/>
-              <a:gd name="connsiteX28" fmla="*/ 177152 w 559472"/>
-              <a:gd name="connsiteY28" fmla="*/ 858755 h 3709642"/>
-              <a:gd name="connsiteX29" fmla="*/ 155551 w 559472"/>
-              <a:gd name="connsiteY29" fmla="*/ 736861 h 3709642"/>
-              <a:gd name="connsiteX30" fmla="*/ 131782 w 559472"/>
-              <a:gd name="connsiteY30" fmla="*/ 613645 h 3709642"/>
-              <a:gd name="connsiteX31" fmla="*/ 107123 w 559472"/>
-              <a:gd name="connsiteY31" fmla="*/ 490500 h 3709642"/>
-              <a:gd name="connsiteX32" fmla="*/ 82552 w 559472"/>
-              <a:gd name="connsiteY32" fmla="*/ 367348 h 3709642"/>
-              <a:gd name="connsiteX33" fmla="*/ 55608 w 559472"/>
-              <a:gd name="connsiteY33" fmla="*/ 244762 h 3709642"/>
-              <a:gd name="connsiteX34" fmla="*/ 28130 w 559472"/>
-              <a:gd name="connsiteY34" fmla="*/ 122220 h 3709642"/>
-              <a:gd name="connsiteX35" fmla="*/ 0 w 559472"/>
-              <a:gd name="connsiteY35" fmla="*/ 0 h 3709642"/>
-            </a:gdLst>
-            <a:ahLst/>
-            <a:cxnLst>
-              <a:cxn ang="0">
-                <a:pos x="connsiteX0" y="connsiteY0"/>
-              </a:cxn>
-              <a:cxn ang="0">
-                <a:pos x="connsiteX1" y="connsiteY1"/>
-              </a:cxn>
-              <a:cxn ang="0">
-                <a:pos x="connsiteX2" y="connsiteY2"/>
-              </a:cxn>
-              <a:cxn ang="0">
-                <a:pos x="connsiteX3" y="connsiteY3"/>
-              </a:cxn>
-              <a:cxn ang="0">
-                <a:pos x="connsiteX4" y="connsiteY4"/>
-              </a:cxn>
-              <a:cxn ang="0">
-                <a:pos x="connsiteX5" y="connsiteY5"/>
-              </a:cxn>
-              <a:cxn ang="0">
-                <a:pos x="connsiteX6" y="connsiteY6"/>
-              </a:cxn>
-              <a:cxn ang="0">
-                <a:pos x="connsiteX7" y="connsiteY7"/>
-              </a:cxn>
-              <a:cxn ang="0">
-                <a:pos x="connsiteX8" y="connsiteY8"/>
-              </a:cxn>
-              <a:cxn ang="0">
-                <a:pos x="connsiteX9" y="connsiteY9"/>
-              </a:cxn>
-              <a:cxn ang="0">
-                <a:pos x="connsiteX10" y="connsiteY10"/>
-              </a:cxn>
-              <a:cxn ang="0">
-                <a:pos x="connsiteX11" y="connsiteY11"/>
-              </a:cxn>
-              <a:cxn ang="0">
-                <a:pos x="connsiteX12" y="connsiteY12"/>
-              </a:cxn>
-              <a:cxn ang="0">
-                <a:pos x="connsiteX13" y="connsiteY13"/>
-              </a:cxn>
-              <a:cxn ang="0">
-                <a:pos x="connsiteX14" y="connsiteY14"/>
-              </a:cxn>
-              <a:cxn ang="0">
-                <a:pos x="connsiteX15" y="connsiteY15"/>
-              </a:cxn>
-              <a:cxn ang="0">
-                <a:pos x="connsiteX16" y="connsiteY16"/>
-              </a:cxn>
-              <a:cxn ang="0">
-                <a:pos x="connsiteX17" y="connsiteY17"/>
-              </a:cxn>
-              <a:cxn ang="0">
-                <a:pos x="connsiteX18" y="connsiteY18"/>
-              </a:cxn>
-              <a:cxn ang="0">
-                <a:pos x="connsiteX19" y="connsiteY19"/>
-              </a:cxn>
-              <a:cxn ang="0">
-                <a:pos x="connsiteX20" y="connsiteY20"/>
-              </a:cxn>
-              <a:cxn ang="0">
-                <a:pos x="connsiteX21" y="connsiteY21"/>
-              </a:cxn>
-              <a:cxn ang="0">
-                <a:pos x="connsiteX22" y="connsiteY22"/>
-              </a:cxn>
-              <a:cxn ang="0">
-                <a:pos x="connsiteX23" y="connsiteY23"/>
-              </a:cxn>
-              <a:cxn ang="0">
-                <a:pos x="connsiteX24" y="connsiteY24"/>
-              </a:cxn>
-              <a:cxn ang="0">
-                <a:pos x="connsiteX25" y="connsiteY25"/>
-              </a:cxn>
-              <a:cxn ang="0">
-                <a:pos x="connsiteX26" y="connsiteY26"/>
-              </a:cxn>
-              <a:cxn ang="0">
-                <a:pos x="connsiteX27" y="connsiteY27"/>
-              </a:cxn>
-              <a:cxn ang="0">
-                <a:pos x="connsiteX28" y="connsiteY28"/>
-              </a:cxn>
-              <a:cxn ang="0">
-                <a:pos x="connsiteX29" y="connsiteY29"/>
-              </a:cxn>
-              <a:cxn ang="0">
-                <a:pos x="connsiteX30" y="connsiteY30"/>
-              </a:cxn>
-              <a:cxn ang="0">
-                <a:pos x="connsiteX31" y="connsiteY31"/>
-              </a:cxn>
-              <a:cxn ang="0">
-                <a:pos x="connsiteX32" y="connsiteY32"/>
-              </a:cxn>
-              <a:cxn ang="0">
-                <a:pos x="connsiteX33" y="connsiteY33"/>
-              </a:cxn>
-              <a:cxn ang="0">
-                <a:pos x="connsiteX34" y="connsiteY34"/>
-              </a:cxn>
-              <a:cxn ang="0">
-                <a:pos x="connsiteX35" y="connsiteY35"/>
-              </a:cxn>
-            </a:cxnLst>
-            <a:rect l="l" t="t" r="r" b="b"/>
-            <a:pathLst>
-              <a:path w="559472" h="3709642">
-                <a:moveTo>
-                  <a:pt x="0" y="0"/>
-                </a:moveTo>
-                <a:lnTo>
-                  <a:pt x="473952" y="0"/>
-                </a:lnTo>
-                <a:lnTo>
-                  <a:pt x="485840" y="161194"/>
-                </a:lnTo>
-                <a:cubicBezTo>
-                  <a:pt x="552063" y="1147770"/>
-                  <a:pt x="592441" y="3086737"/>
-                  <a:pt x="523949" y="3672197"/>
-                </a:cubicBezTo>
-                <a:cubicBezTo>
-                  <a:pt x="500842" y="3684557"/>
-                  <a:pt x="477855" y="3697282"/>
-                  <a:pt x="454748" y="3709642"/>
-                </a:cubicBezTo>
-                <a:lnTo>
-                  <a:pt x="448224" y="3510471"/>
-                </a:lnTo>
-                <a:lnTo>
-                  <a:pt x="443564" y="3408563"/>
-                </a:lnTo>
-                <a:lnTo>
-                  <a:pt x="438902" y="3304407"/>
-                </a:lnTo>
-                <a:lnTo>
-                  <a:pt x="433941" y="3198777"/>
-                </a:lnTo>
-                <a:lnTo>
-                  <a:pt x="427584" y="3092510"/>
-                </a:lnTo>
-                <a:lnTo>
-                  <a:pt x="420988" y="2984390"/>
-                </a:lnTo>
-                <a:lnTo>
-                  <a:pt x="414330" y="2874401"/>
-                </a:lnTo>
-                <a:lnTo>
-                  <a:pt x="406840" y="2762980"/>
-                </a:lnTo>
-                <a:lnTo>
-                  <a:pt x="397745" y="2650566"/>
-                </a:lnTo>
-                <a:lnTo>
-                  <a:pt x="389154" y="2536612"/>
-                </a:lnTo>
-                <a:lnTo>
-                  <a:pt x="379225" y="2421642"/>
-                </a:lnTo>
-                <a:lnTo>
-                  <a:pt x="368316" y="2305627"/>
-                </a:lnTo>
-                <a:lnTo>
-                  <a:pt x="357466" y="2189233"/>
-                </a:lnTo>
-                <a:lnTo>
-                  <a:pt x="344982" y="2071473"/>
-                </a:lnTo>
-                <a:lnTo>
-                  <a:pt x="332466" y="1952216"/>
-                </a:lnTo>
-                <a:lnTo>
-                  <a:pt x="319121" y="1833776"/>
-                </a:lnTo>
-                <a:lnTo>
-                  <a:pt x="304408" y="1713948"/>
-                </a:lnTo>
-                <a:lnTo>
-                  <a:pt x="288685" y="1592703"/>
-                </a:lnTo>
-                <a:lnTo>
-                  <a:pt x="273050" y="1471451"/>
-                </a:lnTo>
-                <a:lnTo>
-                  <a:pt x="255813" y="1350328"/>
-                </a:lnTo>
-                <a:lnTo>
-                  <a:pt x="237060" y="1227080"/>
-                </a:lnTo>
-                <a:lnTo>
-                  <a:pt x="218488" y="1106065"/>
-                </a:lnTo>
-                <a:lnTo>
-                  <a:pt x="198221" y="982940"/>
-                </a:lnTo>
-                <a:lnTo>
-                  <a:pt x="177152" y="858755"/>
-                </a:lnTo>
-                <a:lnTo>
-                  <a:pt x="155551" y="736861"/>
-                </a:lnTo>
-                <a:lnTo>
-                  <a:pt x="131782" y="613645"/>
-                </a:lnTo>
-                <a:lnTo>
-                  <a:pt x="107123" y="490500"/>
-                </a:lnTo>
-                <a:lnTo>
-                  <a:pt x="82552" y="367348"/>
-                </a:lnTo>
-                <a:lnTo>
-                  <a:pt x="55608" y="244762"/>
-                </a:lnTo>
-                <a:lnTo>
-                  <a:pt x="28130" y="122220"/>
-                </a:lnTo>
-                <a:lnTo>
-                  <a:pt x="0" y="0"/>
-                </a:lnTo>
-                <a:close/>
-              </a:path>
-            </a:pathLst>
-          </a:custGeom>
-          <a:solidFill>
-            <a:schemeClr val="bg1">
-              <a:alpha val="20000"/>
-            </a:schemeClr>
-          </a:solidFill>
-          <a:ln>
-            <a:noFill/>
-          </a:ln>
-        </p:spPr>
-        <p:txBody>
-          <a:bodyPr rtlCol="0" anchor="ctr"/>
-          <a:lstStyle/>
-          <a:p>
-            <a:pPr algn="ctr"/>
-            <a:endParaRPr lang="en-US"/>
-          </a:p>
-        </p:txBody>
-      </p:sp>
-      <p:sp useBgFill="1">
-        <p:nvSpPr>
-          <p:cNvPr id="18" name="Freeform: Shape 17">
-            <a:extLst>
-              <a:ext uri="{FF2B5EF4-FFF2-40B4-BE49-F238E27FC236}">
-                <a16:creationId xmlns:a16="http://schemas.microsoft.com/office/drawing/2014/main" id="{70151CB7-E7DE-4917-B831-01DF9CE01306}"/>
-              </a:ext>
-              <a:ext uri="{C183D7F6-B498-43B3-948B-1728B52AA6E4}">
-                <adec:decorative xmlns:adec="http://schemas.microsoft.com/office/drawing/2017/decorative" val="1"/>
-              </a:ext>
-            </a:extLst>
-          </p:cNvPr>
-          <p:cNvSpPr>
-            <a:spLocks noGrp="1" noRot="1" noChangeAspect="1" noMove="1" noResize="1" noEditPoints="1" noAdjustHandles="1" noChangeArrowheads="1" noChangeShapeType="1" noTextEdit="1"/>
-          </p:cNvSpPr>
-          <p:nvPr>
-            <p:extLst>
-              <p:ext uri="{386F3935-93C4-4BCD-93E2-E3B085C9AB24}">
-                <p16:designElem xmlns:p16="http://schemas.microsoft.com/office/powerpoint/2015/main" val="1"/>
-              </p:ext>
-            </p:extLst>
-          </p:nvPr>
-        </p:nvSpPr>
-        <p:spPr bwMode="gray">
-          <a:xfrm rot="16200000">
-            <a:off x="5270819" y="-63600"/>
-            <a:ext cx="6858001" cy="6985200"/>
-          </a:xfrm>
-          <a:custGeom>
-            <a:avLst/>
-            <a:gdLst>
-              <a:gd name="connsiteX0" fmla="*/ 6858001 w 6858001"/>
-              <a:gd name="connsiteY0" fmla="*/ 1177 h 6985200"/>
-              <a:gd name="connsiteX1" fmla="*/ 6858001 w 6858001"/>
-              <a:gd name="connsiteY1" fmla="*/ 1344715 h 6985200"/>
-              <a:gd name="connsiteX2" fmla="*/ 6858000 w 6858001"/>
-              <a:gd name="connsiteY2" fmla="*/ 1344715 h 6985200"/>
-              <a:gd name="connsiteX3" fmla="*/ 6858000 w 6858001"/>
-              <a:gd name="connsiteY3" fmla="*/ 6985200 h 6985200"/>
-              <a:gd name="connsiteX4" fmla="*/ 0 w 6858001"/>
-              <a:gd name="connsiteY4" fmla="*/ 6985199 h 6985200"/>
-              <a:gd name="connsiteX5" fmla="*/ 0 w 6858001"/>
-              <a:gd name="connsiteY5" fmla="*/ 886772 h 6985200"/>
-              <a:gd name="connsiteX6" fmla="*/ 1 w 6858001"/>
-              <a:gd name="connsiteY6" fmla="*/ 886772 h 6985200"/>
-              <a:gd name="connsiteX7" fmla="*/ 1 w 6858001"/>
-              <a:gd name="connsiteY7" fmla="*/ 0 h 6985200"/>
-              <a:gd name="connsiteX8" fmla="*/ 40463 w 6858001"/>
-              <a:gd name="connsiteY8" fmla="*/ 5883 h 6985200"/>
-              <a:gd name="connsiteX9" fmla="*/ 159107 w 6858001"/>
-              <a:gd name="connsiteY9" fmla="*/ 23196 h 6985200"/>
-              <a:gd name="connsiteX10" fmla="*/ 245518 w 6858001"/>
-              <a:gd name="connsiteY10" fmla="*/ 35299 h 6985200"/>
-              <a:gd name="connsiteX11" fmla="*/ 348388 w 6858001"/>
-              <a:gd name="connsiteY11" fmla="*/ 48073 h 6985200"/>
-              <a:gd name="connsiteX12" fmla="*/ 470460 w 6858001"/>
-              <a:gd name="connsiteY12" fmla="*/ 63369 h 6985200"/>
-              <a:gd name="connsiteX13" fmla="*/ 605563 w 6858001"/>
-              <a:gd name="connsiteY13" fmla="*/ 79506 h 6985200"/>
-              <a:gd name="connsiteX14" fmla="*/ 757810 w 6858001"/>
-              <a:gd name="connsiteY14" fmla="*/ 96483 h 6985200"/>
-              <a:gd name="connsiteX15" fmla="*/ 923774 w 6858001"/>
-              <a:gd name="connsiteY15" fmla="*/ 114469 h 6985200"/>
-              <a:gd name="connsiteX16" fmla="*/ 1104139 w 6858001"/>
-              <a:gd name="connsiteY16" fmla="*/ 132454 h 6985200"/>
-              <a:gd name="connsiteX17" fmla="*/ 1296163 w 6858001"/>
-              <a:gd name="connsiteY17" fmla="*/ 150776 h 6985200"/>
-              <a:gd name="connsiteX18" fmla="*/ 1503275 w 6858001"/>
-              <a:gd name="connsiteY18" fmla="*/ 167753 h 6985200"/>
-              <a:gd name="connsiteX19" fmla="*/ 1719988 w 6858001"/>
-              <a:gd name="connsiteY19" fmla="*/ 184058 h 6985200"/>
-              <a:gd name="connsiteX20" fmla="*/ 1949045 w 6858001"/>
-              <a:gd name="connsiteY20" fmla="*/ 198849 h 6985200"/>
-              <a:gd name="connsiteX21" fmla="*/ 2187703 w 6858001"/>
-              <a:gd name="connsiteY21" fmla="*/ 212969 h 6985200"/>
-              <a:gd name="connsiteX22" fmla="*/ 2436649 w 6858001"/>
-              <a:gd name="connsiteY22" fmla="*/ 226248 h 6985200"/>
-              <a:gd name="connsiteX23" fmla="*/ 2564208 w 6858001"/>
-              <a:gd name="connsiteY23" fmla="*/ 230955 h 6985200"/>
-              <a:gd name="connsiteX24" fmla="*/ 2694509 w 6858001"/>
-              <a:gd name="connsiteY24" fmla="*/ 236165 h 6985200"/>
-              <a:gd name="connsiteX25" fmla="*/ 2826869 w 6858001"/>
-              <a:gd name="connsiteY25" fmla="*/ 241040 h 6985200"/>
-              <a:gd name="connsiteX26" fmla="*/ 2959914 w 6858001"/>
-              <a:gd name="connsiteY26" fmla="*/ 244234 h 6985200"/>
-              <a:gd name="connsiteX27" fmla="*/ 3095702 w 6858001"/>
-              <a:gd name="connsiteY27" fmla="*/ 247091 h 6985200"/>
-              <a:gd name="connsiteX28" fmla="*/ 3232862 w 6858001"/>
-              <a:gd name="connsiteY28" fmla="*/ 250117 h 6985200"/>
-              <a:gd name="connsiteX29" fmla="*/ 3372766 w 6858001"/>
-              <a:gd name="connsiteY29" fmla="*/ 252134 h 6985200"/>
-              <a:gd name="connsiteX30" fmla="*/ 3514040 w 6858001"/>
-              <a:gd name="connsiteY30" fmla="*/ 252134 h 6985200"/>
-              <a:gd name="connsiteX31" fmla="*/ 3656686 w 6858001"/>
-              <a:gd name="connsiteY31" fmla="*/ 253142 h 6985200"/>
-              <a:gd name="connsiteX32" fmla="*/ 3800705 w 6858001"/>
-              <a:gd name="connsiteY32" fmla="*/ 252134 h 6985200"/>
-              <a:gd name="connsiteX33" fmla="*/ 3946780 w 6858001"/>
-              <a:gd name="connsiteY33" fmla="*/ 250117 h 6985200"/>
-              <a:gd name="connsiteX34" fmla="*/ 4092856 w 6858001"/>
-              <a:gd name="connsiteY34" fmla="*/ 248268 h 6985200"/>
-              <a:gd name="connsiteX35" fmla="*/ 4240988 w 6858001"/>
-              <a:gd name="connsiteY35" fmla="*/ 244234 h 6985200"/>
-              <a:gd name="connsiteX36" fmla="*/ 4390492 w 6858001"/>
-              <a:gd name="connsiteY36" fmla="*/ 240032 h 6985200"/>
-              <a:gd name="connsiteX37" fmla="*/ 4539997 w 6858001"/>
-              <a:gd name="connsiteY37" fmla="*/ 235157 h 6985200"/>
-              <a:gd name="connsiteX38" fmla="*/ 4690873 w 6858001"/>
-              <a:gd name="connsiteY38" fmla="*/ 228266 h 6985200"/>
-              <a:gd name="connsiteX39" fmla="*/ 4843120 w 6858001"/>
-              <a:gd name="connsiteY39" fmla="*/ 220029 h 6985200"/>
-              <a:gd name="connsiteX40" fmla="*/ 4996054 w 6858001"/>
-              <a:gd name="connsiteY40" fmla="*/ 212129 h 6985200"/>
-              <a:gd name="connsiteX41" fmla="*/ 5148987 w 6858001"/>
-              <a:gd name="connsiteY41" fmla="*/ 202044 h 6985200"/>
-              <a:gd name="connsiteX42" fmla="*/ 5303978 w 6858001"/>
-              <a:gd name="connsiteY42" fmla="*/ 189941 h 6985200"/>
-              <a:gd name="connsiteX43" fmla="*/ 5456911 w 6858001"/>
-              <a:gd name="connsiteY43" fmla="*/ 177839 h 6985200"/>
-              <a:gd name="connsiteX44" fmla="*/ 5612588 w 6858001"/>
-              <a:gd name="connsiteY44" fmla="*/ 163887 h 6985200"/>
-              <a:gd name="connsiteX45" fmla="*/ 5768950 w 6858001"/>
-              <a:gd name="connsiteY45" fmla="*/ 148591 h 6985200"/>
-              <a:gd name="connsiteX46" fmla="*/ 5923255 w 6858001"/>
-              <a:gd name="connsiteY46" fmla="*/ 132455 h 6985200"/>
-              <a:gd name="connsiteX47" fmla="*/ 6079618 w 6858001"/>
-              <a:gd name="connsiteY47" fmla="*/ 113629 h 6985200"/>
-              <a:gd name="connsiteX48" fmla="*/ 6235294 w 6858001"/>
-              <a:gd name="connsiteY48" fmla="*/ 93458 h 6985200"/>
-              <a:gd name="connsiteX49" fmla="*/ 6391657 w 6858001"/>
-              <a:gd name="connsiteY49" fmla="*/ 73455 h 6985200"/>
-              <a:gd name="connsiteX50" fmla="*/ 6547333 w 6858001"/>
-              <a:gd name="connsiteY50" fmla="*/ 50091 h 6985200"/>
-              <a:gd name="connsiteX51" fmla="*/ 6702324 w 6858001"/>
-              <a:gd name="connsiteY51" fmla="*/ 26222 h 6985200"/>
-            </a:gdLst>
-            <a:ahLst/>
-            <a:cxnLst>
-              <a:cxn ang="0">
-                <a:pos x="connsiteX0" y="connsiteY0"/>
-              </a:cxn>
-              <a:cxn ang="0">
-                <a:pos x="connsiteX1" y="connsiteY1"/>
-              </a:cxn>
-              <a:cxn ang="0">
-                <a:pos x="connsiteX2" y="connsiteY2"/>
-              </a:cxn>
-              <a:cxn ang="0">
-                <a:pos x="connsiteX3" y="connsiteY3"/>
-              </a:cxn>
-              <a:cxn ang="0">
-                <a:pos x="connsiteX4" y="connsiteY4"/>
-              </a:cxn>
-              <a:cxn ang="0">
-                <a:pos x="connsiteX5" y="connsiteY5"/>
-              </a:cxn>
-              <a:cxn ang="0">
-                <a:pos x="connsiteX6" y="connsiteY6"/>
-              </a:cxn>
-              <a:cxn ang="0">
-                <a:pos x="connsiteX7" y="connsiteY7"/>
-              </a:cxn>
-              <a:cxn ang="0">
-                <a:pos x="connsiteX8" y="connsiteY8"/>
-              </a:cxn>
-              <a:cxn ang="0">
-                <a:pos x="connsiteX9" y="connsiteY9"/>
-              </a:cxn>
-              <a:cxn ang="0">
-                <a:pos x="connsiteX10" y="connsiteY10"/>
-              </a:cxn>
-              <a:cxn ang="0">
-                <a:pos x="connsiteX11" y="connsiteY11"/>
-              </a:cxn>
-              <a:cxn ang="0">
-                <a:pos x="connsiteX12" y="connsiteY12"/>
-              </a:cxn>
-              <a:cxn ang="0">
-                <a:pos x="connsiteX13" y="connsiteY13"/>
-              </a:cxn>
-              <a:cxn ang="0">
-                <a:pos x="connsiteX14" y="connsiteY14"/>
-              </a:cxn>
-              <a:cxn ang="0">
-                <a:pos x="connsiteX15" y="connsiteY15"/>
-              </a:cxn>
-              <a:cxn ang="0">
-                <a:pos x="connsiteX16" y="connsiteY16"/>
-              </a:cxn>
-              <a:cxn ang="0">
-                <a:pos x="connsiteX17" y="connsiteY17"/>
-              </a:cxn>
-              <a:cxn ang="0">
-                <a:pos x="connsiteX18" y="connsiteY18"/>
-              </a:cxn>
-              <a:cxn ang="0">
-                <a:pos x="connsiteX19" y="connsiteY19"/>
-              </a:cxn>
-              <a:cxn ang="0">
-                <a:pos x="connsiteX20" y="connsiteY20"/>
-              </a:cxn>
-              <a:cxn ang="0">
-                <a:pos x="connsiteX21" y="connsiteY21"/>
-              </a:cxn>
-              <a:cxn ang="0">
-                <a:pos x="connsiteX22" y="connsiteY22"/>
-              </a:cxn>
-              <a:cxn ang="0">
-                <a:pos x="connsiteX23" y="connsiteY23"/>
-              </a:cxn>
-              <a:cxn ang="0">
-                <a:pos x="connsiteX24" y="connsiteY24"/>
-              </a:cxn>
-              <a:cxn ang="0">
-                <a:pos x="connsiteX25" y="connsiteY25"/>
-              </a:cxn>
-              <a:cxn ang="0">
-                <a:pos x="connsiteX26" y="connsiteY26"/>
-              </a:cxn>
-              <a:cxn ang="0">
-                <a:pos x="connsiteX27" y="connsiteY27"/>
-              </a:cxn>
-              <a:cxn ang="0">
-                <a:pos x="connsiteX28" y="connsiteY28"/>
-              </a:cxn>
-              <a:cxn ang="0">
-                <a:pos x="connsiteX29" y="connsiteY29"/>
-              </a:cxn>
-              <a:cxn ang="0">
-                <a:pos x="connsiteX30" y="connsiteY30"/>
-              </a:cxn>
-              <a:cxn ang="0">
-                <a:pos x="connsiteX31" y="connsiteY31"/>
-              </a:cxn>
-              <a:cxn ang="0">
-                <a:pos x="connsiteX32" y="connsiteY32"/>
-              </a:cxn>
-              <a:cxn ang="0">
-                <a:pos x="connsiteX33" y="connsiteY33"/>
-              </a:cxn>
-              <a:cxn ang="0">
-                <a:pos x="connsiteX34" y="connsiteY34"/>
-              </a:cxn>
-              <a:cxn ang="0">
-                <a:pos x="connsiteX35" y="connsiteY35"/>
-              </a:cxn>
-              <a:cxn ang="0">
-                <a:pos x="connsiteX36" y="connsiteY36"/>
-              </a:cxn>
-              <a:cxn ang="0">
-                <a:pos x="connsiteX37" y="connsiteY37"/>
-              </a:cxn>
-              <a:cxn ang="0">
-                <a:pos x="connsiteX38" y="connsiteY38"/>
-              </a:cxn>
-              <a:cxn ang="0">
-                <a:pos x="connsiteX39" y="connsiteY39"/>
-              </a:cxn>
-              <a:cxn ang="0">
-                <a:pos x="connsiteX40" y="connsiteY40"/>
-              </a:cxn>
-              <a:cxn ang="0">
-                <a:pos x="connsiteX41" y="connsiteY41"/>
-              </a:cxn>
-              <a:cxn ang="0">
-                <a:pos x="connsiteX42" y="connsiteY42"/>
-              </a:cxn>
-              <a:cxn ang="0">
-                <a:pos x="connsiteX43" y="connsiteY43"/>
-              </a:cxn>
-              <a:cxn ang="0">
-                <a:pos x="connsiteX44" y="connsiteY44"/>
-              </a:cxn>
-              <a:cxn ang="0">
-                <a:pos x="connsiteX45" y="connsiteY45"/>
-              </a:cxn>
-              <a:cxn ang="0">
-                <a:pos x="connsiteX46" y="connsiteY46"/>
-              </a:cxn>
-              <a:cxn ang="0">
-                <a:pos x="connsiteX47" y="connsiteY47"/>
-              </a:cxn>
-              <a:cxn ang="0">
-                <a:pos x="connsiteX48" y="connsiteY48"/>
-              </a:cxn>
-              <a:cxn ang="0">
-                <a:pos x="connsiteX49" y="connsiteY49"/>
-              </a:cxn>
-              <a:cxn ang="0">
-                <a:pos x="connsiteX50" y="connsiteY50"/>
-              </a:cxn>
-              <a:cxn ang="0">
-                <a:pos x="connsiteX51" y="connsiteY51"/>
-              </a:cxn>
-            </a:cxnLst>
-            <a:rect l="l" t="t" r="r" b="b"/>
-            <a:pathLst>
-              <a:path w="6858001" h="6985200">
-                <a:moveTo>
-                  <a:pt x="6858001" y="1177"/>
-                </a:moveTo>
-                <a:lnTo>
-                  <a:pt x="6858001" y="1344715"/>
-                </a:lnTo>
-                <a:lnTo>
-                  <a:pt x="6858000" y="1344715"/>
-                </a:lnTo>
-                <a:lnTo>
-                  <a:pt x="6858000" y="6985200"/>
-                </a:lnTo>
-                <a:lnTo>
-                  <a:pt x="0" y="6985199"/>
-                </a:lnTo>
-                <a:lnTo>
-                  <a:pt x="0" y="886772"/>
-                </a:lnTo>
-                <a:lnTo>
-                  <a:pt x="1" y="886772"/>
-                </a:lnTo>
-                <a:lnTo>
-                  <a:pt x="1" y="0"/>
-                </a:lnTo>
-                <a:lnTo>
-                  <a:pt x="40463" y="5883"/>
-                </a:lnTo>
-                <a:lnTo>
-                  <a:pt x="159107" y="23196"/>
-                </a:lnTo>
-                <a:lnTo>
-                  <a:pt x="245518" y="35299"/>
-                </a:lnTo>
-                <a:lnTo>
-                  <a:pt x="348388" y="48073"/>
-                </a:lnTo>
-                <a:lnTo>
-                  <a:pt x="470460" y="63369"/>
-                </a:lnTo>
-                <a:lnTo>
-                  <a:pt x="605563" y="79506"/>
-                </a:lnTo>
-                <a:lnTo>
-                  <a:pt x="757810" y="96483"/>
-                </a:lnTo>
-                <a:lnTo>
-                  <a:pt x="923774" y="114469"/>
-                </a:lnTo>
-                <a:lnTo>
-                  <a:pt x="1104139" y="132454"/>
-                </a:lnTo>
-                <a:lnTo>
-                  <a:pt x="1296163" y="150776"/>
-                </a:lnTo>
-                <a:lnTo>
-                  <a:pt x="1503275" y="167753"/>
-                </a:lnTo>
-                <a:lnTo>
-                  <a:pt x="1719988" y="184058"/>
-                </a:lnTo>
-                <a:lnTo>
-                  <a:pt x="1949045" y="198849"/>
-                </a:lnTo>
-                <a:lnTo>
-                  <a:pt x="2187703" y="212969"/>
-                </a:lnTo>
-                <a:lnTo>
-                  <a:pt x="2436649" y="226248"/>
-                </a:lnTo>
-                <a:lnTo>
-                  <a:pt x="2564208" y="230955"/>
-                </a:lnTo>
-                <a:lnTo>
-                  <a:pt x="2694509" y="236165"/>
-                </a:lnTo>
-                <a:lnTo>
-                  <a:pt x="2826869" y="241040"/>
-                </a:lnTo>
-                <a:lnTo>
-                  <a:pt x="2959914" y="244234"/>
-                </a:lnTo>
-                <a:lnTo>
-                  <a:pt x="3095702" y="247091"/>
-                </a:lnTo>
-                <a:lnTo>
-                  <a:pt x="3232862" y="250117"/>
-                </a:lnTo>
-                <a:lnTo>
-                  <a:pt x="3372766" y="252134"/>
-                </a:lnTo>
-                <a:lnTo>
-                  <a:pt x="3514040" y="252134"/>
-                </a:lnTo>
-                <a:lnTo>
-                  <a:pt x="3656686" y="253142"/>
-                </a:lnTo>
-                <a:lnTo>
-                  <a:pt x="3800705" y="252134"/>
-                </a:lnTo>
-                <a:lnTo>
-                  <a:pt x="3946780" y="250117"/>
-                </a:lnTo>
-                <a:lnTo>
-                  <a:pt x="4092856" y="248268"/>
-                </a:lnTo>
-                <a:lnTo>
-                  <a:pt x="4240988" y="244234"/>
-                </a:lnTo>
-                <a:lnTo>
-                  <a:pt x="4390492" y="240032"/>
-                </a:lnTo>
-                <a:lnTo>
-                  <a:pt x="4539997" y="235157"/>
-                </a:lnTo>
-                <a:lnTo>
-                  <a:pt x="4690873" y="228266"/>
-                </a:lnTo>
-                <a:lnTo>
-                  <a:pt x="4843120" y="220029"/>
-                </a:lnTo>
-                <a:lnTo>
-                  <a:pt x="4996054" y="212129"/>
-                </a:lnTo>
-                <a:lnTo>
-                  <a:pt x="5148987" y="202044"/>
-                </a:lnTo>
-                <a:lnTo>
-                  <a:pt x="5303978" y="189941"/>
-                </a:lnTo>
-                <a:lnTo>
-                  <a:pt x="5456911" y="177839"/>
-                </a:lnTo>
-                <a:lnTo>
-                  <a:pt x="5612588" y="163887"/>
-                </a:lnTo>
-                <a:lnTo>
-                  <a:pt x="5768950" y="148591"/>
-                </a:lnTo>
-                <a:lnTo>
-                  <a:pt x="5923255" y="132455"/>
-                </a:lnTo>
-                <a:lnTo>
-                  <a:pt x="6079618" y="113629"/>
-                </a:lnTo>
-                <a:lnTo>
-                  <a:pt x="6235294" y="93458"/>
-                </a:lnTo>
-                <a:lnTo>
-                  <a:pt x="6391657" y="73455"/>
-                </a:lnTo>
-                <a:lnTo>
-                  <a:pt x="6547333" y="50091"/>
-                </a:lnTo>
-                <a:lnTo>
-                  <a:pt x="6702324" y="26222"/>
-                </a:lnTo>
-                <a:close/>
-              </a:path>
-            </a:pathLst>
-          </a:custGeom>
-          <a:ln>
-            <a:noFill/>
-          </a:ln>
-        </p:spPr>
-      </p:sp>
-      <p:pic>
-        <p:nvPicPr>
           <p:cNvPr id="7" name="Kép 7">
             <a:extLst>
               <a:ext uri="{FF2B5EF4-FFF2-40B4-BE49-F238E27FC236}">
@@ -14699,7 +16620,7 @@
         </p:spPr>
         <p:txBody>
           <a:bodyPr vert="horz" lIns="91440" tIns="45720" rIns="91440" bIns="45720" rtlCol="0" anchor="t">
-            <a:normAutofit/>
+            <a:normAutofit lnSpcReduction="10000"/>
           </a:bodyPr>
           <a:lstStyle/>
           <a:p>
@@ -14799,7 +16720,7 @@
                   <a:srgbClr val="EBEBEB"/>
                 </a:solidFill>
               </a:rPr>
-              <a:t>Working with microcontrollers</a:t>
+              <a:t>Working with microcontrollers and SBC-s</a:t>
             </a:r>
           </a:p>
           <a:p>
@@ -14901,375 +16822,6 @@
   </p:cSld>
   <p:clrMapOvr>
     <a:overrideClrMapping bg1="lt1" tx1="dk1" bg2="lt2" tx2="dk2" accent1="accent1" accent2="accent2" accent3="accent3" accent4="accent4" accent5="accent5" accent6="accent6" hlink="hlink" folHlink="folHlink"/>
-  </p:clrMapOvr>
-  <mc:AlternateContent xmlns:mc="http://schemas.openxmlformats.org/markup-compatibility/2006" xmlns:p14="http://schemas.microsoft.com/office/powerpoint/2010/main">
-    <mc:Choice Requires="p14">
-      <p:transition spd="med" p14:dur="700">
-        <p:fade/>
-      </p:transition>
-    </mc:Choice>
-    <mc:Fallback xmlns="">
-      <p:transition spd="med">
-        <p:fade/>
-      </p:transition>
-    </mc:Fallback>
-  </mc:AlternateContent>
-</p:sld>
-</file>
-
-<file path=ppt/slides/slide8.xml><?xml version="1.0" encoding="utf-8"?>
-<p:sld xmlns:a="http://schemas.openxmlformats.org/drawingml/2006/main" xmlns:r="http://schemas.openxmlformats.org/officeDocument/2006/relationships" xmlns:p="http://schemas.openxmlformats.org/presentationml/2006/main">
-  <p:cSld>
-    <p:spTree>
-      <p:nvGrpSpPr>
-        <p:cNvPr id="1" name=""/>
-        <p:cNvGrpSpPr/>
-        <p:nvPr/>
-      </p:nvGrpSpPr>
-      <p:grpSpPr>
-        <a:xfrm>
-          <a:off x="0" y="0"/>
-          <a:ext cx="0" cy="0"/>
-          <a:chOff x="0" y="0"/>
-          <a:chExt cx="0" cy="0"/>
-        </a:xfrm>
-      </p:grpSpPr>
-      <p:sp>
-        <p:nvSpPr>
-          <p:cNvPr id="2" name="Cím 1">
-            <a:extLst>
-              <a:ext uri="{FF2B5EF4-FFF2-40B4-BE49-F238E27FC236}">
-                <a16:creationId xmlns:a16="http://schemas.microsoft.com/office/drawing/2014/main" id="{269F2655-33CD-8A94-6555-396A2BDB263C}"/>
-              </a:ext>
-            </a:extLst>
-          </p:cNvPr>
-          <p:cNvSpPr>
-            <a:spLocks noGrp="1"/>
-          </p:cNvSpPr>
-          <p:nvPr>
-            <p:ph type="title"/>
-          </p:nvPr>
-        </p:nvSpPr>
-        <p:spPr/>
-        <p:txBody>
-          <a:bodyPr/>
-          <a:lstStyle/>
-          <a:p>
-            <a:r>
-              <a:rPr lang="hu-HU" b="1" dirty="0" err="1"/>
-              <a:t>Smart</a:t>
-            </a:r>
-            <a:r>
-              <a:rPr lang="hu-HU" b="1" dirty="0"/>
-              <a:t> </a:t>
-            </a:r>
-            <a:r>
-              <a:rPr lang="hu-HU" b="1" dirty="0" err="1"/>
-              <a:t>braking</a:t>
-            </a:r>
-            <a:r>
-              <a:rPr lang="hu-HU" b="1" dirty="0"/>
-              <a:t> </a:t>
-            </a:r>
-            <a:r>
-              <a:rPr lang="hu-HU" b="1" dirty="0" err="1"/>
-              <a:t>system</a:t>
-            </a:r>
-            <a:r>
-              <a:rPr lang="hu-HU" b="1" dirty="0"/>
-              <a:t> </a:t>
-            </a:r>
-            <a:r>
-              <a:rPr lang="hu-HU" b="1" dirty="0" err="1"/>
-              <a:t>integration</a:t>
-            </a:r>
-            <a:endParaRPr lang="hu-HU" b="1" dirty="0"/>
-          </a:p>
-        </p:txBody>
-      </p:sp>
-      <p:pic>
-        <p:nvPicPr>
-          <p:cNvPr id="4" name="Kép 4">
-            <a:extLst>
-              <a:ext uri="{FF2B5EF4-FFF2-40B4-BE49-F238E27FC236}">
-                <a16:creationId xmlns:a16="http://schemas.microsoft.com/office/drawing/2014/main" id="{32F7ED4D-3C67-0862-4182-7D4113F66D13}"/>
-              </a:ext>
-            </a:extLst>
-          </p:cNvPr>
-          <p:cNvPicPr>
-            <a:picLocks noGrp="1" noChangeAspect="1"/>
-          </p:cNvPicPr>
-          <p:nvPr>
-            <p:ph idx="1"/>
-          </p:nvPr>
-        </p:nvPicPr>
-        <p:blipFill>
-          <a:blip r:embed="rId3"/>
-          <a:stretch>
-            <a:fillRect/>
-          </a:stretch>
-        </p:blipFill>
-        <p:spPr>
-          <a:xfrm>
-            <a:off x="864080" y="1772254"/>
-            <a:ext cx="10692052" cy="3037880"/>
-          </a:xfrm>
-        </p:spPr>
-      </p:pic>
-      <p:sp>
-        <p:nvSpPr>
-          <p:cNvPr id="5" name="Szövegdoboz 4">
-            <a:extLst>
-              <a:ext uri="{FF2B5EF4-FFF2-40B4-BE49-F238E27FC236}">
-                <a16:creationId xmlns:a16="http://schemas.microsoft.com/office/drawing/2014/main" id="{7F435E0C-B18B-863D-4690-1E0E8A8E634F}"/>
-              </a:ext>
-            </a:extLst>
-          </p:cNvPr>
-          <p:cNvSpPr txBox="1"/>
-          <p:nvPr/>
-        </p:nvSpPr>
-        <p:spPr>
-          <a:xfrm>
-            <a:off x="4111256" y="4988440"/>
-            <a:ext cx="7079510" cy="1417824"/>
-          </a:xfrm>
-          <a:prstGeom prst="rect">
-            <a:avLst/>
-          </a:prstGeom>
-          <a:noFill/>
-        </p:spPr>
-        <p:txBody>
-          <a:bodyPr rot="0" spcFirstLastPara="0" vertOverflow="overflow" horzOverflow="overflow" vert="horz" wrap="square" lIns="91440" tIns="45720" rIns="91440" bIns="45720" numCol="1" spcCol="0" rtlCol="0" fromWordArt="0" anchor="t" anchorCtr="0" forceAA="0" compatLnSpc="1">
-            <a:prstTxWarp prst="textNoShape">
-              <a:avLst/>
-            </a:prstTxWarp>
-            <a:spAutoFit/>
-          </a:bodyPr>
-          <a:lstStyle/>
-          <a:p>
-            <a:pPr marL="342900" indent="-342900">
-              <a:lnSpc>
-                <a:spcPct val="150000"/>
-              </a:lnSpc>
-              <a:buFont typeface="Arial"/>
-              <a:buChar char="•"/>
-            </a:pPr>
-            <a:r>
-              <a:rPr lang="hu-HU" sz="2000" b="1" dirty="0" err="1">
-                <a:solidFill>
-                  <a:schemeClr val="accent2"/>
-                </a:solidFill>
-              </a:rPr>
-              <a:t>Orange</a:t>
-            </a:r>
-            <a:r>
-              <a:rPr lang="hu-HU" sz="2000" b="1" dirty="0">
-                <a:solidFill>
-                  <a:schemeClr val="accent2"/>
-                </a:solidFill>
-              </a:rPr>
-              <a:t>: </a:t>
-            </a:r>
-            <a:r>
-              <a:rPr lang="hu-HU" sz="2000" b="1" dirty="0" err="1">
-                <a:solidFill>
-                  <a:schemeClr val="accent2"/>
-                </a:solidFill>
-              </a:rPr>
-              <a:t>Car's</a:t>
-            </a:r>
-            <a:r>
-              <a:rPr lang="hu-HU" sz="2000" b="1" dirty="0">
-                <a:solidFill>
-                  <a:schemeClr val="accent2"/>
-                </a:solidFill>
-              </a:rPr>
-              <a:t> </a:t>
-            </a:r>
-            <a:r>
-              <a:rPr lang="hu-HU" sz="2000" b="1" dirty="0" err="1">
-                <a:solidFill>
-                  <a:schemeClr val="accent2"/>
-                </a:solidFill>
-              </a:rPr>
-              <a:t>current</a:t>
-            </a:r>
-            <a:r>
-              <a:rPr lang="hu-HU" sz="2000" b="1" dirty="0">
-                <a:solidFill>
-                  <a:schemeClr val="accent2"/>
-                </a:solidFill>
-              </a:rPr>
-              <a:t> </a:t>
-            </a:r>
-            <a:r>
-              <a:rPr lang="hu-HU" sz="2000" b="1" dirty="0" err="1">
-                <a:solidFill>
-                  <a:schemeClr val="accent2"/>
-                </a:solidFill>
-              </a:rPr>
-              <a:t>speed</a:t>
-            </a:r>
-            <a:endParaRPr lang="hu-HU" sz="2000" b="1" dirty="0">
-              <a:solidFill>
-                <a:schemeClr val="accent2"/>
-              </a:solidFill>
-            </a:endParaRPr>
-          </a:p>
-          <a:p>
-            <a:pPr marL="342900" indent="-342900">
-              <a:lnSpc>
-                <a:spcPct val="150000"/>
-              </a:lnSpc>
-              <a:buFont typeface="Arial"/>
-              <a:buChar char="•"/>
-            </a:pPr>
-            <a:r>
-              <a:rPr lang="hu-HU" sz="2000" b="1" dirty="0" err="1">
-                <a:solidFill>
-                  <a:schemeClr val="accent6">
-                    <a:lumMod val="50000"/>
-                  </a:schemeClr>
-                </a:solidFill>
-              </a:rPr>
-              <a:t>Purple</a:t>
-            </a:r>
-            <a:r>
-              <a:rPr lang="hu-HU" sz="2000" b="1" dirty="0">
-                <a:solidFill>
-                  <a:schemeClr val="accent6">
-                    <a:lumMod val="50000"/>
-                  </a:schemeClr>
-                </a:solidFill>
-              </a:rPr>
-              <a:t>: </a:t>
-            </a:r>
-            <a:r>
-              <a:rPr lang="hu-HU" sz="2000" b="1" dirty="0" err="1">
-                <a:solidFill>
-                  <a:schemeClr val="accent6">
-                    <a:lumMod val="50000"/>
-                  </a:schemeClr>
-                </a:solidFill>
-              </a:rPr>
-              <a:t>Distance</a:t>
-            </a:r>
-            <a:r>
-              <a:rPr lang="hu-HU" sz="2000" b="1" dirty="0">
-                <a:solidFill>
-                  <a:schemeClr val="accent6">
-                    <a:lumMod val="50000"/>
-                  </a:schemeClr>
-                </a:solidFill>
-              </a:rPr>
-              <a:t> </a:t>
-            </a:r>
-            <a:r>
-              <a:rPr lang="hu-HU" sz="2000" b="1" dirty="0" err="1">
-                <a:solidFill>
-                  <a:schemeClr val="accent6">
-                    <a:lumMod val="50000"/>
-                  </a:schemeClr>
-                </a:solidFill>
-              </a:rPr>
-              <a:t>from</a:t>
-            </a:r>
-            <a:r>
-              <a:rPr lang="hu-HU" sz="2000" b="1" dirty="0">
-                <a:solidFill>
-                  <a:schemeClr val="accent6">
-                    <a:lumMod val="50000"/>
-                  </a:schemeClr>
-                </a:solidFill>
-              </a:rPr>
-              <a:t> </a:t>
-            </a:r>
-            <a:r>
-              <a:rPr lang="hu-HU" sz="2000" b="1" dirty="0" err="1">
-                <a:solidFill>
-                  <a:schemeClr val="accent6">
-                    <a:lumMod val="50000"/>
-                  </a:schemeClr>
-                </a:solidFill>
-              </a:rPr>
-              <a:t>object</a:t>
-            </a:r>
-            <a:r>
-              <a:rPr lang="hu-HU" sz="2000" b="1" dirty="0">
-                <a:solidFill>
-                  <a:schemeClr val="accent6">
-                    <a:lumMod val="50000"/>
-                  </a:schemeClr>
-                </a:solidFill>
-              </a:rPr>
-              <a:t> in front</a:t>
-            </a:r>
-          </a:p>
-          <a:p>
-            <a:pPr marL="342900" indent="-342900">
-              <a:lnSpc>
-                <a:spcPct val="150000"/>
-              </a:lnSpc>
-              <a:buFont typeface="Arial"/>
-              <a:buChar char="•"/>
-            </a:pPr>
-            <a:r>
-              <a:rPr lang="hu-HU" sz="2000" b="1" dirty="0" err="1">
-                <a:solidFill>
-                  <a:srgbClr val="0070C0"/>
-                </a:solidFill>
-              </a:rPr>
-              <a:t>Blue</a:t>
-            </a:r>
-            <a:r>
-              <a:rPr lang="hu-HU" sz="2000" b="1" dirty="0">
-                <a:solidFill>
-                  <a:srgbClr val="0070C0"/>
-                </a:solidFill>
-              </a:rPr>
-              <a:t>: </a:t>
-            </a:r>
-            <a:r>
-              <a:rPr lang="hu-HU" sz="2000" b="1" dirty="0" err="1">
-                <a:solidFill>
-                  <a:srgbClr val="0070C0"/>
-                </a:solidFill>
-              </a:rPr>
-              <a:t>Braking</a:t>
-            </a:r>
-            <a:r>
-              <a:rPr lang="hu-HU" sz="2000" b="1" dirty="0">
-                <a:solidFill>
-                  <a:srgbClr val="0070C0"/>
-                </a:solidFill>
-              </a:rPr>
-              <a:t> </a:t>
-            </a:r>
-            <a:r>
-              <a:rPr lang="hu-HU" sz="2000" b="1" dirty="0" err="1">
-                <a:solidFill>
-                  <a:srgbClr val="0070C0"/>
-                </a:solidFill>
-              </a:rPr>
-              <a:t>amuont</a:t>
-            </a:r>
-            <a:endParaRPr lang="hu-HU" sz="2000" b="1" dirty="0">
-              <a:solidFill>
-                <a:srgbClr val="0070C0"/>
-              </a:solidFill>
-            </a:endParaRPr>
-          </a:p>
-        </p:txBody>
-      </p:sp>
-    </p:spTree>
-    <p:extLst>
-      <p:ext uri="{BB962C8B-B14F-4D97-AF65-F5344CB8AC3E}">
-        <p14:creationId xmlns:p14="http://schemas.microsoft.com/office/powerpoint/2010/main" val="2637228364"/>
-      </p:ext>
-    </p:extLst>
-  </p:cSld>
-  <p:clrMapOvr>
-    <a:masterClrMapping/>
   </p:clrMapOvr>
   <mc:AlternateContent xmlns:mc="http://schemas.openxmlformats.org/markup-compatibility/2006" xmlns:p14="http://schemas.microsoft.com/office/powerpoint/2010/main">
     <mc:Choice Requires="p14">
